--- a/help/data-sheets/assets/DMeEnterpriseSupportDatasheet_2022 (1).pptx
+++ b/help/data-sheets/assets/DMeEnterpriseSupportDatasheet_2022 (1).pptx
@@ -441,42 +441,6 @@
 </pc:chgInfo>
 </file>
 
-<file path=ppt/comments/modernComment_105_3E964E31.xml><?xml version="1.0" encoding="utf-8"?>
-<p188:cmLst xmlns:a="http://schemas.openxmlformats.org/drawingml/2006/main" xmlns:r="http://schemas.openxmlformats.org/officeDocument/2006/relationships" xmlns:p188="http://schemas.microsoft.com/office/powerpoint/2018/8/main">
-  <p188:cm id="{01C3F3F0-2814-4D6E-911E-1AA58F4E2B59}" authorId="{DB1A11B9-3973-06DC-DBC2-EFEFEF087FED}" created="2022-02-09T19:17:48.735">
-    <pc:sldMkLst xmlns:pc="http://schemas.microsoft.com/office/powerpoint/2013/main/command">
-      <pc:docMk/>
-      <pc:sldMk cId="1050037809" sldId="261"/>
-    </pc:sldMkLst>
-    <p188:replyLst>
-      <p188:reply id="{43FD53F6-3E2B-4FC3-8555-4F3083F01AB8}" authorId="{D376325D-2BBD-24A3-9FEE-692465B927D5}" created="2022-02-10T15:55:29.062">
-        <p188:txBody>
-          <a:bodyPr/>
-          <a:lstStyle/>
-          <a:p>
-            <a:r>
-              <a:rPr lang="en-US"/>
-              <a:t>Updated.</a:t>
-            </a:r>
-          </a:p>
-        </p188:txBody>
-      </p188:reply>
-    </p188:replyLst>
-    <p188:txBody>
-      <a:bodyPr/>
-      <a:lstStyle/>
-      <a:p>
-        <a:r>
-          <a:rPr lang="en-US"/>
-          <a:t>Change from Experience League to Enterprise Learn &amp; Support - https://helpx.adobe.com/enterprise.html
-[@Jaclyn Zalesky] </a:t>
-        </a:r>
-      </a:p>
-    </p188:txBody>
-  </p188:cm>
-</p188:cmLst>
-</file>
-
 <file path=ppt/notesMasters/notesMaster1.xml><?xml version="1.0" encoding="utf-8"?>
 <p:notesMaster xmlns:a="http://schemas.openxmlformats.org/drawingml/2006/main" xmlns:r="http://schemas.openxmlformats.org/officeDocument/2006/relationships" xmlns:p="http://schemas.openxmlformats.org/presentationml/2006/main">
   <p:cSld>
@@ -559,7 +523,7 @@
           <a:p>
             <a:fld id="{CCB2A597-803A-C244-97E2-A01066125D19}" type="datetimeFigureOut">
               <a:rPr lang="en-US" smtClean="0"/>
-              <a:t>3/3/2022</a:t>
+              <a:t>3/25/2022</a:t>
             </a:fld>
             <a:endParaRPr lang="en-US"/>
           </a:p>
@@ -1256,7 +1220,7 @@
           <a:p>
             <a:fld id="{1D8BD707-D9CF-40AE-B4C6-C98DA3205C09}" type="datetimeFigureOut">
               <a:rPr lang="en-US"/>
-              <a:t>3/3/2022</a:t>
+              <a:t>3/25/2022</a:t>
             </a:fld>
             <a:endParaRPr lang="en-US"/>
           </a:p>
@@ -1496,7 +1460,7 @@
           <a:p>
             <a:fld id="{1D8BD707-D9CF-40AE-B4C6-C98DA3205C09}" type="datetimeFigureOut">
               <a:rPr lang="en-US"/>
-              <a:t>3/3/2022</a:t>
+              <a:t>3/25/2022</a:t>
             </a:fld>
             <a:endParaRPr lang="en-US"/>
           </a:p>
@@ -1749,7 +1713,7 @@
           <a:p>
             <a:fld id="{1D8BD707-D9CF-40AE-B4C6-C98DA3205C09}" type="datetimeFigureOut">
               <a:rPr lang="en-US"/>
-              <a:t>3/3/2022</a:t>
+              <a:t>3/25/2022</a:t>
             </a:fld>
             <a:endParaRPr lang="en-US"/>
           </a:p>
@@ -1936,7 +1900,7 @@
           <a:p>
             <a:fld id="{1D8BD707-D9CF-40AE-B4C6-C98DA3205C09}" type="datetimeFigureOut">
               <a:rPr lang="en-US"/>
-              <a:t>3/3/2022</a:t>
+              <a:t>3/25/2022</a:t>
             </a:fld>
             <a:endParaRPr lang="en-US"/>
           </a:p>
@@ -2094,7 +2058,7 @@
           <a:p>
             <a:fld id="{1D8BD707-D9CF-40AE-B4C6-C98DA3205C09}" type="datetimeFigureOut">
               <a:rPr lang="en-US"/>
-              <a:t>3/3/2022</a:t>
+              <a:t>3/25/2022</a:t>
             </a:fld>
             <a:endParaRPr lang="en-US"/>
           </a:p>
@@ -2352,7 +2316,7 @@
           <a:p>
             <a:fld id="{1D8BD707-D9CF-40AE-B4C6-C98DA3205C09}" type="datetimeFigureOut">
               <a:rPr lang="en-US"/>
-              <a:t>3/3/2022</a:t>
+              <a:t>3/25/2022</a:t>
             </a:fld>
             <a:endParaRPr lang="en-US"/>
           </a:p>
@@ -2605,32 +2569,11 @@
               </a:spcBef>
             </a:pPr>
             <a:r>
-              <a:rPr sz="2300" dirty="0">
+              <a:rPr lang="fr-FR" sz="2300">
                 <a:latin typeface="Adobe Clean" panose="020B0503020404020204" pitchFamily="34" charset="0"/>
               </a:rPr>
-              <a:t>ADOBE</a:t>
+              <a:t>PLANS D’ASSISTANCE ADOBE</a:t>
             </a:r>
-            <a:r>
-              <a:rPr lang="en-US" sz="2300" dirty="0">
-                <a:latin typeface="Adobe Clean" panose="020B0503020404020204" pitchFamily="34" charset="0"/>
-              </a:rPr>
-              <a:t> </a:t>
-            </a:r>
-            <a:r>
-              <a:rPr sz="2300" dirty="0">
-                <a:latin typeface="Adobe Clean" panose="020B0503020404020204" pitchFamily="34" charset="0"/>
-              </a:rPr>
-              <a:t>SUPPORT</a:t>
-            </a:r>
-            <a:r>
-              <a:rPr lang="en-US" sz="2300" dirty="0">
-                <a:latin typeface="Adobe Clean" panose="020B0503020404020204" pitchFamily="34" charset="0"/>
-              </a:rPr>
-              <a:t> PLANS</a:t>
-            </a:r>
-            <a:endParaRPr sz="2300" dirty="0">
-              <a:latin typeface="Adobe Clean" panose="020B0503020404020204" pitchFamily="34" charset="0"/>
-            </a:endParaRPr>
           </a:p>
         </p:txBody>
       </p:sp>
@@ -2643,7 +2586,7 @@
         <p:spPr>
           <a:xfrm>
             <a:off x="121146" y="7134585"/>
-            <a:ext cx="2785110" cy="228268"/>
+            <a:ext cx="4107954" cy="212879"/>
           </a:xfrm>
           <a:prstGeom prst="rect">
             <a:avLst/>
@@ -2664,7 +2607,7 @@
               </a:spcBef>
             </a:pPr>
             <a:r>
-              <a:rPr sz="1400" b="1" u="sng" spc="15" dirty="0">
+              <a:rPr lang="fr-FR" sz="1300" b="1" u="sng" dirty="0">
                 <a:solidFill>
                   <a:srgbClr val="020302"/>
                 </a:solidFill>
@@ -2676,477 +2619,8 @@
                 <a:latin typeface="Adobe Clean"/>
                 <a:cs typeface="Adobe Clean"/>
               </a:rPr>
-              <a:t>S</a:t>
+              <a:t>Cibles du niveau de service : Réponse initiale</a:t>
             </a:r>
-            <a:r>
-              <a:rPr sz="1400" b="1" u="sng" spc="5" dirty="0">
-                <a:solidFill>
-                  <a:srgbClr val="020302"/>
-                </a:solidFill>
-                <a:uFill>
-                  <a:solidFill>
-                    <a:srgbClr val="020302"/>
-                  </a:solidFill>
-                </a:uFill>
-                <a:latin typeface="Adobe Clean"/>
-                <a:cs typeface="Adobe Clean"/>
-              </a:rPr>
-              <a:t>er</a:t>
-            </a:r>
-            <a:r>
-              <a:rPr sz="1400" b="1" u="sng" spc="10" dirty="0">
-                <a:solidFill>
-                  <a:srgbClr val="020302"/>
-                </a:solidFill>
-                <a:uFill>
-                  <a:solidFill>
-                    <a:srgbClr val="020302"/>
-                  </a:solidFill>
-                </a:uFill>
-                <a:latin typeface="Adobe Clean"/>
-                <a:cs typeface="Adobe Clean"/>
-              </a:rPr>
-              <a:t>vi</a:t>
-            </a:r>
-            <a:r>
-              <a:rPr sz="1400" b="1" u="sng" spc="5" dirty="0">
-                <a:solidFill>
-                  <a:srgbClr val="020302"/>
-                </a:solidFill>
-                <a:uFill>
-                  <a:solidFill>
-                    <a:srgbClr val="020302"/>
-                  </a:solidFill>
-                </a:uFill>
-                <a:latin typeface="Adobe Clean"/>
-                <a:cs typeface="Adobe Clean"/>
-              </a:rPr>
-              <a:t>c</a:t>
-            </a:r>
-            <a:r>
-              <a:rPr sz="1400" b="1" u="sng" dirty="0">
-                <a:solidFill>
-                  <a:srgbClr val="020302"/>
-                </a:solidFill>
-                <a:uFill>
-                  <a:solidFill>
-                    <a:srgbClr val="020302"/>
-                  </a:solidFill>
-                </a:uFill>
-                <a:latin typeface="Adobe Clean"/>
-                <a:cs typeface="Adobe Clean"/>
-              </a:rPr>
-              <a:t>e</a:t>
-            </a:r>
-            <a:r>
-              <a:rPr sz="1400" b="1" u="sng" spc="20" dirty="0">
-                <a:solidFill>
-                  <a:srgbClr val="020302"/>
-                </a:solidFill>
-                <a:uFill>
-                  <a:solidFill>
-                    <a:srgbClr val="020302"/>
-                  </a:solidFill>
-                </a:uFill>
-                <a:latin typeface="Adobe Clean"/>
-                <a:cs typeface="Adobe Clean"/>
-              </a:rPr>
-              <a:t> </a:t>
-            </a:r>
-            <a:r>
-              <a:rPr sz="1400" b="1" u="sng" spc="-15" dirty="0">
-                <a:solidFill>
-                  <a:srgbClr val="020302"/>
-                </a:solidFill>
-                <a:uFill>
-                  <a:solidFill>
-                    <a:srgbClr val="020302"/>
-                  </a:solidFill>
-                </a:uFill>
-                <a:latin typeface="Adobe Clean"/>
-                <a:cs typeface="Adobe Clean"/>
-              </a:rPr>
-              <a:t>Le</a:t>
-            </a:r>
-            <a:r>
-              <a:rPr sz="1400" b="1" u="sng" spc="-10" dirty="0">
-                <a:solidFill>
-                  <a:srgbClr val="020302"/>
-                </a:solidFill>
-                <a:uFill>
-                  <a:solidFill>
-                    <a:srgbClr val="020302"/>
-                  </a:solidFill>
-                </a:uFill>
-                <a:latin typeface="Adobe Clean"/>
-                <a:cs typeface="Adobe Clean"/>
-              </a:rPr>
-              <a:t>v</a:t>
-            </a:r>
-            <a:r>
-              <a:rPr sz="1400" b="1" u="sng" spc="-15" dirty="0">
-                <a:solidFill>
-                  <a:srgbClr val="020302"/>
-                </a:solidFill>
-                <a:uFill>
-                  <a:solidFill>
-                    <a:srgbClr val="020302"/>
-                  </a:solidFill>
-                </a:uFill>
-                <a:latin typeface="Adobe Clean"/>
-                <a:cs typeface="Adobe Clean"/>
-              </a:rPr>
-              <a:t>e</a:t>
-            </a:r>
-            <a:r>
-              <a:rPr sz="1400" b="1" u="sng" dirty="0">
-                <a:solidFill>
-                  <a:srgbClr val="020302"/>
-                </a:solidFill>
-                <a:uFill>
-                  <a:solidFill>
-                    <a:srgbClr val="020302"/>
-                  </a:solidFill>
-                </a:uFill>
-                <a:latin typeface="Adobe Clean"/>
-                <a:cs typeface="Adobe Clean"/>
-              </a:rPr>
-              <a:t>l</a:t>
-            </a:r>
-            <a:r>
-              <a:rPr sz="1400" b="1" u="sng" spc="-15" dirty="0">
-                <a:solidFill>
-                  <a:srgbClr val="020302"/>
-                </a:solidFill>
-                <a:uFill>
-                  <a:solidFill>
-                    <a:srgbClr val="020302"/>
-                  </a:solidFill>
-                </a:uFill>
-                <a:latin typeface="Adobe Clean"/>
-                <a:cs typeface="Adobe Clean"/>
-              </a:rPr>
-              <a:t> </a:t>
-            </a:r>
-            <a:r>
-              <a:rPr sz="1400" b="1" u="sng" spc="-55" dirty="0">
-                <a:solidFill>
-                  <a:srgbClr val="020302"/>
-                </a:solidFill>
-                <a:uFill>
-                  <a:solidFill>
-                    <a:srgbClr val="020302"/>
-                  </a:solidFill>
-                </a:uFill>
-                <a:latin typeface="Adobe Clean"/>
-                <a:cs typeface="Adobe Clean"/>
-              </a:rPr>
-              <a:t>T</a:t>
-            </a:r>
-            <a:r>
-              <a:rPr sz="1400" b="1" u="sng" spc="-40" dirty="0">
-                <a:solidFill>
-                  <a:srgbClr val="020302"/>
-                </a:solidFill>
-                <a:uFill>
-                  <a:solidFill>
-                    <a:srgbClr val="020302"/>
-                  </a:solidFill>
-                </a:uFill>
-                <a:latin typeface="Adobe Clean"/>
-                <a:cs typeface="Adobe Clean"/>
-              </a:rPr>
-              <a:t>a</a:t>
-            </a:r>
-            <a:r>
-              <a:rPr sz="1400" b="1" u="sng" spc="-45" dirty="0">
-                <a:solidFill>
-                  <a:srgbClr val="020302"/>
-                </a:solidFill>
-                <a:uFill>
-                  <a:solidFill>
-                    <a:srgbClr val="020302"/>
-                  </a:solidFill>
-                </a:uFill>
-                <a:latin typeface="Adobe Clean"/>
-                <a:cs typeface="Adobe Clean"/>
-              </a:rPr>
-              <a:t>r</a:t>
-            </a:r>
-            <a:r>
-              <a:rPr sz="1400" b="1" u="sng" spc="-40" dirty="0">
-                <a:solidFill>
-                  <a:srgbClr val="020302"/>
-                </a:solidFill>
-                <a:uFill>
-                  <a:solidFill>
-                    <a:srgbClr val="020302"/>
-                  </a:solidFill>
-                </a:uFill>
-                <a:latin typeface="Adobe Clean"/>
-                <a:cs typeface="Adobe Clean"/>
-              </a:rPr>
-              <a:t>g</a:t>
-            </a:r>
-            <a:r>
-              <a:rPr sz="1400" b="1" u="sng" spc="-50" dirty="0">
-                <a:solidFill>
-                  <a:srgbClr val="020302"/>
-                </a:solidFill>
-                <a:uFill>
-                  <a:solidFill>
-                    <a:srgbClr val="020302"/>
-                  </a:solidFill>
-                </a:uFill>
-                <a:latin typeface="Adobe Clean"/>
-                <a:cs typeface="Adobe Clean"/>
-              </a:rPr>
-              <a:t>et</a:t>
-            </a:r>
-            <a:r>
-              <a:rPr sz="1400" b="1" u="sng" spc="-45" dirty="0">
-                <a:solidFill>
-                  <a:srgbClr val="020302"/>
-                </a:solidFill>
-                <a:uFill>
-                  <a:solidFill>
-                    <a:srgbClr val="020302"/>
-                  </a:solidFill>
-                </a:uFill>
-                <a:latin typeface="Adobe Clean"/>
-                <a:cs typeface="Adobe Clean"/>
-              </a:rPr>
-              <a:t>s</a:t>
-            </a:r>
-            <a:r>
-              <a:rPr sz="1400" b="1" u="sng" dirty="0">
-                <a:solidFill>
-                  <a:srgbClr val="020302"/>
-                </a:solidFill>
-                <a:uFill>
-                  <a:solidFill>
-                    <a:srgbClr val="020302"/>
-                  </a:solidFill>
-                </a:uFill>
-                <a:latin typeface="Adobe Clean"/>
-                <a:cs typeface="Adobe Clean"/>
-              </a:rPr>
-              <a:t>:</a:t>
-            </a:r>
-            <a:r>
-              <a:rPr sz="1400" b="1" u="sng" spc="-85" dirty="0">
-                <a:solidFill>
-                  <a:srgbClr val="020302"/>
-                </a:solidFill>
-                <a:uFill>
-                  <a:solidFill>
-                    <a:srgbClr val="020302"/>
-                  </a:solidFill>
-                </a:uFill>
-                <a:latin typeface="Adobe Clean"/>
-                <a:cs typeface="Adobe Clean"/>
-              </a:rPr>
-              <a:t> </a:t>
-            </a:r>
-            <a:r>
-              <a:rPr sz="1400" b="1" u="sng" spc="-15" dirty="0">
-                <a:solidFill>
-                  <a:srgbClr val="020302"/>
-                </a:solidFill>
-                <a:uFill>
-                  <a:solidFill>
-                    <a:srgbClr val="020302"/>
-                  </a:solidFill>
-                </a:uFill>
-                <a:latin typeface="Adobe Clean"/>
-                <a:cs typeface="Adobe Clean"/>
-              </a:rPr>
-              <a:t>I</a:t>
-            </a:r>
-            <a:r>
-              <a:rPr sz="1400" b="1" u="sng" spc="-10" dirty="0">
-                <a:solidFill>
-                  <a:srgbClr val="020302"/>
-                </a:solidFill>
-                <a:uFill>
-                  <a:solidFill>
-                    <a:srgbClr val="020302"/>
-                  </a:solidFill>
-                </a:uFill>
-                <a:latin typeface="Adobe Clean"/>
-                <a:cs typeface="Adobe Clean"/>
-              </a:rPr>
-              <a:t>ni</a:t>
-            </a:r>
-            <a:r>
-              <a:rPr sz="1400" b="1" u="sng" spc="-15" dirty="0">
-                <a:solidFill>
-                  <a:srgbClr val="020302"/>
-                </a:solidFill>
-                <a:uFill>
-                  <a:solidFill>
-                    <a:srgbClr val="020302"/>
-                  </a:solidFill>
-                </a:uFill>
-                <a:latin typeface="Adobe Clean"/>
-                <a:cs typeface="Adobe Clean"/>
-              </a:rPr>
-              <a:t>t</a:t>
-            </a:r>
-            <a:r>
-              <a:rPr sz="1400" b="1" u="sng" spc="-10" dirty="0">
-                <a:solidFill>
-                  <a:srgbClr val="020302"/>
-                </a:solidFill>
-                <a:uFill>
-                  <a:solidFill>
-                    <a:srgbClr val="020302"/>
-                  </a:solidFill>
-                </a:uFill>
-                <a:latin typeface="Adobe Clean"/>
-                <a:cs typeface="Adobe Clean"/>
-              </a:rPr>
-              <a:t>i</a:t>
-            </a:r>
-            <a:r>
-              <a:rPr sz="1400" b="1" u="sng" spc="-5" dirty="0">
-                <a:solidFill>
-                  <a:srgbClr val="020302"/>
-                </a:solidFill>
-                <a:uFill>
-                  <a:solidFill>
-                    <a:srgbClr val="020302"/>
-                  </a:solidFill>
-                </a:uFill>
-                <a:latin typeface="Adobe Clean"/>
-                <a:cs typeface="Adobe Clean"/>
-              </a:rPr>
-              <a:t>a</a:t>
-            </a:r>
-            <a:r>
-              <a:rPr sz="1400" b="1" u="sng" dirty="0">
-                <a:solidFill>
-                  <a:srgbClr val="020302"/>
-                </a:solidFill>
-                <a:uFill>
-                  <a:solidFill>
-                    <a:srgbClr val="020302"/>
-                  </a:solidFill>
-                </a:uFill>
-                <a:latin typeface="Adobe Clean"/>
-                <a:cs typeface="Adobe Clean"/>
-              </a:rPr>
-              <a:t>l</a:t>
-            </a:r>
-            <a:r>
-              <a:rPr sz="1400" b="1" u="sng" spc="-145" dirty="0">
-                <a:solidFill>
-                  <a:srgbClr val="020302"/>
-                </a:solidFill>
-                <a:uFill>
-                  <a:solidFill>
-                    <a:srgbClr val="020302"/>
-                  </a:solidFill>
-                </a:uFill>
-                <a:latin typeface="Adobe Clean"/>
-                <a:cs typeface="Adobe Clean"/>
-              </a:rPr>
-              <a:t> </a:t>
-            </a:r>
-            <a:r>
-              <a:rPr sz="1400" b="1" u="sng" spc="-15" dirty="0">
-                <a:solidFill>
-                  <a:srgbClr val="020302"/>
-                </a:solidFill>
-                <a:uFill>
-                  <a:solidFill>
-                    <a:srgbClr val="020302"/>
-                  </a:solidFill>
-                </a:uFill>
-                <a:latin typeface="Adobe Clean"/>
-                <a:cs typeface="Adobe Clean"/>
-              </a:rPr>
-              <a:t>R</a:t>
-            </a:r>
-            <a:r>
-              <a:rPr sz="1400" b="1" u="sng" spc="-20" dirty="0">
-                <a:solidFill>
-                  <a:srgbClr val="020302"/>
-                </a:solidFill>
-                <a:uFill>
-                  <a:solidFill>
-                    <a:srgbClr val="020302"/>
-                  </a:solidFill>
-                </a:uFill>
-                <a:latin typeface="Adobe Clean"/>
-                <a:cs typeface="Adobe Clean"/>
-              </a:rPr>
-              <a:t>e</a:t>
-            </a:r>
-            <a:r>
-              <a:rPr sz="1400" b="1" u="sng" spc="-15" dirty="0">
-                <a:solidFill>
-                  <a:srgbClr val="020302"/>
-                </a:solidFill>
-                <a:uFill>
-                  <a:solidFill>
-                    <a:srgbClr val="020302"/>
-                  </a:solidFill>
-                </a:uFill>
-                <a:latin typeface="Adobe Clean"/>
-                <a:cs typeface="Adobe Clean"/>
-              </a:rPr>
-              <a:t>s</a:t>
-            </a:r>
-            <a:r>
-              <a:rPr sz="1400" b="1" u="sng" spc="-20" dirty="0">
-                <a:solidFill>
-                  <a:srgbClr val="020302"/>
-                </a:solidFill>
-                <a:uFill>
-                  <a:solidFill>
-                    <a:srgbClr val="020302"/>
-                  </a:solidFill>
-                </a:uFill>
-                <a:latin typeface="Adobe Clean"/>
-                <a:cs typeface="Adobe Clean"/>
-              </a:rPr>
-              <a:t>p</a:t>
-            </a:r>
-            <a:r>
-              <a:rPr sz="1400" b="1" u="sng" spc="-15" dirty="0">
-                <a:solidFill>
-                  <a:srgbClr val="020302"/>
-                </a:solidFill>
-                <a:uFill>
-                  <a:solidFill>
-                    <a:srgbClr val="020302"/>
-                  </a:solidFill>
-                </a:uFill>
-                <a:latin typeface="Adobe Clean"/>
-                <a:cs typeface="Adobe Clean"/>
-              </a:rPr>
-              <a:t>ons</a:t>
-            </a:r>
-            <a:r>
-              <a:rPr sz="1400" b="1" u="sng" dirty="0">
-                <a:solidFill>
-                  <a:srgbClr val="020302"/>
-                </a:solidFill>
-                <a:uFill>
-                  <a:solidFill>
-                    <a:srgbClr val="020302"/>
-                  </a:solidFill>
-                </a:uFill>
-                <a:latin typeface="Adobe Clean"/>
-                <a:cs typeface="Adobe Clean"/>
-              </a:rPr>
-              <a:t>e</a:t>
-            </a:r>
-            <a:endParaRPr sz="1400" u="sng" dirty="0">
-              <a:latin typeface="Adobe Clean"/>
-              <a:cs typeface="Adobe Clean"/>
-            </a:endParaRPr>
           </a:p>
         </p:txBody>
       </p:sp>
@@ -3184,8 +2658,8 @@
         </p:nvSpPr>
         <p:spPr>
           <a:xfrm>
-            <a:off x="121146" y="9839613"/>
-            <a:ext cx="2245360" cy="133370"/>
+            <a:off x="121146" y="9839612"/>
+            <a:ext cx="3201174" cy="133370"/>
           </a:xfrm>
           <a:prstGeom prst="rect">
             <a:avLst/>
@@ -3206,40 +2680,24 @@
               </a:spcBef>
             </a:pPr>
             <a:r>
-              <a:rPr spc="-10" dirty="0"/>
-              <a:t>©202</a:t>
+              <a:rPr lang="fr-FR" dirty="0"/>
+              <a:t>©2020 Adobe. All </a:t>
             </a:r>
             <a:r>
-              <a:rPr lang="en-US" spc="-10" dirty="0"/>
-              <a:t>2 </a:t>
+              <a:rPr lang="fr-FR" dirty="0" err="1"/>
+              <a:t>Rights</a:t>
             </a:r>
             <a:r>
-              <a:rPr spc="-5" dirty="0"/>
-              <a:t>Adobe. All</a:t>
-            </a:r>
-            <a:r>
-              <a:rPr spc="-10" dirty="0"/>
-              <a:t> Rights</a:t>
-            </a:r>
-            <a:r>
-              <a:rPr spc="-5" dirty="0"/>
+              <a:rPr lang="fr-FR" dirty="0"/>
               <a:t> </a:t>
             </a:r>
             <a:r>
-              <a:rPr spc="-10" dirty="0"/>
-              <a:t>Reserved.</a:t>
+              <a:rPr lang="fr-FR" dirty="0" err="1"/>
+              <a:t>Reserved</a:t>
             </a:r>
             <a:r>
-              <a:rPr spc="-5" dirty="0"/>
-              <a:t> Adobe</a:t>
-            </a:r>
-            <a:r>
-              <a:rPr spc="60" dirty="0"/>
-              <a:t> </a:t>
-            </a:r>
-            <a:r>
-              <a:rPr spc="-10" dirty="0"/>
-              <a:t>Confidential.</a:t>
+              <a:rPr lang="fr-FR" dirty="0"/>
+              <a:t>. Données confidentielles Adobe</a:t>
             </a:r>
           </a:p>
         </p:txBody>
@@ -3273,13 +2731,13 @@
           <a:lstStyle/>
           <a:p>
             <a:r>
-              <a:rPr lang="en-US" sz="700" i="1" dirty="0">
+              <a:rPr lang="fr-FR" sz="700" i="1">
                 <a:solidFill>
                   <a:schemeClr val="bg1"/>
                 </a:solidFill>
                 <a:latin typeface="Adobe Clean" panose="020B0503020404020204" pitchFamily="34" charset="0"/>
               </a:rPr>
-              <a:t>Adobe Creative Cloud / Adobe Document Cloud (including Adobe Sign)</a:t>
+              <a:t>Adobe Creative Cloud / Adobe Document Cloud (y compris Adobe Sign)</a:t>
             </a:r>
           </a:p>
         </p:txBody>
@@ -3298,8 +2756,8 @@
         </p:nvSpPr>
         <p:spPr>
           <a:xfrm>
-            <a:off x="122477" y="593716"/>
-            <a:ext cx="6035427" cy="1255472"/>
+            <a:off x="122478" y="593716"/>
+            <a:ext cx="5903842" cy="1399999"/>
           </a:xfrm>
           <a:prstGeom prst="rect">
             <a:avLst/>
@@ -3320,16 +2778,16 @@
               </a:spcBef>
             </a:pPr>
             <a:r>
-              <a:rPr lang="en-US" sz="1200" dirty="0">
+              <a:rPr lang="fr-FR" sz="1200" dirty="0">
                 <a:solidFill>
                   <a:schemeClr val="bg1"/>
                 </a:solidFill>
                 <a:latin typeface="Adobe Clean Light"/>
               </a:rPr>
-              <a:t>Standard | Business |</a:t>
+              <a:t>Standard | Commerciale |</a:t>
             </a:r>
             <a:r>
-              <a:rPr lang="en-US" sz="1200" b="1" dirty="0">
+              <a:rPr lang="fr-FR" sz="1200" b="1" dirty="0">
                 <a:solidFill>
                   <a:schemeClr val="bg1"/>
                 </a:solidFill>
@@ -3338,15 +2796,15 @@
               <a:t> </a:t>
             </a:r>
             <a:r>
-              <a:rPr lang="en-US" sz="1200" b="1" dirty="0">
+              <a:rPr lang="fr-FR" sz="1200" b="1" dirty="0">
                 <a:solidFill>
                   <a:schemeClr val="bg1"/>
                 </a:solidFill>
               </a:rPr>
-              <a:t>Enterprise</a:t>
+              <a:t>Entreprise</a:t>
             </a:r>
             <a:r>
-              <a:rPr lang="en-US" sz="1200" b="1" dirty="0">
+              <a:rPr lang="fr-FR" sz="1200" b="1" dirty="0">
                 <a:solidFill>
                   <a:schemeClr val="bg1"/>
                 </a:solidFill>
@@ -3355,7 +2813,7 @@
               <a:t> </a:t>
             </a:r>
             <a:r>
-              <a:rPr lang="en-US" sz="1200" dirty="0">
+              <a:rPr lang="fr-FR" sz="1200" dirty="0">
                 <a:solidFill>
                   <a:schemeClr val="bg1"/>
                 </a:solidFill>
@@ -3364,26 +2822,19 @@
               <a:t>| Elite</a:t>
             </a:r>
             <a:br>
-              <a:rPr lang="en-US" sz="900" dirty="0">
+              <a:rPr lang="fr-FR" sz="900" dirty="0">
                 <a:latin typeface="Adobe Clean Light" panose="020B0303020404020204" pitchFamily="34" charset="0"/>
               </a:rPr>
             </a:br>
             <a:r>
-              <a:rPr lang="en-US" sz="1000" dirty="0">
+              <a:rPr lang="fr-FR" sz="900" spc="-10" dirty="0">
                 <a:solidFill>
                   <a:schemeClr val="bg1"/>
                 </a:solidFill>
                 <a:latin typeface="Adobe Clean SemiLight"/>
               </a:rPr>
-              <a:t>Adobe provides a comprehensive range of technical resources to help support your business included as part of your Adobe enterprise subscription. This is enhanced with the ENTERPRISE support plan. ENTERPRISE customers will benefit from our Named Support Engineer service, where a designated technical contact in the Adobe Support Team with deep experience in your solution will work in partnership with you and your technical teams to ensure timely resolution of all support requests. Your support team can also help coordinate and arrange delivery of the additional ENTERPRISE benefits ensuring minimal disruption to your business at the most critical times.  ENTERPRISE support plan customers can also take advantage of our detailed and in-depth technical product documentation and current release notes. </a:t>
+              <a:t>Adobe offre une gamme complète de ressources techniques afin d’appuyer votre entreprise. Elles sont comprises dans votre abonnement à la licence pour les entreprises d’Adobe. Amélioré avec le plan d’assistance ENTREPRISE. Les clients ENTREPRISE bénéficieront de notre service Ingénieur d’assistance nommé où un contact technique désigné de l’équipe d’assistance Adobe avec une expertise approfondie de votre solution collaborera avec vous et vos équipes techniques pour garantir une résolution rapide de toutes les requêtes d’assistance. Votre équipe d’assistance peut également vous aider à coordonner et organiser la diffusion des avantages d’ENTREPRISE supplémentaires, garantissant ainsi une perturbation minimale de votre entreprise aux moments les plus critiques.  Les clients du plan d’assistance ENTREPRISE peuvent également tirer profit de notre documentation technique détaillée et approfondie sur les produits, ainsi que de nos notes de mise à jour actuelles. </a:t>
             </a:r>
-            <a:endParaRPr lang="en-US" sz="900" dirty="0">
-              <a:solidFill>
-                <a:schemeClr val="bg1"/>
-              </a:solidFill>
-              <a:latin typeface="Adobe Clean Light" panose="020B0303020404020204" pitchFamily="34" charset="0"/>
-              <a:cs typeface="AdobeClean-Light"/>
-            </a:endParaRPr>
           </a:p>
         </p:txBody>
       </p:sp>
@@ -3402,14 +2853,14 @@
           <p:nvPr>
             <p:extLst>
               <p:ext uri="{D42A27DB-BD31-4B8C-83A1-F6EECF244321}">
-                <p14:modId xmlns:p14="http://schemas.microsoft.com/office/powerpoint/2010/main" val="2367685746"/>
+                <p14:modId xmlns:p14="http://schemas.microsoft.com/office/powerpoint/2010/main" val="4141339236"/>
               </p:ext>
             </p:extLst>
           </p:nvPr>
         </p:nvGraphicFramePr>
         <p:xfrm>
           <a:off x="136774" y="2144486"/>
-          <a:ext cx="7498851" cy="4943471"/>
+          <a:ext cx="7498851" cy="4958711"/>
         </p:xfrm>
         <a:graphic>
           <a:graphicData uri="http://schemas.openxmlformats.org/drawingml/2006/table">
@@ -3491,19 +2942,15 @@
                         <a:defRPr/>
                       </a:pPr>
                       <a:r>
-                        <a:rPr lang="en-US" sz="1200" spc="0" dirty="0">
+                        <a:rPr lang="fr-FR" sz="1100" dirty="0">
                           <a:solidFill>
                             <a:srgbClr val="404040"/>
                           </a:solidFill>
                           <a:latin typeface="Adobe Clean"/>
                           <a:cs typeface="Adobe Clean"/>
                         </a:rPr>
-                        <a:t>Standard  Support</a:t>
+                        <a:t>Assistance standard</a:t>
                       </a:r>
-                      <a:endParaRPr lang="en-US" sz="1200" spc="0" dirty="0">
-                        <a:latin typeface="Adobe Clean"/>
-                        <a:cs typeface="Adobe Clean"/>
-                      </a:endParaRPr>
                     </a:p>
                   </a:txBody>
                   <a:tcPr marL="0" marR="0" marT="7620" marB="0" anchor="ctr">
@@ -3544,29 +2991,15 @@
                         </a:spcBef>
                       </a:pPr>
                       <a:r>
-                        <a:rPr lang="en-US" sz="1200" spc="0" dirty="0">
+                        <a:rPr lang="fr-FR" sz="1100" dirty="0">
                           <a:solidFill>
                             <a:srgbClr val="FFFFFF"/>
                           </a:solidFill>
                           <a:latin typeface="Adobe Clean"/>
                           <a:cs typeface="Adobe Clean"/>
                         </a:rPr>
-                        <a:t>Enterprise </a:t>
+                        <a:t>Assistance aux entreprises</a:t>
                       </a:r>
-                      <a:r>
-                        <a:rPr sz="1200" spc="0" dirty="0">
-                          <a:solidFill>
-                            <a:srgbClr val="FFFFFF"/>
-                          </a:solidFill>
-                          <a:latin typeface="Adobe Clean"/>
-                          <a:cs typeface="Adobe Clean"/>
-                        </a:rPr>
-                        <a:t>Support</a:t>
-                      </a:r>
-                      <a:endParaRPr sz="1200" spc="0" dirty="0">
-                        <a:latin typeface="Adobe Clean"/>
-                        <a:cs typeface="Adobe Clean"/>
-                      </a:endParaRPr>
                     </a:p>
                   </a:txBody>
                   <a:tcPr marL="0" marR="0" marT="7620" marB="0" anchor="ctr">
@@ -3634,7 +3067,7 @@
                     <a:bodyPr/>
                     <a:lstStyle/>
                     <a:p>
-                      <a:pPr marL="0" marR="0" lvl="0" indent="0" algn="ctr" defTabSz="914400" eaLnBrk="1" fontAlgn="auto" latinLnBrk="0" hangingPunct="1">
+                      <a:pPr marL="0" marR="0" lvl="0" indent="0" algn="l" defTabSz="914400" rtl="0" eaLnBrk="1" fontAlgn="auto" latinLnBrk="0" hangingPunct="1">
                         <a:lnSpc>
                           <a:spcPct val="100000"/>
                         </a:lnSpc>
@@ -3651,7 +3084,7 @@
                         <a:tabLst/>
                         <a:defRPr/>
                       </a:pPr>
-                      <a:endParaRPr lang="en-US" sz="1200" i="1" dirty="0">
+                      <a:endParaRPr lang="en-US" sz="1100" i="1" dirty="0">
                         <a:solidFill>
                           <a:sysClr val="windowText" lastClr="000000"/>
                         </a:solidFill>
@@ -3715,13 +3148,13 @@
                         <a:defRPr/>
                       </a:pPr>
                       <a:r>
-                        <a:rPr lang="en-US" sz="1200" b="1" i="1" dirty="0">
+                        <a:rPr lang="fr-FR" sz="1100" b="1" i="1" dirty="0">
                           <a:solidFill>
                             <a:schemeClr val="bg1"/>
                           </a:solidFill>
                           <a:latin typeface="Adobe Clean" panose="020B0503020404020204" pitchFamily="34" charset="0"/>
                         </a:rPr>
-                        <a:t>Paid Support ($)</a:t>
+                        <a:t>Assistance payante ($)</a:t>
                       </a:r>
                     </a:p>
                   </a:txBody>
@@ -3785,22 +3218,15 @@
                         </a:spcBef>
                       </a:pPr>
                       <a:r>
-                        <a:rPr lang="en-US" sz="1200" b="1" i="0" spc="0" dirty="0">
+                        <a:rPr lang="fr-FR" sz="1100" b="1" i="0" dirty="0">
                           <a:solidFill>
                             <a:schemeClr val="bg1"/>
                           </a:solidFill>
                           <a:latin typeface="Adobe Clean" panose="020B0503020404020204" pitchFamily="34" charset="0"/>
                           <a:cs typeface="AdobeClean-Light"/>
                         </a:rPr>
-                        <a:t>Assigned Experts</a:t>
+                        <a:t>Experts assignés</a:t>
                       </a:r>
-                      <a:endParaRPr sz="1200" b="1" i="0" spc="0" dirty="0">
-                        <a:solidFill>
-                          <a:schemeClr val="bg1"/>
-                        </a:solidFill>
-                        <a:latin typeface="Adobe Clean" panose="020B0503020404020204" pitchFamily="34" charset="0"/>
-                        <a:cs typeface="AdobeClean-Light"/>
-                      </a:endParaRPr>
                     </a:p>
                   </a:txBody>
                   <a:tcPr marL="0" marR="0" marT="58419" marB="0" anchor="ctr">
@@ -3847,19 +3273,15 @@
                         </a:spcBef>
                       </a:pPr>
                       <a:r>
-                        <a:rPr sz="1100" spc="0" dirty="0">
+                        <a:rPr lang="fr-FR" sz="1000" dirty="0">
                           <a:solidFill>
                             <a:srgbClr val="020302"/>
                           </a:solidFill>
                           <a:latin typeface="AdobeClean-Light"/>
                           <a:cs typeface="AdobeClean-Light"/>
                         </a:rPr>
-                        <a:t>Account Support Lead</a:t>
+                        <a:t>Assistance principale du compte</a:t>
                       </a:r>
-                      <a:endParaRPr sz="1100" spc="0" dirty="0">
-                        <a:latin typeface="AdobeClean-Light"/>
-                        <a:cs typeface="AdobeClean-Light"/>
-                      </a:endParaRPr>
                     </a:p>
                   </a:txBody>
                   <a:tcPr marL="0" marR="0" marT="58419" marB="0">
@@ -3894,7 +3316,7 @@
                     <a:bodyPr/>
                     <a:lstStyle/>
                     <a:p>
-                      <a:pPr algn="ctr">
+                      <a:pPr algn="l" rtl="0">
                         <a:lnSpc>
                           <a:spcPct val="100000"/>
                         </a:lnSpc>
@@ -3935,7 +3357,7 @@
                     <a:bodyPr/>
                     <a:lstStyle/>
                     <a:p>
-                      <a:pPr>
+                      <a:pPr algn="l" rtl="0">
                         <a:lnSpc>
                           <a:spcPct val="100000"/>
                         </a:lnSpc>
@@ -3975,7 +3397,7 @@
                     <a:bodyPr/>
                     <a:lstStyle/>
                     <a:p>
-                      <a:pPr marL="50800">
+                      <a:pPr marL="50800" algn="l" rtl="0">
                         <a:lnSpc>
                           <a:spcPct val="100000"/>
                         </a:lnSpc>
@@ -4021,19 +3443,15 @@
                         </a:spcBef>
                       </a:pPr>
                       <a:r>
-                        <a:rPr sz="1100" spc="0" dirty="0">
+                        <a:rPr lang="fr-FR" sz="1000" dirty="0">
                           <a:solidFill>
                             <a:srgbClr val="020302"/>
                           </a:solidFill>
                           <a:latin typeface="AdobeClean-Light"/>
                           <a:cs typeface="AdobeClean-Light"/>
                         </a:rPr>
-                        <a:t>Named Support Engineer</a:t>
+                        <a:t>Ingénieur d’assistance nommé</a:t>
                       </a:r>
-                      <a:endParaRPr sz="1100" spc="0" dirty="0">
-                        <a:latin typeface="AdobeClean-Light"/>
-                        <a:cs typeface="AdobeClean-Light"/>
-                      </a:endParaRPr>
                     </a:p>
                   </a:txBody>
                   <a:tcPr marL="0" marR="0" marT="58419" marB="0">
@@ -4056,7 +3474,7 @@
                     <a:bodyPr/>
                     <a:lstStyle/>
                     <a:p>
-                      <a:pPr algn="ctr">
+                      <a:pPr algn="l" rtl="0">
                         <a:lnSpc>
                           <a:spcPct val="100000"/>
                         </a:lnSpc>
@@ -4094,7 +3512,7 @@
                         </a:spcBef>
                       </a:pPr>
                       <a:r>
-                        <a:rPr sz="900" spc="0" dirty="0">
+                        <a:rPr lang="fr-FR" sz="900">
                           <a:solidFill>
                             <a:srgbClr val="020302"/>
                           </a:solidFill>
@@ -4103,10 +3521,6 @@
                         </a:rPr>
                         <a:t></a:t>
                       </a:r>
-                      <a:endParaRPr sz="900" spc="0" dirty="0">
-                        <a:latin typeface="Wingdings"/>
-                        <a:cs typeface="Wingdings"/>
-                      </a:endParaRPr>
                     </a:p>
                   </a:txBody>
                   <a:tcPr marL="0" marR="0" marT="59055" marB="0">
@@ -4129,7 +3543,7 @@
                     <a:bodyPr/>
                     <a:lstStyle/>
                     <a:p>
-                      <a:pPr marL="50800">
+                      <a:pPr marL="50800" algn="l" rtl="0">
                         <a:lnSpc>
                           <a:spcPct val="100000"/>
                         </a:lnSpc>
@@ -4187,19 +3601,15 @@
                         </a:spcBef>
                       </a:pPr>
                       <a:r>
-                        <a:rPr sz="1100" spc="0" dirty="0">
+                        <a:rPr lang="fr-FR" sz="1000">
                           <a:solidFill>
                             <a:srgbClr val="020302"/>
                           </a:solidFill>
                           <a:latin typeface="AdobeClean-Light"/>
                           <a:cs typeface="AdobeClean-Light"/>
                         </a:rPr>
-                        <a:t>Technical Account Manager</a:t>
+                        <a:t>Gestionnaire de compte technique</a:t>
                       </a:r>
-                      <a:endParaRPr sz="1100" spc="0" dirty="0">
-                        <a:latin typeface="AdobeClean-Light"/>
-                        <a:cs typeface="AdobeClean-Light"/>
-                      </a:endParaRPr>
                     </a:p>
                   </a:txBody>
                   <a:tcPr marL="0" marR="0" marT="63500" marB="0">
@@ -4228,7 +3638,7 @@
                     <a:bodyPr/>
                     <a:lstStyle/>
                     <a:p>
-                      <a:pPr algn="ctr">
+                      <a:pPr algn="l" rtl="0">
                         <a:lnSpc>
                           <a:spcPct val="100000"/>
                         </a:lnSpc>
@@ -4266,7 +3676,7 @@
                     <a:bodyPr/>
                     <a:lstStyle/>
                     <a:p>
-                      <a:pPr>
+                      <a:pPr algn="l" rtl="0">
                         <a:lnSpc>
                           <a:spcPct val="100000"/>
                         </a:lnSpc>
@@ -4317,22 +3727,15 @@
                         </a:spcBef>
                       </a:pPr>
                       <a:r>
-                        <a:rPr lang="en-US" sz="1200" b="1" i="0" spc="0" dirty="0">
+                        <a:rPr lang="fr-FR" sz="1100" b="1" i="0" dirty="0">
                           <a:solidFill>
                             <a:schemeClr val="bg1"/>
                           </a:solidFill>
                           <a:latin typeface="Adobe Clean" panose="020B0503020404020204" pitchFamily="34" charset="0"/>
                           <a:cs typeface="AdobeClean-Light"/>
                         </a:rPr>
-                        <a:t>Support Services</a:t>
+                        <a:t>Services d’assistance</a:t>
                       </a:r>
-                      <a:endParaRPr sz="1200" b="1" i="0" spc="0" dirty="0">
-                        <a:solidFill>
-                          <a:schemeClr val="bg1"/>
-                        </a:solidFill>
-                        <a:latin typeface="Adobe Clean" panose="020B0503020404020204" pitchFamily="34" charset="0"/>
-                        <a:cs typeface="AdobeClean-Light"/>
-                      </a:endParaRPr>
                     </a:p>
                   </a:txBody>
                   <a:tcPr marL="0" marR="0" marT="57150" marB="0" anchor="ctr">
@@ -4379,19 +3782,15 @@
                         </a:spcBef>
                       </a:pPr>
                       <a:r>
-                        <a:rPr lang="en-US" sz="1100" spc="0" dirty="0">
+                        <a:rPr lang="fr-FR" sz="1000" dirty="0">
                           <a:solidFill>
                             <a:srgbClr val="020302"/>
                           </a:solidFill>
                           <a:latin typeface="AdobeClean-Light"/>
                           <a:cs typeface="AdobeClean-Light"/>
                         </a:rPr>
-                        <a:t>24x7 Self-Help Support </a:t>
+                        <a:t>Assistance en libre-service 24h/24 et 7j/7 </a:t>
                       </a:r>
-                      <a:endParaRPr lang="en-US" sz="1100" spc="0" dirty="0">
-                        <a:latin typeface="AdobeClean-Light"/>
-                        <a:cs typeface="AdobeClean-Light"/>
-                      </a:endParaRPr>
                     </a:p>
                   </a:txBody>
                   <a:tcPr marL="0" marR="0" marT="57150" marB="0">
@@ -4429,7 +3828,7 @@
                         </a:spcBef>
                       </a:pPr>
                       <a:r>
-                        <a:rPr sz="900" dirty="0">
+                        <a:rPr lang="fr-FR" sz="900">
                           <a:solidFill>
                             <a:srgbClr val="020302"/>
                           </a:solidFill>
@@ -4438,10 +3837,6 @@
                         </a:rPr>
                         <a:t></a:t>
                       </a:r>
-                      <a:endParaRPr sz="900" dirty="0">
-                        <a:latin typeface="Wingdings"/>
-                        <a:cs typeface="Wingdings"/>
-                      </a:endParaRPr>
                     </a:p>
                   </a:txBody>
                   <a:tcPr marL="0" marR="0" marT="58419" marB="0">
@@ -4489,14 +3884,13 @@
                         <a:defRPr/>
                       </a:pPr>
                       <a:r>
-                        <a:rPr kumimoji="0" lang="en-US" sz="900" b="0" i="0" u="none" strike="noStrike" kern="0" cap="none" spc="0" normalizeH="0" baseline="0" noProof="0" dirty="0">
+                        <a:rPr kumimoji="0" lang="fr-FR" sz="900" b="0" i="0" u="none" strike="noStrike" cap="none" normalizeH="0" baseline="0" noProof="0">
                           <a:ln>
                             <a:noFill/>
                           </a:ln>
                           <a:solidFill>
                             <a:srgbClr val="020302"/>
                           </a:solidFill>
-                          <a:effectLst/>
                           <a:uLnTx/>
                           <a:uFillTx/>
                           <a:latin typeface="Wingdings"/>
@@ -4505,20 +3899,6 @@
                         </a:rPr>
                         <a:t></a:t>
                       </a:r>
-                      <a:endParaRPr kumimoji="0" lang="en-US" sz="900" b="0" i="0" u="none" strike="noStrike" kern="0" cap="none" spc="0" normalizeH="0" baseline="0" noProof="0" dirty="0">
-                        <a:ln>
-                          <a:noFill/>
-                        </a:ln>
-                        <a:solidFill>
-                          <a:prstClr val="black"/>
-                        </a:solidFill>
-                        <a:effectLst/>
-                        <a:uLnTx/>
-                        <a:uFillTx/>
-                        <a:latin typeface="Wingdings"/>
-                        <a:ea typeface="+mn-ea"/>
-                        <a:cs typeface="Wingdings"/>
-                      </a:endParaRPr>
                     </a:p>
                   </a:txBody>
                   <a:tcPr marL="0" marR="0" marT="58419" marB="0">
@@ -4552,7 +3932,7 @@
                     <a:bodyPr/>
                     <a:lstStyle/>
                     <a:p>
-                      <a:pPr marL="50800">
+                      <a:pPr marL="50800" algn="l" rtl="0">
                         <a:lnSpc>
                           <a:spcPct val="100000"/>
                         </a:lnSpc>
@@ -4601,19 +3981,15 @@
                         </a:spcBef>
                       </a:pPr>
                       <a:r>
-                        <a:rPr lang="en-US" sz="1100" b="0" i="0" spc="0" dirty="0">
+                        <a:rPr lang="fr-FR" sz="1000" b="0" i="0">
                           <a:solidFill>
                             <a:srgbClr val="020302"/>
                           </a:solidFill>
                           <a:latin typeface="Adobe Clean Light" panose="020B0303020404020204" pitchFamily="34" charset="0"/>
                           <a:cs typeface="AdobeClean-Light"/>
                         </a:rPr>
-                        <a:t>24x7 Support via Chat / Phone</a:t>
+                        <a:t>Assistance 24h/24 et 7j/7 via chat/téléphone</a:t>
                       </a:r>
-                      <a:endParaRPr sz="1100" b="0" i="0" spc="0" dirty="0">
-                        <a:latin typeface="Adobe Clean Light" panose="020B0303020404020204" pitchFamily="34" charset="0"/>
-                        <a:cs typeface="AdobeClean-Light"/>
-                      </a:endParaRPr>
                     </a:p>
                   </a:txBody>
                   <a:tcPr marL="0" marR="0" marT="57785" marB="0">
@@ -4645,7 +4021,7 @@
                         </a:spcBef>
                       </a:pPr>
                       <a:r>
-                        <a:rPr sz="900" dirty="0">
+                        <a:rPr lang="fr-FR" sz="900">
                           <a:solidFill>
                             <a:srgbClr val="020302"/>
                           </a:solidFill>
@@ -4654,10 +4030,6 @@
                         </a:rPr>
                         <a:t></a:t>
                       </a:r>
-                      <a:endParaRPr sz="900" dirty="0">
-                        <a:latin typeface="Wingdings"/>
-                        <a:cs typeface="Wingdings"/>
-                      </a:endParaRPr>
                     </a:p>
                   </a:txBody>
                   <a:tcPr marL="0" marR="0" marT="58419" marB="0">
@@ -4687,7 +4059,7 @@
                         </a:spcBef>
                       </a:pPr>
                       <a:r>
-                        <a:rPr sz="900" spc="0" dirty="0">
+                        <a:rPr lang="fr-FR" sz="900">
                           <a:solidFill>
                             <a:srgbClr val="020302"/>
                           </a:solidFill>
@@ -4696,10 +4068,6 @@
                         </a:rPr>
                         <a:t></a:t>
                       </a:r>
-                      <a:endParaRPr sz="900" spc="0" dirty="0">
-                        <a:latin typeface="Wingdings"/>
-                        <a:cs typeface="Wingdings"/>
-                      </a:endParaRPr>
                     </a:p>
                   </a:txBody>
                   <a:tcPr marL="0" marR="0" marT="58419" marB="0">
@@ -4722,7 +4090,7 @@
                     <a:bodyPr/>
                     <a:lstStyle/>
                     <a:p>
-                      <a:pPr marL="50800">
+                      <a:pPr marL="50800" algn="l" rtl="0">
                         <a:lnSpc>
                           <a:spcPct val="100000"/>
                         </a:lnSpc>
@@ -4780,16 +4148,12 @@
                         </a:spcBef>
                       </a:pPr>
                       <a:r>
-                        <a:rPr lang="en-US" sz="1100" spc="0" dirty="0">
+                        <a:rPr lang="fr-FR" sz="1000">
                           <a:latin typeface="AdobeClean-Light"/>
                           <a:cs typeface="AdobeClean-Light"/>
                         </a:rPr>
-                        <a:t>Web Case Submissions </a:t>
+                        <a:t>Envoi de cas en ligne </a:t>
                       </a:r>
-                      <a:endParaRPr sz="1100" spc="0" dirty="0">
-                        <a:latin typeface="AdobeClean-Light"/>
-                        <a:cs typeface="AdobeClean-Light"/>
-                      </a:endParaRPr>
                     </a:p>
                   </a:txBody>
                   <a:tcPr marL="0" marR="0" marT="57785" marB="0">
@@ -4827,7 +4191,7 @@
                         </a:spcBef>
                       </a:pPr>
                       <a:r>
-                        <a:rPr sz="900" dirty="0">
+                        <a:rPr lang="fr-FR" sz="900">
                           <a:solidFill>
                             <a:srgbClr val="020302"/>
                           </a:solidFill>
@@ -4836,10 +4200,6 @@
                         </a:rPr>
                         <a:t></a:t>
                       </a:r>
-                      <a:endParaRPr sz="900" dirty="0">
-                        <a:latin typeface="Wingdings"/>
-                        <a:cs typeface="Wingdings"/>
-                      </a:endParaRPr>
                     </a:p>
                   </a:txBody>
                   <a:tcPr marL="0" marR="0" marT="58419" marB="0">
@@ -4869,7 +4229,7 @@
                         </a:spcBef>
                       </a:pPr>
                       <a:r>
-                        <a:rPr sz="900" spc="0" dirty="0">
+                        <a:rPr lang="fr-FR" sz="900">
                           <a:solidFill>
                             <a:srgbClr val="020302"/>
                           </a:solidFill>
@@ -4878,10 +4238,6 @@
                         </a:rPr>
                         <a:t></a:t>
                       </a:r>
-                      <a:endParaRPr sz="900" spc="0" dirty="0">
-                        <a:latin typeface="Wingdings"/>
-                        <a:cs typeface="Wingdings"/>
-                      </a:endParaRPr>
                     </a:p>
                   </a:txBody>
                   <a:tcPr marL="0" marR="0" marT="58419" marB="0">
@@ -4904,7 +4260,7 @@
                     <a:bodyPr/>
                     <a:lstStyle/>
                     <a:p>
-                      <a:pPr marL="50800">
+                      <a:pPr marL="50800" algn="l" rtl="0">
                         <a:lnSpc>
                           <a:spcPct val="100000"/>
                         </a:lnSpc>
@@ -4953,19 +4309,15 @@
                         </a:spcBef>
                       </a:pPr>
                       <a:r>
-                        <a:rPr lang="en-US" sz="1100" spc="0" dirty="0">
+                        <a:rPr lang="fr-FR" sz="1000" dirty="0">
                           <a:solidFill>
                             <a:srgbClr val="020302"/>
                           </a:solidFill>
                           <a:latin typeface="AdobeClean-Light"/>
                           <a:cs typeface="AdobeClean-Light"/>
                         </a:rPr>
-                        <a:t>Priority Case Routing</a:t>
+                        <a:t>Acheminement prioritaire des cas</a:t>
                       </a:r>
-                      <a:endParaRPr sz="1100" spc="0" dirty="0">
-                        <a:latin typeface="AdobeClean-Light"/>
-                        <a:cs typeface="AdobeClean-Light"/>
-                      </a:endParaRPr>
                     </a:p>
                   </a:txBody>
                   <a:tcPr marL="0" marR="0" marT="58419" marB="0">
@@ -4988,7 +4340,7 @@
                     <a:bodyPr/>
                     <a:lstStyle/>
                     <a:p>
-                      <a:pPr algn="ctr">
+                      <a:pPr algn="l" rtl="0">
                         <a:lnSpc>
                           <a:spcPct val="100000"/>
                         </a:lnSpc>
@@ -5029,7 +4381,7 @@
                         </a:spcBef>
                       </a:pPr>
                       <a:r>
-                        <a:rPr sz="900" spc="0" dirty="0">
+                        <a:rPr lang="fr-FR" sz="900">
                           <a:solidFill>
                             <a:srgbClr val="020302"/>
                           </a:solidFill>
@@ -5038,10 +4390,6 @@
                         </a:rPr>
                         <a:t></a:t>
                       </a:r>
-                      <a:endParaRPr sz="900" spc="0" dirty="0">
-                        <a:latin typeface="Wingdings"/>
-                        <a:cs typeface="Wingdings"/>
-                      </a:endParaRPr>
                     </a:p>
                   </a:txBody>
                   <a:tcPr marL="0" marR="0" marT="59690" marB="0">
@@ -5064,7 +4412,7 @@
                     <a:bodyPr/>
                     <a:lstStyle/>
                     <a:p>
-                      <a:pPr marL="50800">
+                      <a:pPr marL="50800" algn="l" rtl="0">
                         <a:lnSpc>
                           <a:spcPct val="100000"/>
                         </a:lnSpc>
@@ -5122,11 +4470,11 @@
                         <a:defRPr/>
                       </a:pPr>
                       <a:r>
-                        <a:rPr lang="en-US" sz="1100" spc="0" dirty="0">
+                        <a:rPr lang="fr-FR" sz="1000">
                           <a:latin typeface="AdobeClean-Light"/>
                           <a:cs typeface="AdobeClean-Light"/>
                         </a:rPr>
-                        <a:t>Accelerated Issue Prioritization</a:t>
+                        <a:t>Accélération du traitement des problèmes</a:t>
                       </a:r>
                     </a:p>
                   </a:txBody>
@@ -5150,7 +4498,7 @@
                     <a:bodyPr/>
                     <a:lstStyle/>
                     <a:p>
-                      <a:pPr algn="ctr">
+                      <a:pPr algn="l" rtl="0">
                         <a:lnSpc>
                           <a:spcPct val="100000"/>
                         </a:lnSpc>
@@ -5200,7 +4548,7 @@
                         <a:defRPr/>
                       </a:pPr>
                       <a:r>
-                        <a:rPr lang="en-US" sz="900" spc="0" dirty="0">
+                        <a:rPr lang="fr-FR" sz="900">
                           <a:solidFill>
                             <a:srgbClr val="020302"/>
                           </a:solidFill>
@@ -5209,10 +4557,6 @@
                         </a:rPr>
                         <a:t></a:t>
                       </a:r>
-                      <a:endParaRPr lang="en-US" sz="900" spc="0" dirty="0">
-                        <a:latin typeface="Wingdings"/>
-                        <a:cs typeface="Wingdings"/>
-                      </a:endParaRPr>
                     </a:p>
                   </a:txBody>
                   <a:tcPr marL="0" marR="0" marT="57785" marB="0">
@@ -5273,16 +4617,12 @@
                         </a:spcBef>
                       </a:pPr>
                       <a:r>
-                        <a:rPr lang="en-US" sz="1100" spc="0" dirty="0">
+                        <a:rPr lang="fr-FR" sz="1000">
                           <a:latin typeface="AdobeClean-Light"/>
                           <a:cs typeface="AdobeClean-Light"/>
                         </a:rPr>
-                        <a:t>Escalation Management</a:t>
+                        <a:t>Gestion des remontées d’informations</a:t>
                       </a:r>
-                      <a:endParaRPr sz="1100" spc="0" dirty="0">
-                        <a:latin typeface="AdobeClean-Light"/>
-                        <a:cs typeface="AdobeClean-Light"/>
-                      </a:endParaRPr>
                     </a:p>
                   </a:txBody>
                   <a:tcPr marL="0" marR="0" marT="57150" marB="0">
@@ -5305,7 +4645,7 @@
                     <a:bodyPr/>
                     <a:lstStyle/>
                     <a:p>
-                      <a:pPr>
+                      <a:pPr algn="l" rtl="0">
                         <a:lnSpc>
                           <a:spcPct val="100000"/>
                         </a:lnSpc>
@@ -5343,7 +4683,7 @@
                         </a:spcBef>
                       </a:pPr>
                       <a:r>
-                        <a:rPr sz="900" spc="0" dirty="0">
+                        <a:rPr lang="fr-FR" sz="900">
                           <a:solidFill>
                             <a:srgbClr val="020302"/>
                           </a:solidFill>
@@ -5352,10 +4692,6 @@
                         </a:rPr>
                         <a:t></a:t>
                       </a:r>
-                      <a:endParaRPr sz="900" spc="0" dirty="0">
-                        <a:latin typeface="Wingdings"/>
-                        <a:cs typeface="Wingdings"/>
-                      </a:endParaRPr>
                     </a:p>
                   </a:txBody>
                   <a:tcPr marL="0" marR="0" marT="59690" marB="0">
@@ -5397,16 +4733,12 @@
                         </a:spcBef>
                       </a:pPr>
                       <a:r>
-                        <a:rPr lang="en-US" sz="1100" spc="0" dirty="0">
+                        <a:rPr lang="fr-FR" sz="1000">
                           <a:latin typeface="AdobeClean-Light"/>
                           <a:cs typeface="AdobeClean-Light"/>
                         </a:rPr>
-                        <a:t>Proactive Case Monitoring</a:t>
+                        <a:t>Surveillance des cas proactive</a:t>
                       </a:r>
-                      <a:endParaRPr sz="1100" spc="0" dirty="0">
-                        <a:latin typeface="AdobeClean-Light"/>
-                        <a:cs typeface="AdobeClean-Light"/>
-                      </a:endParaRPr>
                     </a:p>
                   </a:txBody>
                   <a:tcPr marL="0" marR="0" marT="57150" marB="0">
@@ -5435,7 +4767,7 @@
                     <a:bodyPr/>
                     <a:lstStyle/>
                     <a:p>
-                      <a:pPr>
+                      <a:pPr algn="l" rtl="0">
                         <a:lnSpc>
                           <a:spcPct val="100000"/>
                         </a:lnSpc>
@@ -5473,7 +4805,7 @@
                         </a:spcBef>
                       </a:pPr>
                       <a:r>
-                        <a:rPr sz="900" spc="0" dirty="0">
+                        <a:rPr lang="fr-FR" sz="900">
                           <a:solidFill>
                             <a:srgbClr val="020302"/>
                           </a:solidFill>
@@ -5482,10 +4814,6 @@
                         </a:rPr>
                         <a:t></a:t>
                       </a:r>
-                      <a:endParaRPr sz="900" spc="0" dirty="0">
-                        <a:latin typeface="Wingdings"/>
-                        <a:cs typeface="Wingdings"/>
-                      </a:endParaRPr>
                     </a:p>
                   </a:txBody>
                   <a:tcPr marL="0" marR="0" marT="59690" marB="0">
@@ -5508,7 +4836,7 @@
                     <a:bodyPr/>
                     <a:lstStyle/>
                     <a:p>
-                      <a:pPr marL="48895">
+                      <a:pPr marL="48895" algn="l" rtl="0">
                         <a:lnSpc>
                           <a:spcPct val="100000"/>
                         </a:lnSpc>
@@ -5539,15 +4867,14 @@
                         <a:buNone/>
                       </a:pPr>
                       <a:r>
-                        <a:rPr lang="en-US" sz="1100" b="0" i="0" u="none" strike="noStrike" spc="0" noProof="0" dirty="0">
+                        <a:rPr lang="fr-FR" sz="1000" b="0" i="0" u="none" strike="noStrike" noProof="0" dirty="0">
                           <a:solidFill>
                             <a:srgbClr val="020302"/>
                           </a:solidFill>
                           <a:latin typeface="Adobe Clean Light"/>
                         </a:rPr>
-                        <a:t>In-Region Support Option</a:t>
+                        <a:t>Option d’assistance régionale</a:t>
                       </a:r>
-                      <a:endParaRPr dirty="0"/>
                     </a:p>
                   </a:txBody>
                   <a:tcPr marL="0" marR="0" marT="58419" marB="0">
@@ -5576,7 +4903,7 @@
                     <a:bodyPr/>
                     <a:lstStyle/>
                     <a:p>
-                      <a:pPr>
+                      <a:pPr algn="l" rtl="0">
                         <a:lnSpc>
                           <a:spcPct val="100000"/>
                         </a:lnSpc>
@@ -5623,7 +4950,7 @@
                         <a:defRPr/>
                       </a:pPr>
                       <a:r>
-                        <a:rPr lang="en-US" sz="900" spc="0" dirty="0">
+                        <a:rPr lang="fr-FR" sz="900">
                           <a:solidFill>
                             <a:srgbClr val="020302"/>
                           </a:solidFill>
@@ -5632,10 +4959,6 @@
                         </a:rPr>
                         <a:t></a:t>
                       </a:r>
-                      <a:endParaRPr lang="en-US" sz="900" spc="0" dirty="0">
-                        <a:latin typeface="Wingdings"/>
-                        <a:cs typeface="Wingdings"/>
-                      </a:endParaRPr>
                     </a:p>
                   </a:txBody>
                   <a:tcPr marL="0" marR="0" marT="57150" marB="0">
@@ -5658,7 +4981,7 @@
                     <a:bodyPr/>
                     <a:lstStyle/>
                     <a:p>
-                      <a:pPr marL="48895">
+                      <a:pPr marL="48895" algn="l" rtl="0">
                         <a:lnSpc>
                           <a:spcPct val="100000"/>
                         </a:lnSpc>
@@ -5716,19 +5039,15 @@
                         </a:spcBef>
                       </a:pPr>
                       <a:r>
-                        <a:rPr lang="en-US" sz="1100" spc="0" dirty="0">
+                        <a:rPr lang="fr-FR" sz="1000">
                           <a:solidFill>
                             <a:srgbClr val="020302"/>
                           </a:solidFill>
                           <a:latin typeface="AdobeClean-Light"/>
                           <a:cs typeface="AdobeClean-Light"/>
                         </a:rPr>
-                        <a:t>Service Reviews</a:t>
+                        <a:t>Examens de service</a:t>
                       </a:r>
-                      <a:endParaRPr sz="1100" spc="0" dirty="0">
-                        <a:latin typeface="AdobeClean-Light"/>
-                        <a:cs typeface="AdobeClean-Light"/>
-                      </a:endParaRPr>
                     </a:p>
                   </a:txBody>
                   <a:tcPr marL="0" marR="0" marT="59055" marB="0">
@@ -5757,7 +5076,7 @@
                     <a:bodyPr/>
                     <a:lstStyle/>
                     <a:p>
-                      <a:pPr>
+                      <a:pPr algn="l" rtl="0">
                         <a:lnSpc>
                           <a:spcPct val="100000"/>
                         </a:lnSpc>
@@ -5795,29 +5114,15 @@
                         </a:spcBef>
                       </a:pPr>
                       <a:r>
-                        <a:rPr sz="900" spc="0" dirty="0">
+                        <a:rPr lang="fr-FR" sz="900">
                           <a:solidFill>
                             <a:srgbClr val="020302"/>
                           </a:solidFill>
                           <a:latin typeface="AdobeClean-Light"/>
                           <a:cs typeface="AdobeClean-Light"/>
                         </a:rPr>
-                        <a:t>2</a:t>
+                        <a:t>2/an</a:t>
                       </a:r>
-                      <a:r>
-                        <a:rPr lang="en-US" sz="900" spc="0" dirty="0">
-                          <a:solidFill>
-                            <a:srgbClr val="020302"/>
-                          </a:solidFill>
-                          <a:latin typeface="AdobeClean-Light"/>
-                          <a:cs typeface="AdobeClean-Light"/>
-                        </a:rPr>
-                        <a:t>/year</a:t>
-                      </a:r>
-                      <a:endParaRPr sz="900" spc="0" dirty="0">
-                        <a:latin typeface="AdobeClean-Light"/>
-                        <a:cs typeface="AdobeClean-Light"/>
-                      </a:endParaRPr>
                     </a:p>
                   </a:txBody>
                   <a:tcPr marL="0" marR="0" marT="57150" marB="0">
@@ -5840,7 +5145,7 @@
                     <a:bodyPr/>
                     <a:lstStyle/>
                     <a:p>
-                      <a:pPr marL="49530">
+                      <a:pPr marL="49530" algn="l" rtl="0">
                         <a:lnSpc>
                           <a:spcPct val="100000"/>
                         </a:lnSpc>
@@ -5889,16 +5194,12 @@
                         </a:spcBef>
                       </a:pPr>
                       <a:r>
-                        <a:rPr lang="en-US" sz="1100" spc="0" dirty="0">
+                        <a:rPr lang="fr-FR" sz="1000">
                           <a:latin typeface="AdobeClean-Light"/>
                           <a:cs typeface="AdobeClean-Light"/>
                         </a:rPr>
-                        <a:t>Case Reviews</a:t>
+                        <a:t>Examens de cas</a:t>
                       </a:r>
-                      <a:endParaRPr sz="1100" spc="0" dirty="0">
-                        <a:latin typeface="AdobeClean-Light"/>
-                        <a:cs typeface="AdobeClean-Light"/>
-                      </a:endParaRPr>
                     </a:p>
                   </a:txBody>
                   <a:tcPr marL="0" marR="0" marT="63500" marB="0">
@@ -5921,7 +5222,7 @@
                     <a:bodyPr/>
                     <a:lstStyle/>
                     <a:p>
-                      <a:pPr>
+                      <a:pPr algn="l" rtl="0">
                         <a:lnSpc>
                           <a:spcPct val="100000"/>
                         </a:lnSpc>
@@ -5959,16 +5260,12 @@
                         </a:spcBef>
                       </a:pPr>
                       <a:r>
-                        <a:rPr lang="en-US" sz="900" spc="0" dirty="0">
+                        <a:rPr lang="fr-FR" sz="900" dirty="0">
                           <a:latin typeface="AdobeClean-Light"/>
                           <a:cs typeface="AdobeClean-Light"/>
                         </a:rPr>
-                        <a:t>1/month</a:t>
+                        <a:t>1/mois</a:t>
                       </a:r>
-                      <a:endParaRPr sz="900" spc="0" dirty="0">
-                        <a:latin typeface="AdobeClean-Light"/>
-                        <a:cs typeface="AdobeClean-Light"/>
-                      </a:endParaRPr>
                     </a:p>
                   </a:txBody>
                   <a:tcPr marL="0" marR="0" marT="57150" marB="0">
@@ -6038,11 +5335,11 @@
                         <a:defRPr/>
                       </a:pPr>
                       <a:r>
-                        <a:rPr lang="en-US" sz="1100" spc="0" dirty="0">
+                        <a:rPr lang="fr-FR" sz="1000">
                           <a:latin typeface="AdobeClean-Light"/>
                           <a:cs typeface="AdobeClean-Light"/>
                         </a:rPr>
-                        <a:t>Solution Review</a:t>
+                        <a:t>Examen des solutions</a:t>
                       </a:r>
                     </a:p>
                   </a:txBody>
@@ -6066,7 +5363,7 @@
                     <a:bodyPr/>
                     <a:lstStyle/>
                     <a:p>
-                      <a:pPr>
+                      <a:pPr algn="l" rtl="0">
                         <a:lnSpc>
                           <a:spcPct val="100000"/>
                         </a:lnSpc>
@@ -6095,7 +5392,7 @@
                     <a:bodyPr/>
                     <a:lstStyle/>
                     <a:p>
-                      <a:pPr algn="ctr">
+                      <a:pPr algn="l" rtl="0">
                         <a:lnSpc>
                           <a:spcPct val="100000"/>
                         </a:lnSpc>
@@ -6185,11 +5482,11 @@
                         <a:defRPr/>
                       </a:pPr>
                       <a:r>
-                        <a:rPr lang="en-US" sz="1100" spc="0" dirty="0">
+                        <a:rPr lang="fr-FR" sz="1000" dirty="0">
                           <a:latin typeface="AdobeClean-Light"/>
                           <a:cs typeface="AdobeClean-Light"/>
                         </a:rPr>
-                        <a:t>Roadmap Review </a:t>
+                        <a:t>Examen de la feuille de route </a:t>
                       </a:r>
                     </a:p>
                   </a:txBody>
@@ -6223,7 +5520,7 @@
                     <a:bodyPr/>
                     <a:lstStyle/>
                     <a:p>
-                      <a:pPr>
+                      <a:pPr algn="l" rtl="0">
                         <a:lnSpc>
                           <a:spcPct val="100000"/>
                         </a:lnSpc>
@@ -6261,7 +5558,7 @@
                     <a:bodyPr/>
                     <a:lstStyle/>
                     <a:p>
-                      <a:pPr>
+                      <a:pPr algn="l" rtl="0">
                         <a:lnSpc>
                           <a:spcPct val="100000"/>
                         </a:lnSpc>
@@ -6363,19 +5660,15 @@
                         <a:defRPr/>
                       </a:pPr>
                       <a:r>
-                        <a:rPr lang="en-US" sz="1100" spc="0" dirty="0">
+                        <a:rPr lang="fr-FR" sz="1000" dirty="0">
                           <a:solidFill>
                             <a:srgbClr val="020302"/>
                           </a:solidFill>
                           <a:latin typeface="AdobeClean-Light"/>
                           <a:cs typeface="AdobeClean-Light"/>
                         </a:rPr>
-                        <a:t>Additional Named Support Contacts</a:t>
+                        <a:t>Contacts d’assistance nommés supplémentaires</a:t>
                       </a:r>
-                      <a:endParaRPr lang="en-US" sz="1100" spc="0" dirty="0">
-                        <a:latin typeface="AdobeClean-Light"/>
-                        <a:cs typeface="AdobeClean-Light"/>
-                      </a:endParaRPr>
                     </a:p>
                   </a:txBody>
                   <a:tcPr marL="0" marR="0" marT="63500" marB="0">
@@ -6415,7 +5708,7 @@
                     <a:bodyPr/>
                     <a:lstStyle/>
                     <a:p>
-                      <a:pPr>
+                      <a:pPr algn="l" rtl="0">
                         <a:lnSpc>
                           <a:spcPct val="100000"/>
                         </a:lnSpc>
@@ -6462,7 +5755,7 @@
                     <a:bodyPr/>
                     <a:lstStyle/>
                     <a:p>
-                      <a:pPr algn="ctr">
+                      <a:pPr algn="l" rtl="0">
                         <a:lnSpc>
                           <a:spcPct val="100000"/>
                         </a:lnSpc>
@@ -6570,16 +5863,12 @@
                         </a:spcBef>
                       </a:pPr>
                       <a:r>
-                        <a:rPr lang="en-US" sz="1100" spc="0" dirty="0">
+                        <a:rPr lang="fr-FR" sz="1000">
                           <a:latin typeface="AdobeClean-Light"/>
                           <a:cs typeface="AdobeClean-Light"/>
                         </a:rPr>
-                        <a:t>Upgrade/Migration Planning</a:t>
+                        <a:t>Planification des mises à niveau/de la migration</a:t>
                       </a:r>
-                      <a:endParaRPr sz="1100" spc="0" dirty="0">
-                        <a:latin typeface="AdobeClean-Light"/>
-                        <a:cs typeface="AdobeClean-Light"/>
-                      </a:endParaRPr>
                     </a:p>
                   </a:txBody>
                   <a:tcPr marL="0" marR="0" marT="63500" marB="0">
@@ -6622,7 +5911,7 @@
                     <a:bodyPr/>
                     <a:lstStyle/>
                     <a:p>
-                      <a:pPr>
+                      <a:pPr algn="l" rtl="0">
                         <a:lnSpc>
                           <a:spcPct val="100000"/>
                         </a:lnSpc>
@@ -6669,7 +5958,7 @@
                     <a:bodyPr/>
                     <a:lstStyle/>
                     <a:p>
-                      <a:pPr algn="ctr">
+                      <a:pPr algn="l" rtl="0">
                         <a:lnSpc>
                           <a:spcPct val="100000"/>
                         </a:lnSpc>
@@ -6749,11 +6038,11 @@
                         <a:defRPr/>
                       </a:pPr>
                       <a:r>
-                        <a:rPr lang="en-US" sz="1100" b="0" i="0" spc="0" dirty="0">
+                        <a:rPr lang="fr-FR" sz="1000" b="0" i="0" dirty="0">
                           <a:latin typeface="Adobe Clean Light" panose="020B0303020404020204" pitchFamily="34" charset="0"/>
                           <a:cs typeface="AdobeClean-Light"/>
                         </a:rPr>
-                        <a:t>Release Preparation and Planning</a:t>
+                        <a:t>Préparation et planification des versions</a:t>
                       </a:r>
                     </a:p>
                   </a:txBody>
@@ -6797,7 +6086,7 @@
                     <a:bodyPr/>
                     <a:lstStyle/>
                     <a:p>
-                      <a:pPr>
+                      <a:pPr algn="l" rtl="0">
                         <a:lnSpc>
                           <a:spcPct val="100000"/>
                         </a:lnSpc>
@@ -6844,7 +6133,7 @@
                     <a:bodyPr/>
                     <a:lstStyle/>
                     <a:p>
-                      <a:pPr algn="ctr">
+                      <a:pPr algn="l" rtl="0">
                         <a:lnSpc>
                           <a:spcPct val="100000"/>
                         </a:lnSpc>
@@ -6896,7 +6185,7 @@
                     <a:bodyPr/>
                     <a:lstStyle/>
                     <a:p>
-                      <a:pPr marL="49530">
+                      <a:pPr marL="49530" algn="l" rtl="0">
                         <a:lnSpc>
                           <a:spcPct val="100000"/>
                         </a:lnSpc>
@@ -6954,16 +6243,12 @@
                         </a:spcBef>
                       </a:pPr>
                       <a:r>
-                        <a:rPr lang="en-US" sz="1100" spc="0" dirty="0">
+                        <a:rPr lang="fr-FR" sz="1000" dirty="0">
                           <a:latin typeface="AdobeClean-Light"/>
                           <a:cs typeface="AdobeClean-Light"/>
                         </a:rPr>
-                        <a:t>Executive Sponsor</a:t>
+                        <a:t>Parrain du projet</a:t>
                       </a:r>
-                      <a:endParaRPr sz="1100" spc="0" dirty="0">
-                        <a:latin typeface="AdobeClean-Light"/>
-                        <a:cs typeface="AdobeClean-Light"/>
-                      </a:endParaRPr>
                     </a:p>
                   </a:txBody>
                   <a:tcPr marL="0" marR="0" marT="67310" marB="0">
@@ -7008,7 +6293,7 @@
                     <a:bodyPr/>
                     <a:lstStyle/>
                     <a:p>
-                      <a:pPr>
+                      <a:pPr algn="l" rtl="0">
                         <a:lnSpc>
                           <a:spcPct val="100000"/>
                         </a:lnSpc>
@@ -7055,7 +6340,7 @@
                     <a:bodyPr/>
                     <a:lstStyle/>
                     <a:p>
-                      <a:pPr>
+                      <a:pPr algn="l" rtl="0">
                         <a:lnSpc>
                           <a:spcPct val="100000"/>
                         </a:lnSpc>
@@ -7117,14 +6402,14 @@
           <p:nvPr>
             <p:extLst>
               <p:ext uri="{D42A27DB-BD31-4B8C-83A1-F6EECF244321}">
-                <p14:modId xmlns:p14="http://schemas.microsoft.com/office/powerpoint/2010/main" val="1204616534"/>
+                <p14:modId xmlns:p14="http://schemas.microsoft.com/office/powerpoint/2010/main" val="295898528"/>
               </p:ext>
             </p:extLst>
           </p:nvPr>
         </p:nvGraphicFramePr>
         <p:xfrm>
-          <a:off x="121146" y="7483227"/>
-          <a:ext cx="7498851" cy="2361428"/>
+          <a:off x="121146" y="7475607"/>
+          <a:ext cx="7498851" cy="2336859"/>
         </p:xfrm>
         <a:graphic>
           <a:graphicData uri="http://schemas.openxmlformats.org/drawingml/2006/table">
@@ -7133,21 +6418,21 @@
                 <a:tableStyleId>{2D5ABB26-0587-4C30-8999-92F81FD0307C}</a:tableStyleId>
               </a:tblPr>
               <a:tblGrid>
-                <a:gridCol w="3749427">
+                <a:gridCol w="3932694">
                   <a:extLst>
                     <a:ext uri="{9D8B030D-6E8A-4147-A177-3AD203B41FA5}">
                       <a16:colId xmlns:a16="http://schemas.microsoft.com/office/drawing/2014/main" val="20000"/>
                     </a:ext>
                   </a:extLst>
                 </a:gridCol>
-                <a:gridCol w="940418">
+                <a:gridCol w="944880">
                   <a:extLst>
                     <a:ext uri="{9D8B030D-6E8A-4147-A177-3AD203B41FA5}">
                       <a16:colId xmlns:a16="http://schemas.microsoft.com/office/drawing/2014/main" val="20001"/>
                     </a:ext>
                   </a:extLst>
                 </a:gridCol>
-                <a:gridCol w="980208">
+                <a:gridCol w="792479">
                   <a:extLst>
                     <a:ext uri="{9D8B030D-6E8A-4147-A177-3AD203B41FA5}">
                       <a16:colId xmlns:a16="http://schemas.microsoft.com/office/drawing/2014/main" val="20002"/>
@@ -7184,19 +6469,15 @@
                         </a:spcBef>
                       </a:pPr>
                       <a:r>
-                        <a:rPr sz="1000" spc="0" dirty="0">
+                        <a:rPr lang="fr-FR" sz="950" dirty="0">
                           <a:solidFill>
                             <a:srgbClr val="020302"/>
                           </a:solidFill>
                           <a:latin typeface="Adobe Clean"/>
                           <a:cs typeface="Adobe Clean"/>
                         </a:rPr>
-                        <a:t>Priority</a:t>
+                        <a:t>Priorité</a:t>
                       </a:r>
-                      <a:endParaRPr sz="1000" spc="0" dirty="0">
-                        <a:latin typeface="Adobe Clean"/>
-                        <a:cs typeface="Adobe Clean"/>
-                      </a:endParaRPr>
                     </a:p>
                   </a:txBody>
                   <a:tcPr marL="0" marR="0" marT="7620" marB="0" anchor="ctr">
@@ -7243,49 +6524,15 @@
                         </a:spcBef>
                       </a:pPr>
                       <a:r>
-                        <a:rPr lang="en-US" sz="900" spc="0" dirty="0">
+                        <a:rPr lang="fr-FR" sz="850" dirty="0">
                           <a:solidFill>
                             <a:srgbClr val="020302"/>
                           </a:solidFill>
                           <a:latin typeface="Adobe Clean"/>
                           <a:cs typeface="Adobe Clean"/>
                         </a:rPr>
-                        <a:t>Standard</a:t>
+                        <a:t>Assistance standard</a:t>
                       </a:r>
-                      <a:r>
-                        <a:rPr sz="900" spc="0" dirty="0">
-                          <a:solidFill>
-                            <a:srgbClr val="020302"/>
-                          </a:solidFill>
-                          <a:latin typeface="Adobe Clean"/>
-                          <a:cs typeface="Adobe Clean"/>
-                        </a:rPr>
-                        <a:t> </a:t>
-                      </a:r>
-                      <a:r>
-                        <a:rPr lang="en-US" sz="900" spc="0" dirty="0">
-                          <a:solidFill>
-                            <a:srgbClr val="020302"/>
-                          </a:solidFill>
-                          <a:latin typeface="Adobe Clean"/>
-                          <a:cs typeface="Adobe Clean"/>
-                        </a:rPr>
-                        <a:t> </a:t>
-                      </a:r>
-                      <a:r>
-                        <a:rPr sz="900" spc="0" dirty="0">
-                          <a:solidFill>
-                            <a:srgbClr val="020302"/>
-                          </a:solidFill>
-                          <a:latin typeface="Adobe Clean"/>
-                          <a:cs typeface="Adobe Clean"/>
-                        </a:rPr>
-                        <a:t>Support</a:t>
-                      </a:r>
-                      <a:endParaRPr sz="900" spc="0" dirty="0">
-                        <a:latin typeface="Adobe Clean"/>
-                        <a:cs typeface="Adobe Clean"/>
-                      </a:endParaRPr>
                     </a:p>
                   </a:txBody>
                   <a:tcPr marL="0" marR="0" marT="0" marB="0" anchor="ctr">
@@ -7335,39 +6582,15 @@
                         </a:spcBef>
                       </a:pPr>
                       <a:r>
-                        <a:rPr sz="900" spc="0" dirty="0">
+                        <a:rPr lang="fr-FR" sz="850" dirty="0">
                           <a:solidFill>
                             <a:srgbClr val="FFFFFF"/>
                           </a:solidFill>
                           <a:latin typeface="Adobe Clean"/>
                           <a:cs typeface="Adobe Clean"/>
                         </a:rPr>
-                        <a:t>Business</a:t>
+                        <a:t>Assistance commerciale</a:t>
                       </a:r>
-                      <a:r>
-                        <a:rPr lang="en-US" sz="900" spc="0" dirty="0">
-                          <a:solidFill>
-                            <a:srgbClr val="FFFFFF"/>
-                          </a:solidFill>
-                          <a:latin typeface="Adobe Clean"/>
-                          <a:cs typeface="Adobe Clean"/>
-                        </a:rPr>
-                        <a:t> </a:t>
-                      </a:r>
-                      <a:r>
-                        <a:rPr sz="900" spc="0" dirty="0">
-                          <a:solidFill>
-                            <a:srgbClr val="FFFFFF"/>
-                          </a:solidFill>
-                          <a:latin typeface="Adobe Clean"/>
-                          <a:cs typeface="Adobe Clean"/>
-                        </a:rPr>
-                        <a:t>Support</a:t>
-                      </a:r>
-                      <a:endParaRPr sz="900" spc="0" dirty="0">
-                        <a:latin typeface="Adobe Clean"/>
-                        <a:cs typeface="Adobe Clean"/>
-                      </a:endParaRPr>
                     </a:p>
                   </a:txBody>
                   <a:tcPr marL="0" marR="0" marT="0" marB="0" anchor="ctr">
@@ -7414,39 +6637,15 @@
                         </a:spcBef>
                       </a:pPr>
                       <a:r>
-                        <a:rPr sz="900" spc="0" dirty="0">
+                        <a:rPr lang="fr-FR" sz="850" dirty="0">
                           <a:solidFill>
                             <a:srgbClr val="FFFFFF"/>
                           </a:solidFill>
                           <a:latin typeface="Adobe Clean"/>
                           <a:cs typeface="Adobe Clean"/>
                         </a:rPr>
-                        <a:t>Enterprise </a:t>
+                        <a:t>Assistance aux entreprises</a:t>
                       </a:r>
-                      <a:r>
-                        <a:rPr lang="en-US" sz="900" spc="0" dirty="0">
-                          <a:solidFill>
-                            <a:srgbClr val="FFFFFF"/>
-                          </a:solidFill>
-                          <a:latin typeface="Adobe Clean"/>
-                          <a:cs typeface="Adobe Clean"/>
-                        </a:rPr>
-                        <a:t> </a:t>
-                      </a:r>
-                      <a:r>
-                        <a:rPr sz="900" spc="0" dirty="0">
-                          <a:solidFill>
-                            <a:srgbClr val="FFFFFF"/>
-                          </a:solidFill>
-                          <a:latin typeface="Adobe Clean"/>
-                          <a:cs typeface="Adobe Clean"/>
-                        </a:rPr>
-                        <a:t>Support</a:t>
-                      </a:r>
-                      <a:endParaRPr sz="900" spc="0" dirty="0">
-                        <a:latin typeface="Adobe Clean"/>
-                        <a:cs typeface="Adobe Clean"/>
-                      </a:endParaRPr>
                     </a:p>
                   </a:txBody>
                   <a:tcPr marL="0" marR="0" marT="0" marB="0" anchor="ctr">
@@ -7493,39 +6692,15 @@
                         </a:spcBef>
                       </a:pPr>
                       <a:r>
-                        <a:rPr sz="900" spc="0" dirty="0">
+                        <a:rPr lang="fr-FR" sz="850" dirty="0">
                           <a:solidFill>
                             <a:srgbClr val="FFFFFF"/>
                           </a:solidFill>
                           <a:latin typeface="Adobe Clean"/>
                           <a:cs typeface="Adobe Clean"/>
                         </a:rPr>
-                        <a:t>Elite</a:t>
+                        <a:t>Assistance Elite</a:t>
                       </a:r>
-                      <a:r>
-                        <a:rPr lang="en-US" sz="900" spc="0" dirty="0">
-                          <a:solidFill>
-                            <a:srgbClr val="FFFFFF"/>
-                          </a:solidFill>
-                          <a:latin typeface="Adobe Clean"/>
-                          <a:cs typeface="Adobe Clean"/>
-                        </a:rPr>
-                        <a:t> </a:t>
-                      </a:r>
-                      <a:r>
-                        <a:rPr sz="900" spc="0" dirty="0">
-                          <a:solidFill>
-                            <a:srgbClr val="FFFFFF"/>
-                          </a:solidFill>
-                          <a:latin typeface="Adobe Clean"/>
-                          <a:cs typeface="Adobe Clean"/>
-                        </a:rPr>
-                        <a:t>Support</a:t>
-                      </a:r>
-                      <a:endParaRPr sz="900" spc="0" dirty="0">
-                        <a:latin typeface="Adobe Clean"/>
-                        <a:cs typeface="Adobe Clean"/>
-                      </a:endParaRPr>
                     </a:p>
                   </a:txBody>
                   <a:tcPr marL="0" marR="0" marT="0" marB="0" anchor="ctr">
@@ -7579,19 +6754,15 @@
                         </a:spcBef>
                       </a:pPr>
                       <a:r>
-                        <a:rPr sz="900" b="1" spc="0" dirty="0">
+                        <a:rPr lang="fr-FR" sz="800" b="1" dirty="0">
                           <a:solidFill>
                             <a:srgbClr val="020302"/>
                           </a:solidFill>
                           <a:latin typeface="Adobe Clean"/>
                           <a:cs typeface="Adobe Clean"/>
                         </a:rPr>
-                        <a:t>PRIORITY 1</a:t>
+                        <a:t>PRIORITÉ 1</a:t>
                       </a:r>
-                      <a:endParaRPr sz="900" spc="0" dirty="0">
-                        <a:latin typeface="Adobe Clean"/>
-                        <a:cs typeface="Adobe Clean"/>
-                      </a:endParaRPr>
                     </a:p>
                     <a:p>
                       <a:pPr marL="50800" marR="387985">
@@ -7603,19 +6774,14 @@
                         </a:spcBef>
                       </a:pPr>
                       <a:r>
-                        <a:rPr lang="en-US" sz="900" b="0" i="0" spc="0" dirty="0">
+                        <a:rPr lang="fr-FR" sz="800" b="0" i="0" dirty="0">
                           <a:solidFill>
                             <a:srgbClr val="000000"/>
                           </a:solidFill>
-                          <a:effectLst/>
                           <a:latin typeface="Adobe Clean Light" panose="020B0303020404020204" pitchFamily="34" charset="0"/>
                         </a:rPr>
-                        <a:t>Customer's production business functions are down or have significant data loss or service degradation and immediate attention is required to restore functionality and usability. </a:t>
+                        <a:t>Les fonctions commerciales de production du client sont en panne ou présentent une perte de données ou une dégradation importante du service. Une attention immédiate est requise afin de restaurer les fonctionnalités et l’accessibilité. </a:t>
                       </a:r>
-                      <a:endParaRPr sz="900" spc="0" dirty="0">
-                        <a:latin typeface="AdobeClean-Light"/>
-                        <a:cs typeface="AdobeClean-Light"/>
-                      </a:endParaRPr>
                     </a:p>
                   </a:txBody>
                   <a:tcPr marL="0" marR="0" marT="0" marB="0" anchor="ctr">
@@ -7662,7 +6828,7 @@
                         </a:spcBef>
                       </a:pPr>
                       <a:r>
-                        <a:rPr lang="en-US" sz="900" spc="0" dirty="0">
+                        <a:rPr lang="fr-FR" sz="850" dirty="0">
                           <a:solidFill>
                             <a:srgbClr val="020302"/>
                           </a:solidFill>
@@ -7682,19 +6848,15 @@
                         </a:spcBef>
                       </a:pPr>
                       <a:r>
-                        <a:rPr lang="en-US" sz="900" spc="0" dirty="0">
+                        <a:rPr lang="fr-FR" sz="850" dirty="0">
                           <a:solidFill>
                             <a:srgbClr val="020302"/>
                           </a:solidFill>
                           <a:latin typeface="AdobeClean-Light"/>
                           <a:cs typeface="AdobeClean-Light"/>
                         </a:rPr>
-                        <a:t> 30 minutes</a:t>
+                        <a:t> 30 minutes</a:t>
                       </a:r>
-                      <a:endParaRPr lang="en-US" sz="900" spc="0" dirty="0">
-                        <a:latin typeface="AdobeClean-Light"/>
-                        <a:cs typeface="AdobeClean-Light"/>
-                      </a:endParaRPr>
                     </a:p>
                   </a:txBody>
                   <a:tcPr marL="0" marR="0" marT="0" marB="0" anchor="ctr">
@@ -7739,10 +6901,10 @@
                         <a:tabLst/>
                       </a:pPr>
                       <a:r>
-                        <a:rPr lang="en-US" sz="1000" i="0" spc="0" dirty="0">
+                        <a:rPr lang="fr-FR" sz="950" i="0" dirty="0">
                           <a:latin typeface="AdobeClean-Light"/>
                         </a:rPr>
-                        <a:t>Customers who purchase a Support Plan for applicable Adobe Products and Services receive priority case routing that fast-tracks cases to Adobe’s Support Engineers. </a:t>
+                        <a:t>Les clients qui achètent un plan d’assistance pour les produits et services Adobe concernés bénéficient de l’acheminement prioritaire des cas qui accélère leur résolution par les ingénieurs d’assistance Adobe. </a:t>
                       </a:r>
                     </a:p>
                   </a:txBody>
@@ -7790,7 +6952,7 @@
                         </a:spcBef>
                       </a:pPr>
                       <a:r>
-                        <a:rPr sz="900" spc="0" dirty="0">
+                        <a:rPr lang="fr-FR" sz="900">
                           <a:solidFill>
                             <a:srgbClr val="020302"/>
                           </a:solidFill>
@@ -7800,67 +6962,8 @@
                           <a:latin typeface="AdobeClean-Light"/>
                           <a:cs typeface="AdobeClean-Light"/>
                         </a:rPr>
-                        <a:t>24x7 /  </a:t>
+                        <a:t>24x7 /            30 minutes</a:t>
                       </a:r>
-                      <a:r>
-                        <a:rPr lang="en-US" sz="900" spc="0" dirty="0">
-                          <a:solidFill>
-                            <a:srgbClr val="020302"/>
-                          </a:solidFill>
-                          <a:highlight>
-                            <a:srgbClr val="FFFF00"/>
-                          </a:highlight>
-                          <a:latin typeface="AdobeClean-Light"/>
-                          <a:cs typeface="AdobeClean-Light"/>
-                        </a:rPr>
-                        <a:t>         </a:t>
-                      </a:r>
-                      <a:r>
-                        <a:rPr sz="900" spc="0" dirty="0">
-                          <a:solidFill>
-                            <a:srgbClr val="020302"/>
-                          </a:solidFill>
-                          <a:highlight>
-                            <a:srgbClr val="FFFF00"/>
-                          </a:highlight>
-                          <a:latin typeface="AdobeClean-Light"/>
-                          <a:cs typeface="AdobeClean-Light"/>
-                        </a:rPr>
-                        <a:t>30</a:t>
-                      </a:r>
-                      <a:r>
-                        <a:rPr lang="en-US" sz="900" spc="0" dirty="0">
-                          <a:solidFill>
-                            <a:srgbClr val="020302"/>
-                          </a:solidFill>
-                          <a:highlight>
-                            <a:srgbClr val="FFFF00"/>
-                          </a:highlight>
-                          <a:latin typeface="AdobeClean-Light"/>
-                          <a:cs typeface="AdobeClean-Light"/>
-                        </a:rPr>
-                        <a:t> </a:t>
-                      </a:r>
-                      <a:r>
-                        <a:rPr sz="900" spc="0" dirty="0">
-                          <a:solidFill>
-                            <a:srgbClr val="020302"/>
-                          </a:solidFill>
-                          <a:highlight>
-                            <a:srgbClr val="FFFF00"/>
-                          </a:highlight>
-                          <a:latin typeface="AdobeClean-Light"/>
-                          <a:cs typeface="AdobeClean-Light"/>
-                        </a:rPr>
-                        <a:t>minutes</a:t>
-                      </a:r>
-                      <a:endParaRPr sz="900" spc="0" dirty="0">
-                        <a:highlight>
-                          <a:srgbClr val="FFFF00"/>
-                        </a:highlight>
-                        <a:latin typeface="AdobeClean-Light"/>
-                        <a:cs typeface="AdobeClean-Light"/>
-                      </a:endParaRPr>
                     </a:p>
                   </a:txBody>
                   <a:tcPr marL="0" marR="0" marT="0" marB="0" anchor="ctr">
@@ -7904,7 +7007,7 @@
                         </a:spcBef>
                       </a:pPr>
                       <a:r>
-                        <a:rPr sz="900" spc="0" dirty="0">
+                        <a:rPr lang="fr-FR" sz="900">
                           <a:solidFill>
                             <a:srgbClr val="020302"/>
                           </a:solidFill>
@@ -7914,67 +7017,8 @@
                           <a:latin typeface="AdobeClean-Light"/>
                           <a:cs typeface="AdobeClean-Light"/>
                         </a:rPr>
-                        <a:t>24x7 / </a:t>
+                        <a:t>24x7 /          15 minutes</a:t>
                       </a:r>
-                      <a:r>
-                        <a:rPr lang="en-US" sz="900" spc="0" dirty="0">
-                          <a:solidFill>
-                            <a:srgbClr val="020302"/>
-                          </a:solidFill>
-                          <a:highlight>
-                            <a:srgbClr val="FFFF00"/>
-                          </a:highlight>
-                          <a:latin typeface="AdobeClean-Light"/>
-                          <a:cs typeface="AdobeClean-Light"/>
-                        </a:rPr>
-                        <a:t>       </a:t>
-                      </a:r>
-                      <a:r>
-                        <a:rPr sz="900" spc="0" dirty="0">
-                          <a:solidFill>
-                            <a:srgbClr val="020302"/>
-                          </a:solidFill>
-                          <a:highlight>
-                            <a:srgbClr val="FFFF00"/>
-                          </a:highlight>
-                          <a:latin typeface="AdobeClean-Light"/>
-                          <a:cs typeface="AdobeClean-Light"/>
-                        </a:rPr>
-                        <a:t> 15</a:t>
-                      </a:r>
-                      <a:r>
-                        <a:rPr lang="en-US" sz="900" spc="0" dirty="0">
-                          <a:solidFill>
-                            <a:srgbClr val="020302"/>
-                          </a:solidFill>
-                          <a:highlight>
-                            <a:srgbClr val="FFFF00"/>
-                          </a:highlight>
-                          <a:latin typeface="AdobeClean-Light"/>
-                          <a:cs typeface="AdobeClean-Light"/>
-                        </a:rPr>
-                        <a:t> </a:t>
-                      </a:r>
-                      <a:r>
-                        <a:rPr sz="900" spc="0" dirty="0">
-                          <a:solidFill>
-                            <a:srgbClr val="020302"/>
-                          </a:solidFill>
-                          <a:highlight>
-                            <a:srgbClr val="FFFF00"/>
-                          </a:highlight>
-                          <a:latin typeface="AdobeClean-Light"/>
-                          <a:cs typeface="AdobeClean-Light"/>
-                        </a:rPr>
-                        <a:t>minutes</a:t>
-                      </a:r>
-                      <a:endParaRPr sz="900" spc="0" dirty="0">
-                        <a:highlight>
-                          <a:srgbClr val="FFFF00"/>
-                        </a:highlight>
-                        <a:latin typeface="AdobeClean-Light"/>
-                        <a:cs typeface="AdobeClean-Light"/>
-                      </a:endParaRPr>
                     </a:p>
                   </a:txBody>
                   <a:tcPr marL="0" marR="0" marT="0" marB="0" anchor="ctr">
@@ -8025,19 +7069,15 @@
                         </a:spcBef>
                       </a:pPr>
                       <a:r>
-                        <a:rPr sz="900" b="1" spc="0" dirty="0">
+                        <a:rPr lang="fr-FR" sz="800" b="1" dirty="0">
                           <a:solidFill>
                             <a:srgbClr val="020302"/>
                           </a:solidFill>
                           <a:latin typeface="Adobe Clean"/>
                           <a:cs typeface="Adobe Clean"/>
                         </a:rPr>
-                        <a:t>PRIORITY 2</a:t>
+                        <a:t>PRIORITÉ 2</a:t>
                       </a:r>
-                      <a:endParaRPr sz="900" spc="0" dirty="0">
-                        <a:latin typeface="Adobe Clean"/>
-                        <a:cs typeface="Adobe Clean"/>
-                      </a:endParaRPr>
                     </a:p>
                     <a:p>
                       <a:pPr marL="50165" marR="203200" indent="0" defTabSz="914400" eaLnBrk="1" fontAlgn="auto" latinLnBrk="0" hangingPunct="1">
@@ -8058,19 +7098,14 @@
                         <a:defRPr/>
                       </a:pPr>
                       <a:r>
-                        <a:rPr lang="en-US" sz="900" b="0" i="0" spc="0" dirty="0">
+                        <a:rPr lang="fr-FR" sz="800" b="0" i="0" dirty="0">
                           <a:solidFill>
                             <a:srgbClr val="000000"/>
                           </a:solidFill>
-                          <a:effectLst/>
                           <a:latin typeface="Adobe Clean Light" panose="020B0303020404020204" pitchFamily="34" charset="0"/>
                         </a:rPr>
-                        <a:t>Customer's business functions have major service degradation or potential data loss, or a major feature is impacted.  </a:t>
+                        <a:t>Les fonctions commerciales du client présentent une dégradation importante des services ou une perte potentielle de données. Il est également possible qu’une fonctionnalité majeure soit affectée.  </a:t>
                       </a:r>
-                      <a:endParaRPr sz="900" b="0" i="0" spc="0" dirty="0">
-                        <a:latin typeface="Adobe Clean Light" panose="020B0303020404020204" pitchFamily="34" charset="0"/>
-                        <a:cs typeface="AdobeClean-Light"/>
-                      </a:endParaRPr>
                     </a:p>
                   </a:txBody>
                   <a:tcPr marL="0" marR="0" marT="0" marB="0" anchor="ctr">
@@ -8117,7 +7152,7 @@
                         </a:spcBef>
                       </a:pPr>
                       <a:r>
-                        <a:rPr lang="en-US" sz="900" spc="0" dirty="0">
+                        <a:rPr lang="fr-FR" sz="850" dirty="0">
                           <a:solidFill>
                             <a:srgbClr val="020302"/>
                           </a:solidFill>
@@ -8137,19 +7172,15 @@
                         </a:spcBef>
                       </a:pPr>
                       <a:r>
-                        <a:rPr lang="en-US" sz="900" spc="0" dirty="0">
+                        <a:rPr lang="fr-FR" sz="850" dirty="0">
                           <a:solidFill>
                             <a:srgbClr val="020302"/>
                           </a:solidFill>
                           <a:latin typeface="AdobeClean-Light"/>
                           <a:cs typeface="AdobeClean-Light"/>
                         </a:rPr>
-                        <a:t>     1 hour</a:t>
+                        <a:t>     1 heure</a:t>
                       </a:r>
-                      <a:endParaRPr lang="en-US" sz="900" spc="0" dirty="0">
-                        <a:latin typeface="AdobeClean-Light"/>
-                        <a:cs typeface="AdobeClean-Light"/>
-                      </a:endParaRPr>
                     </a:p>
                   </a:txBody>
                   <a:tcPr marL="0" marR="0" marT="0" marB="0" anchor="ctr">
@@ -8184,7 +7215,7 @@
                     <a:bodyPr/>
                     <a:lstStyle/>
                     <a:p>
-                      <a:pPr marL="0" marR="184785" indent="-194310" algn="ctr">
+                      <a:pPr marL="0" marR="184785" indent="-194310" algn="l" rtl="0">
                         <a:lnSpc>
                           <a:spcPct val="100000"/>
                         </a:lnSpc>
@@ -8236,7 +7267,7 @@
                     <a:bodyPr/>
                     <a:lstStyle/>
                     <a:p>
-                      <a:pPr marL="0" marR="325755" indent="-5715" algn="ctr">
+                      <a:pPr marL="0" marR="325755" indent="-5715" algn="l" rtl="0">
                         <a:lnSpc>
                           <a:spcPct val="100000"/>
                         </a:lnSpc>
@@ -8285,7 +7316,7 @@
                     <a:bodyPr/>
                     <a:lstStyle/>
                     <a:p>
-                      <a:pPr marL="0" marR="259079" indent="111760" algn="ctr">
+                      <a:pPr marL="0" marR="259079" indent="111760" algn="l" rtl="0">
                         <a:lnSpc>
                           <a:spcPct val="100000"/>
                         </a:lnSpc>
@@ -8350,29 +7381,15 @@
                         </a:spcBef>
                       </a:pPr>
                       <a:r>
-                        <a:rPr sz="900" b="1" spc="0" dirty="0">
+                        <a:rPr lang="fr-FR" sz="800" b="1" dirty="0">
                           <a:solidFill>
                             <a:srgbClr val="020302"/>
                           </a:solidFill>
                           <a:latin typeface="Adobe Clean"/>
                           <a:cs typeface="Adobe Clean"/>
                         </a:rPr>
-                        <a:t>PRIORITY</a:t>
+                        <a:t>PRIORITÉ 3</a:t>
                       </a:r>
-                      <a:r>
-                        <a:rPr lang="en-US" sz="900" b="1" spc="0" dirty="0">
-                          <a:solidFill>
-                            <a:srgbClr val="020302"/>
-                          </a:solidFill>
-                          <a:latin typeface="Adobe Clean"/>
-                          <a:cs typeface="Adobe Clean"/>
-                        </a:rPr>
-                        <a:t> 3</a:t>
-                      </a:r>
-                      <a:endParaRPr lang="en-US" sz="900" spc="0" dirty="0">
-                        <a:latin typeface="Adobe Clean"/>
-                        <a:cs typeface="Adobe Clean"/>
-                      </a:endParaRPr>
                     </a:p>
                     <a:p>
                       <a:pPr marL="49530" marR="212090" indent="-2540" defTabSz="914400" eaLnBrk="1" fontAlgn="auto" latinLnBrk="0" hangingPunct="1">
@@ -8393,26 +7410,21 @@
                         <a:defRPr/>
                       </a:pPr>
                       <a:r>
-                        <a:rPr kumimoji="0" lang="en-US" sz="900" b="0" i="0" u="none" strike="noStrike" kern="1200" cap="none" spc="0" normalizeH="0" baseline="0" noProof="0" dirty="0">
+                        <a:rPr kumimoji="0" lang="fr-FR" sz="800" b="0" i="0" u="none" strike="noStrike" cap="none" normalizeH="0" baseline="0" noProof="0" dirty="0">
                           <a:ln>
                             <a:noFill/>
                           </a:ln>
                           <a:solidFill>
                             <a:srgbClr val="000000"/>
                           </a:solidFill>
-                          <a:effectLst/>
                           <a:uLnTx/>
                           <a:uFillTx/>
                           <a:latin typeface="Adobe Clean Light" panose="020B0303020404020204" pitchFamily="34" charset="0"/>
                           <a:ea typeface="+mn-ea"/>
                           <a:cs typeface="+mn-cs"/>
                         </a:rPr>
-                        <a:t>Customer's business functions have minor service degradation but there exists a solution/workaround allowing business functions to continue normally. </a:t>
+                        <a:t>Les fonctions commerciales du client présentent une dégradation mineure du service, mais il existe une solution/un moyen permettant aux fonctions commerciales de continuer de fonctionner normalement. </a:t>
                       </a:r>
-                      <a:endParaRPr lang="en-US" sz="900" b="0" i="0" spc="0" dirty="0">
-                        <a:latin typeface="Adobe Clean Light" panose="020B0303020404020204" pitchFamily="34" charset="0"/>
-                        <a:cs typeface="AdobeClean-Light"/>
-                      </a:endParaRPr>
                     </a:p>
                   </a:txBody>
                   <a:tcPr marL="0" marR="0" marT="0" marB="0" anchor="ctr">
@@ -8462,14 +7474,14 @@
                         </a:tabLst>
                       </a:pPr>
                       <a:r>
-                        <a:rPr lang="en-US" sz="900" spc="0" dirty="0">
+                        <a:rPr lang="fr-FR" sz="850" dirty="0">
                           <a:solidFill>
                             <a:srgbClr val="020302"/>
                           </a:solidFill>
                           <a:latin typeface="AdobeClean-Light"/>
                           <a:cs typeface="AdobeClean-Light"/>
                         </a:rPr>
-                        <a:t>Business day /   </a:t>
+                        <a:t>Jour ouvrable /   </a:t>
                       </a:r>
                     </a:p>
                     <a:p>
@@ -8482,19 +7494,15 @@
                         </a:spcBef>
                       </a:pPr>
                       <a:r>
-                        <a:rPr lang="en-US" sz="900" spc="0" dirty="0">
+                        <a:rPr lang="fr-FR" sz="850" dirty="0">
                           <a:solidFill>
                             <a:srgbClr val="020302"/>
                           </a:solidFill>
                           <a:latin typeface="AdobeClean-Light"/>
                           <a:cs typeface="AdobeClean-Light"/>
                         </a:rPr>
-                        <a:t>4 hours</a:t>
+                        <a:t>4 heures</a:t>
                       </a:r>
-                      <a:endParaRPr lang="en-US" sz="900" spc="0" dirty="0">
-                        <a:latin typeface="AdobeClean-Light"/>
-                        <a:cs typeface="AdobeClean-Light"/>
-                      </a:endParaRPr>
                     </a:p>
                   </a:txBody>
                   <a:tcPr marL="0" marR="0" marT="0" marB="0" anchor="ctr">
@@ -8529,7 +7537,7 @@
                     <a:bodyPr/>
                     <a:lstStyle/>
                     <a:p>
-                      <a:pPr marL="0" marR="185420" indent="-193675" algn="ctr">
+                      <a:pPr marL="0" marR="185420" indent="-193675" algn="l" rtl="0">
                         <a:lnSpc>
                           <a:spcPct val="100000"/>
                         </a:lnSpc>
@@ -8581,7 +7589,7 @@
                     <a:bodyPr/>
                     <a:lstStyle/>
                     <a:p>
-                      <a:pPr marL="0" marR="184785" indent="-194310" algn="ctr">
+                      <a:pPr marL="0" marR="184785" indent="-194310" algn="l" rtl="0">
                         <a:lnSpc>
                           <a:spcPct val="100000"/>
                         </a:lnSpc>
@@ -8630,7 +7638,7 @@
                     <a:bodyPr/>
                     <a:lstStyle/>
                     <a:p>
-                      <a:pPr marL="0" marR="326390" indent="-5715" algn="ctr">
+                      <a:pPr marL="0" marR="326390" indent="-5715" algn="l" rtl="0">
                         <a:lnSpc>
                           <a:spcPct val="100000"/>
                         </a:lnSpc>
@@ -8695,19 +7703,15 @@
                         </a:spcBef>
                       </a:pPr>
                       <a:r>
-                        <a:rPr sz="900" b="1" spc="0" dirty="0">
+                        <a:rPr lang="fr-FR" sz="800" b="1" dirty="0">
                           <a:solidFill>
                             <a:srgbClr val="020302"/>
                           </a:solidFill>
                           <a:latin typeface="Adobe Clean"/>
                           <a:cs typeface="Adobe Clean"/>
                         </a:rPr>
-                        <a:t>PRIORITY 4</a:t>
+                        <a:t>PRIORITÉ 4</a:t>
                       </a:r>
-                      <a:endParaRPr sz="900" spc="0" dirty="0">
-                        <a:latin typeface="Adobe Clean"/>
-                        <a:cs typeface="Adobe Clean"/>
-                      </a:endParaRPr>
                     </a:p>
                     <a:p>
                       <a:pPr marL="48895" marR="0" indent="0" defTabSz="914400" eaLnBrk="1" fontAlgn="auto" latinLnBrk="0" hangingPunct="1">
@@ -8728,19 +7732,14 @@
                         <a:defRPr/>
                       </a:pPr>
                       <a:r>
-                        <a:rPr lang="en-US" sz="900" b="0" i="0" spc="0" dirty="0">
+                        <a:rPr lang="fr-FR" sz="800" b="0" i="0" dirty="0">
                           <a:solidFill>
                             <a:srgbClr val="000000"/>
                           </a:solidFill>
-                          <a:effectLst/>
                           <a:latin typeface="Adobe Clean Light" panose="020B0303020404020204" pitchFamily="34" charset="0"/>
                         </a:rPr>
-                        <a:t>General question regarding current product functionality or an enhancement request.</a:t>
+                        <a:t>Question générale concernant les fonctionnalités actuelles du produit ou une demande d’amélioration.</a:t>
                       </a:r>
-                      <a:endParaRPr sz="900" b="0" i="0" spc="0" dirty="0">
-                        <a:latin typeface="Adobe Clean Light" panose="020B0303020404020204" pitchFamily="34" charset="0"/>
-                        <a:cs typeface="AdobeClean-Light"/>
-                      </a:endParaRPr>
                     </a:p>
                   </a:txBody>
                   <a:tcPr marL="0" marR="0" marT="0" marB="0" anchor="ctr">
@@ -8790,14 +7789,14 @@
                         </a:tabLst>
                       </a:pPr>
                       <a:r>
-                        <a:rPr lang="en-US" sz="900" spc="0" dirty="0">
+                        <a:rPr lang="fr-FR" sz="850" dirty="0">
                           <a:solidFill>
                             <a:srgbClr val="020302"/>
                           </a:solidFill>
                           <a:latin typeface="AdobeClean-Light"/>
                           <a:cs typeface="AdobeClean-Light"/>
                         </a:rPr>
-                        <a:t>  Business day /   </a:t>
+                        <a:t>  Jour ouvrable /   </a:t>
                       </a:r>
                     </a:p>
                     <a:p>
@@ -8810,19 +7809,15 @@
                         </a:spcBef>
                       </a:pPr>
                       <a:r>
-                        <a:rPr lang="en-US" sz="900" spc="0" dirty="0">
+                        <a:rPr lang="fr-FR" sz="850" dirty="0">
                           <a:solidFill>
                             <a:srgbClr val="020302"/>
                           </a:solidFill>
                           <a:latin typeface="AdobeClean-Light"/>
                           <a:cs typeface="AdobeClean-Light"/>
                         </a:rPr>
-                        <a:t>1 day </a:t>
+                        <a:t>1 jour </a:t>
                       </a:r>
-                      <a:endParaRPr lang="en-US" sz="900" spc="0" dirty="0">
-                        <a:latin typeface="AdobeClean-Light"/>
-                        <a:cs typeface="AdobeClean-Light"/>
-                      </a:endParaRPr>
                     </a:p>
                   </a:txBody>
                   <a:tcPr marL="0" marR="0" marT="0" marB="0" anchor="ctr">
@@ -8857,7 +7852,7 @@
                     <a:bodyPr/>
                     <a:lstStyle/>
                     <a:p>
-                      <a:pPr marL="0" marR="223520" indent="-202565" algn="ctr">
+                      <a:pPr marL="0" marR="223520" indent="-202565" algn="l" rtl="0">
                         <a:lnSpc>
                           <a:spcPct val="100000"/>
                         </a:lnSpc>
@@ -8909,7 +7904,7 @@
                     <a:bodyPr/>
                     <a:lstStyle/>
                     <a:p>
-                      <a:pPr marL="0" marR="223520" indent="-202565" algn="ctr">
+                      <a:pPr marL="0" marR="223520" indent="-202565" algn="l" rtl="0">
                         <a:lnSpc>
                           <a:spcPct val="100000"/>
                         </a:lnSpc>
@@ -8958,7 +7953,7 @@
                     <a:bodyPr/>
                     <a:lstStyle/>
                     <a:p>
-                      <a:pPr marL="0" marR="223520" indent="-202565" algn="ctr">
+                      <a:pPr marL="0" marR="223520" indent="-202565" algn="l" rtl="0">
                         <a:lnSpc>
                           <a:spcPct val="100000"/>
                         </a:lnSpc>
@@ -9100,19 +8095,15 @@
               </a:spcBef>
             </a:pPr>
             <a:r>
-              <a:rPr lang="en-US" sz="1400" b="1" spc="-10" dirty="0">
+              <a:rPr lang="fr-FR" sz="1400" b="1">
                 <a:solidFill>
                   <a:srgbClr val="020302"/>
                 </a:solidFill>
                 <a:latin typeface="Adobe Clean"/>
                 <a:cs typeface="Adobe Clean"/>
               </a:rPr>
-              <a:t>Enterprise Support Features</a:t>
+              <a:t>Fonctionnalités de l’assistance aux entreprises</a:t>
             </a:r>
-            <a:endParaRPr lang="en-US" sz="1400" dirty="0">
-              <a:latin typeface="Adobe Clean"/>
-              <a:cs typeface="Adobe Clean"/>
-            </a:endParaRPr>
           </a:p>
         </p:txBody>
       </p:sp>
@@ -9130,8 +8121,8 @@
         </p:nvSpPr>
         <p:spPr>
           <a:xfrm>
-            <a:off x="2176351" y="4316581"/>
-            <a:ext cx="1036205" cy="197490"/>
+            <a:off x="2008711" y="4316581"/>
+            <a:ext cx="1397429" cy="182101"/>
           </a:xfrm>
           <a:prstGeom prst="rect">
             <a:avLst/>
@@ -9152,149 +8143,15 @@
               </a:spcBef>
             </a:pPr>
             <a:r>
-              <a:rPr sz="1200" b="1" spc="-20" dirty="0">
+              <a:rPr lang="fr-FR" sz="1100" b="1" dirty="0">
                 <a:solidFill>
                   <a:srgbClr val="020302"/>
                 </a:solidFill>
                 <a:latin typeface="Adobe Clean"/>
                 <a:cs typeface="Adobe Clean"/>
               </a:rPr>
-              <a:t>S</a:t>
+              <a:t>Examens de service</a:t>
             </a:r>
-            <a:r>
-              <a:rPr sz="1200" b="1" spc="-25" dirty="0">
-                <a:solidFill>
-                  <a:srgbClr val="020302"/>
-                </a:solidFill>
-                <a:latin typeface="Adobe Clean"/>
-                <a:cs typeface="Adobe Clean"/>
-              </a:rPr>
-              <a:t>e</a:t>
-            </a:r>
-            <a:r>
-              <a:rPr sz="1200" b="1" spc="-20" dirty="0">
-                <a:solidFill>
-                  <a:srgbClr val="020302"/>
-                </a:solidFill>
-                <a:latin typeface="Adobe Clean"/>
-                <a:cs typeface="Adobe Clean"/>
-              </a:rPr>
-              <a:t>r</a:t>
-            </a:r>
-            <a:r>
-              <a:rPr sz="1200" b="1" spc="-25" dirty="0">
-                <a:solidFill>
-                  <a:srgbClr val="020302"/>
-                </a:solidFill>
-                <a:latin typeface="Adobe Clean"/>
-                <a:cs typeface="Adobe Clean"/>
-              </a:rPr>
-              <a:t>v</a:t>
-            </a:r>
-            <a:r>
-              <a:rPr sz="1200" b="1" spc="-20" dirty="0">
-                <a:solidFill>
-                  <a:srgbClr val="020302"/>
-                </a:solidFill>
-                <a:latin typeface="Adobe Clean"/>
-                <a:cs typeface="Adobe Clean"/>
-              </a:rPr>
-              <a:t>i</a:t>
-            </a:r>
-            <a:r>
-              <a:rPr sz="1200" b="1" spc="-30" dirty="0">
-                <a:solidFill>
-                  <a:srgbClr val="020302"/>
-                </a:solidFill>
-                <a:latin typeface="Adobe Clean"/>
-                <a:cs typeface="Adobe Clean"/>
-              </a:rPr>
-              <a:t>c</a:t>
-            </a:r>
-            <a:r>
-              <a:rPr sz="1200" b="1" dirty="0">
-                <a:solidFill>
-                  <a:srgbClr val="020302"/>
-                </a:solidFill>
-                <a:latin typeface="Adobe Clean"/>
-                <a:cs typeface="Adobe Clean"/>
-              </a:rPr>
-              <a:t>e</a:t>
-            </a:r>
-            <a:r>
-              <a:rPr sz="1200" b="1" spc="-80" dirty="0">
-                <a:solidFill>
-                  <a:srgbClr val="020302"/>
-                </a:solidFill>
-                <a:latin typeface="Adobe Clean"/>
-                <a:cs typeface="Adobe Clean"/>
-              </a:rPr>
-              <a:t> </a:t>
-            </a:r>
-            <a:r>
-              <a:rPr sz="1200" b="1" spc="-20" dirty="0">
-                <a:solidFill>
-                  <a:srgbClr val="020302"/>
-                </a:solidFill>
-                <a:latin typeface="Adobe Clean"/>
-                <a:cs typeface="Adobe Clean"/>
-              </a:rPr>
-              <a:t>R</a:t>
-            </a:r>
-            <a:r>
-              <a:rPr sz="1200" b="1" spc="-25" dirty="0">
-                <a:solidFill>
-                  <a:srgbClr val="020302"/>
-                </a:solidFill>
-                <a:latin typeface="Adobe Clean"/>
-                <a:cs typeface="Adobe Clean"/>
-              </a:rPr>
-              <a:t>e</a:t>
-            </a:r>
-            <a:r>
-              <a:rPr sz="1200" b="1" spc="-30" dirty="0">
-                <a:solidFill>
-                  <a:srgbClr val="020302"/>
-                </a:solidFill>
-                <a:latin typeface="Adobe Clean"/>
-                <a:cs typeface="Adobe Clean"/>
-              </a:rPr>
-              <a:t>v</a:t>
-            </a:r>
-            <a:r>
-              <a:rPr sz="1200" b="1" spc="-20" dirty="0">
-                <a:solidFill>
-                  <a:srgbClr val="020302"/>
-                </a:solidFill>
-                <a:latin typeface="Adobe Clean"/>
-                <a:cs typeface="Adobe Clean"/>
-              </a:rPr>
-              <a:t>i</a:t>
-            </a:r>
-            <a:r>
-              <a:rPr sz="1200" b="1" spc="-25" dirty="0">
-                <a:solidFill>
-                  <a:srgbClr val="020302"/>
-                </a:solidFill>
-                <a:latin typeface="Adobe Clean"/>
-                <a:cs typeface="Adobe Clean"/>
-              </a:rPr>
-              <a:t>ew</a:t>
-            </a:r>
-            <a:r>
-              <a:rPr sz="1200" b="1" dirty="0">
-                <a:solidFill>
-                  <a:srgbClr val="020302"/>
-                </a:solidFill>
-                <a:latin typeface="Adobe Clean"/>
-                <a:cs typeface="Adobe Clean"/>
-              </a:rPr>
-              <a:t>s</a:t>
-            </a:r>
-            <a:endParaRPr sz="1200" dirty="0">
-              <a:latin typeface="Adobe Clean"/>
-              <a:cs typeface="Adobe Clean"/>
-            </a:endParaRPr>
           </a:p>
         </p:txBody>
       </p:sp>
@@ -9312,8 +8169,8 @@
         </p:nvSpPr>
         <p:spPr>
           <a:xfrm>
-            <a:off x="1735472" y="4623962"/>
-            <a:ext cx="1985957" cy="782265"/>
+            <a:off x="1554480" y="4623962"/>
+            <a:ext cx="2304109" cy="705321"/>
           </a:xfrm>
           <a:prstGeom prst="rect">
             <a:avLst/>
@@ -9334,15 +8191,11 @@
               </a:spcBef>
             </a:pPr>
             <a:r>
-              <a:rPr lang="en-US" sz="1000" dirty="0">
+              <a:rPr lang="fr-FR" sz="900" dirty="0">
                 <a:latin typeface="Adobe Clean Light" panose="020B0303020404020204" pitchFamily="34" charset="0"/>
               </a:rPr>
-              <a:t>Comprehensive bi-annual review of Enterprise program services, benefits and support performance. May be combined with other strategic business reviews held with Adobe.</a:t>
+              <a:t>Il s’agit d’un examen semestriel complet des services, avantages et performances d’assistance liés au programme pour les entreprises. Peut être associé à d’autres examens commerciaux stratégiques effectués par Adobe.</a:t>
             </a:r>
-            <a:endParaRPr lang="en-US" sz="1000" dirty="0">
-              <a:latin typeface="Adobe Clean Light" panose="020B0303020404020204" pitchFamily="34" charset="0"/>
-              <a:cs typeface="AdobeClean-Light"/>
-            </a:endParaRPr>
           </a:p>
         </p:txBody>
       </p:sp>
@@ -9361,7 +8214,7 @@
         <p:spPr>
           <a:xfrm>
             <a:off x="5784382" y="2687853"/>
-            <a:ext cx="1036205" cy="197490"/>
+            <a:ext cx="1036205" cy="182101"/>
           </a:xfrm>
           <a:prstGeom prst="rect">
             <a:avLst/>
@@ -9382,99 +8235,15 @@
               </a:spcBef>
             </a:pPr>
             <a:r>
-              <a:rPr lang="en-US" sz="1200" b="1" spc="-20" dirty="0">
+              <a:rPr lang="fr-FR" sz="1100" b="1">
                 <a:solidFill>
                   <a:srgbClr val="020302"/>
                 </a:solidFill>
                 <a:latin typeface="Adobe Clean"/>
                 <a:cs typeface="Adobe Clean"/>
               </a:rPr>
-              <a:t>Cas</a:t>
+              <a:t>Examens de cas</a:t>
             </a:r>
-            <a:r>
-              <a:rPr sz="1200" b="1" dirty="0">
-                <a:solidFill>
-                  <a:srgbClr val="020302"/>
-                </a:solidFill>
-                <a:latin typeface="Adobe Clean"/>
-                <a:cs typeface="Adobe Clean"/>
-              </a:rPr>
-              <a:t>e</a:t>
-            </a:r>
-            <a:r>
-              <a:rPr sz="1200" b="1" spc="-80" dirty="0">
-                <a:solidFill>
-                  <a:srgbClr val="020302"/>
-                </a:solidFill>
-                <a:latin typeface="Adobe Clean"/>
-                <a:cs typeface="Adobe Clean"/>
-              </a:rPr>
-              <a:t> </a:t>
-            </a:r>
-            <a:r>
-              <a:rPr sz="1200" b="1" spc="-20" dirty="0">
-                <a:solidFill>
-                  <a:srgbClr val="020302"/>
-                </a:solidFill>
-                <a:latin typeface="Adobe Clean"/>
-                <a:cs typeface="Adobe Clean"/>
-              </a:rPr>
-              <a:t>R</a:t>
-            </a:r>
-            <a:r>
-              <a:rPr sz="1200" b="1" spc="-25" dirty="0">
-                <a:solidFill>
-                  <a:srgbClr val="020302"/>
-                </a:solidFill>
-                <a:latin typeface="Adobe Clean"/>
-                <a:cs typeface="Adobe Clean"/>
-              </a:rPr>
-              <a:t>e</a:t>
-            </a:r>
-            <a:r>
-              <a:rPr sz="1200" b="1" spc="-30" dirty="0">
-                <a:solidFill>
-                  <a:srgbClr val="020302"/>
-                </a:solidFill>
-                <a:latin typeface="Adobe Clean"/>
-                <a:cs typeface="Adobe Clean"/>
-              </a:rPr>
-              <a:t>v</a:t>
-            </a:r>
-            <a:r>
-              <a:rPr sz="1200" b="1" spc="-20" dirty="0">
-                <a:solidFill>
-                  <a:srgbClr val="020302"/>
-                </a:solidFill>
-                <a:latin typeface="Adobe Clean"/>
-                <a:cs typeface="Adobe Clean"/>
-              </a:rPr>
-              <a:t>i</a:t>
-            </a:r>
-            <a:r>
-              <a:rPr sz="1200" b="1" spc="-25" dirty="0">
-                <a:solidFill>
-                  <a:srgbClr val="020302"/>
-                </a:solidFill>
-                <a:latin typeface="Adobe Clean"/>
-                <a:cs typeface="Adobe Clean"/>
-              </a:rPr>
-              <a:t>ew</a:t>
-            </a:r>
-            <a:r>
-              <a:rPr sz="1200" b="1" dirty="0">
-                <a:solidFill>
-                  <a:srgbClr val="020302"/>
-                </a:solidFill>
-                <a:latin typeface="Adobe Clean"/>
-                <a:cs typeface="Adobe Clean"/>
-              </a:rPr>
-              <a:t>s</a:t>
-            </a:r>
-            <a:endParaRPr sz="1200" dirty="0">
-              <a:latin typeface="Adobe Clean"/>
-              <a:cs typeface="Adobe Clean"/>
-            </a:endParaRPr>
           </a:p>
         </p:txBody>
       </p:sp>
@@ -9493,7 +8262,7 @@
         <p:spPr>
           <a:xfrm>
             <a:off x="5356260" y="3033091"/>
-            <a:ext cx="2231236" cy="782265"/>
+            <a:ext cx="2231236" cy="843821"/>
           </a:xfrm>
           <a:prstGeom prst="rect">
             <a:avLst/>
@@ -9514,13 +8283,13 @@
               </a:spcBef>
             </a:pPr>
             <a:r>
-              <a:rPr lang="en-US" sz="1000" dirty="0">
+              <a:rPr lang="fr-FR" sz="900">
                 <a:latin typeface="Adobe Clean Light" panose="020B0303020404020204" pitchFamily="34" charset="0"/>
               </a:rPr>
-              <a:t>Regularly scheduled reviews of open support requests, ensuring customer alignment on case description, business impact, status, priority and agreement on next steps required to ensure a timely resolution</a:t>
+              <a:t>Il s’agit d’un examen planifié régulier des demandes d’assistance ouvertes, assurant l’alignement des clients avec la description des cas, l’impact sur l’entreprise, le statut, la priorité et l’accord concernant les prochaines étapes nécessaires pour garantir une résolution rapide</a:t>
             </a:r>
             <a:r>
-              <a:rPr lang="en-US" sz="1000" dirty="0">
+              <a:rPr lang="fr-FR" sz="900">
                 <a:solidFill>
                   <a:srgbClr val="4B4B4B"/>
                 </a:solidFill>
@@ -9528,10 +8297,6 @@
               </a:rPr>
               <a:t>.</a:t>
             </a:r>
-            <a:endParaRPr sz="1000" dirty="0">
-              <a:latin typeface="Adobe Clean Light" panose="020B0303020404020204" pitchFamily="34" charset="0"/>
-              <a:cs typeface="AdobeClean-Light"/>
-            </a:endParaRPr>
           </a:p>
         </p:txBody>
       </p:sp>
@@ -9677,7 +8442,7 @@
         <p:spPr>
           <a:xfrm>
             <a:off x="449714" y="6221752"/>
-            <a:ext cx="1957022" cy="45719"/>
+            <a:ext cx="3070726" cy="67817"/>
           </a:xfrm>
           <a:custGeom>
             <a:avLst/>
@@ -9746,19 +8511,15 @@
               </a:spcBef>
             </a:pPr>
             <a:r>
-              <a:rPr lang="en-US" sz="1400" b="1" spc="-10" dirty="0">
+              <a:rPr lang="fr-FR" sz="1400" b="1" dirty="0">
                 <a:solidFill>
                   <a:srgbClr val="020302"/>
                 </a:solidFill>
                 <a:latin typeface="Adobe Clean"/>
                 <a:cs typeface="Adobe Clean"/>
               </a:rPr>
-              <a:t>Standard Support Features</a:t>
+              <a:t>Fonctionnalités de l’assistance Standard</a:t>
             </a:r>
-            <a:endParaRPr lang="en-US" sz="1400" dirty="0">
-              <a:latin typeface="Adobe Clean"/>
-              <a:cs typeface="Adobe Clean"/>
-            </a:endParaRPr>
           </a:p>
         </p:txBody>
       </p:sp>
@@ -9921,8 +8682,8 @@
         </p:nvSpPr>
         <p:spPr>
           <a:xfrm>
-            <a:off x="4475200" y="4313460"/>
-            <a:ext cx="1827285" cy="197490"/>
+            <a:off x="4612360" y="4313460"/>
+            <a:ext cx="1827285" cy="182101"/>
           </a:xfrm>
           <a:prstGeom prst="rect">
             <a:avLst/>
@@ -9943,18 +8704,15 @@
               </a:spcBef>
             </a:pPr>
             <a:r>
-              <a:rPr lang="en-US" sz="1200" b="1" spc="-20">
+              <a:rPr lang="fr-FR" sz="1100" b="1">
                 <a:solidFill>
                   <a:srgbClr val="020302"/>
                 </a:solidFill>
                 <a:latin typeface="Adobe Clean"/>
                 <a:cs typeface="Adobe Clean"/>
               </a:rPr>
-              <a:t>In-Region Support Option</a:t>
+              <a:t>Option d’assistance régionale</a:t>
             </a:r>
-            <a:endParaRPr lang="en-US" sz="1200">
-              <a:latin typeface="Adobe Clean"/>
-            </a:endParaRPr>
           </a:p>
         </p:txBody>
       </p:sp>
@@ -9972,8 +8730,8 @@
         </p:nvSpPr>
         <p:spPr>
           <a:xfrm>
-            <a:off x="4083049" y="4621777"/>
-            <a:ext cx="2151796" cy="628377"/>
+            <a:off x="4220209" y="4621777"/>
+            <a:ext cx="2151796" cy="566822"/>
           </a:xfrm>
           <a:prstGeom prst="rect">
             <a:avLst/>
@@ -9994,10 +8752,10 @@
               </a:spcBef>
             </a:pPr>
             <a:r>
-              <a:rPr lang="en-US" sz="1000" dirty="0">
+              <a:rPr lang="fr-FR" sz="900">
                 <a:latin typeface="Adobe Clean Light" panose="020B0303020404020204" pitchFamily="34" charset="0"/>
               </a:rPr>
-              <a:t>Receive support from members of our Adobe Support Team located within your global region. This may include in-country and/or in-language support. </a:t>
+              <a:t>Recevez l’aide des membres de notre équipe d’assistance Adobe qui se trouve dans votre région. Peut comprendre une assistance dans le pays et/ou dans la langue. </a:t>
             </a:r>
           </a:p>
         </p:txBody>
@@ -10074,7 +8832,7 @@
         <p:spPr>
           <a:xfrm>
             <a:off x="832813" y="6847686"/>
-            <a:ext cx="1326203" cy="184666"/>
+            <a:ext cx="1928398" cy="169277"/>
           </a:xfrm>
           <a:prstGeom prst="rect">
             <a:avLst/>
@@ -10095,12 +8853,12 @@
               </a:spcAft>
             </a:pPr>
             <a:r>
-              <a:rPr lang="en-US" sz="1200" b="1" dirty="0">
+              <a:rPr lang="fr-FR" sz="1100" b="1" dirty="0">
                 <a:latin typeface="Adobe Clean" panose="020B0503020404020204" pitchFamily="34" charset="0"/>
                 <a:ea typeface="Open Sans" pitchFamily="34" charset="0"/>
                 <a:cs typeface="Open Sans" pitchFamily="34" charset="0"/>
               </a:rPr>
-              <a:t>Community Forums</a:t>
+              <a:t>Forums de la communauté</a:t>
             </a:r>
           </a:p>
         </p:txBody>
@@ -10120,7 +8878,7 @@
         <p:spPr>
           <a:xfrm>
             <a:off x="405282" y="7089855"/>
-            <a:ext cx="2148840" cy="959237"/>
+            <a:ext cx="2193272" cy="866904"/>
           </a:xfrm>
           <a:prstGeom prst="rect">
             <a:avLst/>
@@ -10133,13 +8891,13 @@
           <a:lstStyle/>
           <a:p>
             <a:r>
-              <a:rPr lang="en-US" sz="1000" dirty="0">
+              <a:rPr lang="fr-FR" sz="900" dirty="0">
                 <a:solidFill>
                   <a:srgbClr val="000000"/>
                 </a:solidFill>
                 <a:latin typeface="Adobe Clean Light" panose="020B0303020404020204" pitchFamily="34" charset="0"/>
               </a:rPr>
-              <a:t>Continuous online access to a growing database of technical solutions, product documentation, FAQs and more. Connect with other customers on Adobe Community to share best practices and lessons learned..</a:t>
+              <a:t>Accès en ligne permanent à une base de données croissante de solutions techniques, de documentation sur les produits, de questions fréquentes, etc. Communiquez avec d’autres clients de la communauté Adobe pour partager les bonnes pratiques et les leçons apprises.</a:t>
             </a:r>
           </a:p>
         </p:txBody>
@@ -10161,7 +8919,7 @@
         <p:spPr>
           <a:xfrm>
             <a:off x="3339528" y="6846032"/>
-            <a:ext cx="1013098" cy="184666"/>
+            <a:ext cx="1630254" cy="169277"/>
           </a:xfrm>
           <a:prstGeom prst="rect">
             <a:avLst/>
@@ -10182,12 +8940,12 @@
               </a:spcAft>
             </a:pPr>
             <a:r>
-              <a:rPr lang="en-US" sz="1200" b="1" dirty="0">
+              <a:rPr lang="fr-FR" sz="1100" b="1">
                 <a:latin typeface="Adobe Clean" panose="020B0503020404020204" pitchFamily="34" charset="0"/>
                 <a:ea typeface="Open Sans" pitchFamily="34" charset="0"/>
                 <a:cs typeface="Open Sans" pitchFamily="34" charset="0"/>
               </a:rPr>
-              <a:t>Self-Help Portal</a:t>
+              <a:t>Portail d’aide automatique</a:t>
             </a:r>
           </a:p>
         </p:txBody>
@@ -10207,7 +8965,7 @@
         <p:spPr>
           <a:xfrm>
             <a:off x="2894025" y="7079726"/>
-            <a:ext cx="2148840" cy="805349"/>
+            <a:ext cx="2148840" cy="728405"/>
           </a:xfrm>
           <a:prstGeom prst="rect">
             <a:avLst/>
@@ -10220,13 +8978,13 @@
           <a:lstStyle/>
           <a:p>
             <a:r>
-              <a:rPr lang="en-US" sz="1000" dirty="0">
+              <a:rPr lang="fr-FR" sz="900">
                 <a:solidFill>
                   <a:srgbClr val="000000"/>
                 </a:solidFill>
                 <a:latin typeface="Adobe Clean Light" panose="020B0303020404020204" pitchFamily="34" charset="0"/>
               </a:rPr>
-              <a:t>On-demand access to the online Self-help Support Portal review case status, and browse other resources, like our  news and alerts, knowledge base, featured tips, and more.</a:t>
+              <a:t>Accès à la demande au portail d’assistance automatique en ligne pour examiner le statut des cas et parcourir d’autres ressources, telles que notre base de connaissances, les actualités et les alertes, les conseils présentés, etc.</a:t>
             </a:r>
           </a:p>
         </p:txBody>
@@ -10246,7 +9004,7 @@
         <p:spPr>
           <a:xfrm>
             <a:off x="5382768" y="7055179"/>
-            <a:ext cx="2148840" cy="641201"/>
+            <a:ext cx="2204728" cy="718145"/>
           </a:xfrm>
           <a:prstGeom prst="rect">
             <a:avLst/>
@@ -10270,104 +9028,14 @@
               </a:tabLst>
             </a:pPr>
             <a:r>
-              <a:rPr lang="en-US" sz="1000" spc="-20" dirty="0">
+              <a:rPr lang="fr-FR" sz="900" dirty="0">
                 <a:solidFill>
                   <a:srgbClr val="020302"/>
                 </a:solidFill>
                 <a:latin typeface="AdobeClean-Light"/>
                 <a:cs typeface="AdobeClean-Light"/>
               </a:rPr>
-              <a:t>Authorized Users (Admins) can start a chat session with Adobe Support </a:t>
-            </a:r>
-            <a:r>
-              <a:rPr lang="en-US" sz="1000" spc="-5" dirty="0">
-                <a:solidFill>
-                  <a:srgbClr val="020302"/>
-                </a:solidFill>
-                <a:latin typeface="AdobeClean-Light"/>
-                <a:cs typeface="AdobeClean-Light"/>
-              </a:rPr>
-              <a:t>to </a:t>
-            </a:r>
-            <a:r>
-              <a:rPr lang="en-US" sz="1000" spc="-10" dirty="0">
-                <a:solidFill>
-                  <a:srgbClr val="020302"/>
-                </a:solidFill>
-                <a:latin typeface="AdobeClean-Light"/>
-                <a:cs typeface="AdobeClean-Light"/>
-              </a:rPr>
-              <a:t>get </a:t>
-            </a:r>
-            <a:r>
-              <a:rPr lang="en-US" sz="1000" spc="-20" dirty="0">
-                <a:solidFill>
-                  <a:srgbClr val="020302"/>
-                </a:solidFill>
-                <a:latin typeface="AdobeClean-Light"/>
-                <a:cs typeface="AdobeClean-Light"/>
-              </a:rPr>
-              <a:t>answers</a:t>
-            </a:r>
-            <a:r>
-              <a:rPr lang="en-US" sz="1000" spc="-45" dirty="0">
-                <a:solidFill>
-                  <a:srgbClr val="020302"/>
-                </a:solidFill>
-                <a:latin typeface="AdobeClean-Light"/>
-                <a:cs typeface="AdobeClean-Light"/>
-              </a:rPr>
-              <a:t> and </a:t>
-            </a:r>
-            <a:r>
-              <a:rPr lang="en-US" sz="1000" spc="-15" dirty="0">
-                <a:solidFill>
-                  <a:srgbClr val="020302"/>
-                </a:solidFill>
-                <a:latin typeface="AdobeClean-Light"/>
-                <a:cs typeface="AdobeClean-Light"/>
-              </a:rPr>
-              <a:t>help </a:t>
-            </a:r>
-            <a:r>
-              <a:rPr lang="en-US" sz="1000" spc="-10" dirty="0">
-                <a:solidFill>
-                  <a:srgbClr val="020302"/>
-                </a:solidFill>
-                <a:latin typeface="AdobeClean-Light"/>
-                <a:cs typeface="AdobeClean-Light"/>
-              </a:rPr>
-              <a:t>with</a:t>
-            </a:r>
-            <a:r>
-              <a:rPr lang="en-US" sz="1000" spc="85" dirty="0">
-                <a:solidFill>
-                  <a:srgbClr val="020302"/>
-                </a:solidFill>
-                <a:latin typeface="AdobeClean-Light"/>
-                <a:cs typeface="AdobeClean-Light"/>
-              </a:rPr>
-              <a:t> </a:t>
-            </a:r>
-            <a:r>
-              <a:rPr lang="en-US" sz="1000" spc="-10" dirty="0">
-                <a:solidFill>
-                  <a:srgbClr val="020302"/>
-                </a:solidFill>
-                <a:latin typeface="AdobeClean-Light"/>
-                <a:cs typeface="AdobeClean-Light"/>
-              </a:rPr>
-              <a:t>case </a:t>
-            </a:r>
-            <a:r>
-              <a:rPr lang="en-US" sz="1000" spc="-20" dirty="0">
-                <a:solidFill>
-                  <a:srgbClr val="020302"/>
-                </a:solidFill>
-                <a:latin typeface="AdobeClean-Light"/>
-                <a:cs typeface="AdobeClean-Light"/>
-              </a:rPr>
-              <a:t>submission.</a:t>
+              <a:t>Les utilisateurs autorisés (admin) peuvent commencer une session de conversation avec l’assistance Adobe pour obtenir des réponses et de l’aide lors de l’envoi des cas.</a:t>
             </a:r>
           </a:p>
           <a:p>
@@ -10383,19 +9051,15 @@
               </a:tabLst>
             </a:pPr>
             <a:r>
-              <a:rPr lang="en-US" sz="1000" i="1" spc="-10" dirty="0">
+              <a:rPr lang="fr-FR" sz="900" i="1" dirty="0">
                 <a:solidFill>
                   <a:srgbClr val="7A7A7A"/>
                 </a:solidFill>
                 <a:latin typeface="AdobeClean-LightIt"/>
                 <a:cs typeface="AdobeClean-LightIt"/>
               </a:rPr>
-              <a:t>Subject to local hours</a:t>
+              <a:t>Soumis aux heures locales</a:t>
             </a:r>
-            <a:endParaRPr lang="en-US" sz="1000" dirty="0">
-              <a:latin typeface="AdobeClean-Light"/>
-              <a:cs typeface="AdobeClean-Light"/>
-            </a:endParaRPr>
           </a:p>
         </p:txBody>
       </p:sp>
@@ -10416,7 +9080,7 @@
         <p:spPr>
           <a:xfrm>
             <a:off x="5897720" y="6833800"/>
-            <a:ext cx="841577" cy="184666"/>
+            <a:ext cx="1643079" cy="169277"/>
           </a:xfrm>
           <a:prstGeom prst="rect">
             <a:avLst/>
@@ -10437,12 +9101,12 @@
               </a:spcAft>
             </a:pPr>
             <a:r>
-              <a:rPr lang="en-US" sz="1200" b="1" dirty="0">
+              <a:rPr lang="fr-FR" sz="1100" b="1">
                 <a:latin typeface="Adobe Clean" panose="020B0503020404020204" pitchFamily="34" charset="0"/>
                 <a:ea typeface="Open Sans" pitchFamily="34" charset="0"/>
                 <a:cs typeface="Open Sans" pitchFamily="34" charset="0"/>
               </a:rPr>
-              <a:t>Chat Support</a:t>
+              <a:t>Assistance de conversation</a:t>
             </a:r>
           </a:p>
         </p:txBody>
@@ -10463,8 +9127,8 @@
         </p:nvSpPr>
         <p:spPr>
           <a:xfrm>
-            <a:off x="2217123" y="8586959"/>
-            <a:ext cx="963405" cy="184666"/>
+            <a:off x="1927563" y="8586959"/>
+            <a:ext cx="1485984" cy="169277"/>
           </a:xfrm>
           <a:prstGeom prst="rect">
             <a:avLst/>
@@ -10485,12 +9149,12 @@
               </a:spcAft>
             </a:pPr>
             <a:r>
-              <a:rPr lang="en-US" sz="1200" b="1" dirty="0">
+              <a:rPr lang="fr-FR" sz="1100" b="1" dirty="0">
                 <a:latin typeface="Adobe Clean" panose="020B0503020404020204" pitchFamily="34" charset="0"/>
                 <a:ea typeface="Open Sans" pitchFamily="34" charset="0"/>
                 <a:cs typeface="Open Sans" pitchFamily="34" charset="0"/>
               </a:rPr>
-              <a:t>Phone Support</a:t>
+              <a:t>Assistance téléphonique</a:t>
             </a:r>
           </a:p>
         </p:txBody>
@@ -10509,8 +9173,8 @@
         </p:nvSpPr>
         <p:spPr>
           <a:xfrm>
-            <a:off x="1899187" y="8834114"/>
-            <a:ext cx="2023834" cy="651460"/>
+            <a:off x="1609627" y="8834114"/>
+            <a:ext cx="2023834" cy="589905"/>
           </a:xfrm>
           <a:prstGeom prst="rect">
             <a:avLst/>
@@ -10523,116 +9187,42 @@
           <a:lstStyle/>
           <a:p>
             <a:r>
-              <a:rPr lang="en-US" sz="1000" dirty="0">
+              <a:rPr lang="fr-FR" sz="900">
                 <a:solidFill>
                   <a:srgbClr val="020302"/>
                 </a:solidFill>
                 <a:latin typeface="AdobeClean-Light"/>
               </a:rPr>
-              <a:t>Authorized Users (Admins) </a:t>
+              <a:t>Les utilisateurs autorisés (admin) </a:t>
             </a:r>
             <a:r>
-              <a:rPr lang="en-US" sz="1000" dirty="0">
+              <a:rPr lang="fr-FR" sz="900">
                 <a:latin typeface="Adobe Clean Light"/>
               </a:rPr>
-              <a:t>can call Adobe Support via phone </a:t>
+              <a:t>peuvent appeler l’assistance Adobe </a:t>
             </a:r>
             <a:r>
-              <a:rPr lang="en-US" sz="1000" spc="-5" dirty="0">
+              <a:rPr lang="fr-FR" sz="900">
                 <a:solidFill>
                   <a:srgbClr val="020302"/>
                 </a:solidFill>
                 <a:latin typeface="AdobeClean-Light"/>
                 <a:cs typeface="AdobeClean-Light"/>
               </a:rPr>
-              <a:t>to </a:t>
-            </a:r>
-            <a:r>
-              <a:rPr lang="en-US" sz="1000" spc="-10" dirty="0">
-                <a:solidFill>
-                  <a:srgbClr val="020302"/>
-                </a:solidFill>
-                <a:latin typeface="AdobeClean-Light"/>
-                <a:cs typeface="AdobeClean-Light"/>
-              </a:rPr>
-              <a:t>get </a:t>
-            </a:r>
-            <a:r>
-              <a:rPr lang="en-US" sz="1000" spc="-20" dirty="0">
-                <a:solidFill>
-                  <a:srgbClr val="020302"/>
-                </a:solidFill>
-                <a:latin typeface="AdobeClean-Light"/>
-                <a:cs typeface="AdobeClean-Light"/>
-              </a:rPr>
-              <a:t>answers</a:t>
-            </a:r>
-            <a:r>
-              <a:rPr lang="en-US" sz="1000" spc="-45" dirty="0">
-                <a:solidFill>
-                  <a:srgbClr val="020302"/>
-                </a:solidFill>
-                <a:latin typeface="AdobeClean-Light"/>
-                <a:cs typeface="AdobeClean-Light"/>
-              </a:rPr>
-              <a:t> and</a:t>
-            </a:r>
-            <a:r>
-              <a:rPr lang="en-US" sz="1000" dirty="0">
-                <a:solidFill>
-                  <a:srgbClr val="020302"/>
-                </a:solidFill>
-                <a:latin typeface="AdobeClean-Light"/>
-                <a:cs typeface="AdobeClean-Light"/>
-              </a:rPr>
-              <a:t> </a:t>
-            </a:r>
-            <a:r>
-              <a:rPr lang="en-US" sz="1000" spc="-15" dirty="0">
-                <a:solidFill>
-                  <a:srgbClr val="020302"/>
-                </a:solidFill>
-                <a:latin typeface="AdobeClean-Light"/>
-                <a:cs typeface="AdobeClean-Light"/>
-              </a:rPr>
-              <a:t>help </a:t>
-            </a:r>
-            <a:r>
-              <a:rPr lang="en-US" sz="1000" spc="-10" dirty="0">
-                <a:solidFill>
-                  <a:srgbClr val="020302"/>
-                </a:solidFill>
-                <a:latin typeface="AdobeClean-Light"/>
-                <a:cs typeface="AdobeClean-Light"/>
-              </a:rPr>
-              <a:t>with case </a:t>
-            </a:r>
-            <a:r>
-              <a:rPr lang="en-US" sz="1000" spc="-20" dirty="0">
-                <a:solidFill>
-                  <a:srgbClr val="020302"/>
-                </a:solidFill>
-                <a:latin typeface="AdobeClean-Light"/>
-                <a:cs typeface="AdobeClean-Light"/>
-              </a:rPr>
-              <a:t>submission.</a:t>
+              <a:t>pour obtenir des réponses et de l’aide lors de l’envoi des cas.</a:t>
             </a:r>
           </a:p>
           <a:p>
             <a:r>
-              <a:rPr lang="en-US" sz="1000" i="1" spc="-10" dirty="0">
+              <a:rPr lang="fr-FR" sz="900" i="1">
                 <a:solidFill>
                   <a:srgbClr val="7A7A7A"/>
                 </a:solidFill>
                 <a:latin typeface="Adobe Clean Light" panose="020B0303020404020204" pitchFamily="34" charset="0"/>
                 <a:cs typeface="AdobeClean-LightIt"/>
               </a:rPr>
-              <a:t>Subject to local hours</a:t>
+              <a:t>Soumis aux heures locales</a:t>
             </a:r>
-            <a:endParaRPr lang="en-US" sz="1000" i="1" dirty="0">
-              <a:latin typeface="Adobe Clean Light" panose="020B0303020404020204" pitchFamily="34" charset="0"/>
-              <a:cs typeface="AdobeClean-Light"/>
-            </a:endParaRPr>
           </a:p>
         </p:txBody>
       </p:sp>
@@ -10652,8 +9242,8 @@
         </p:nvSpPr>
         <p:spPr>
           <a:xfrm>
-            <a:off x="4681454" y="8581869"/>
-            <a:ext cx="1402628" cy="184666"/>
+            <a:off x="4414754" y="8581869"/>
+            <a:ext cx="1267976" cy="169277"/>
           </a:xfrm>
           <a:prstGeom prst="rect">
             <a:avLst/>
@@ -10674,12 +9264,12 @@
               </a:spcAft>
             </a:pPr>
             <a:r>
-              <a:rPr lang="en-US" sz="1200" b="1" dirty="0">
+              <a:rPr lang="fr-FR" sz="1100" b="1">
                 <a:latin typeface="Adobe Clean" panose="020B0503020404020204" pitchFamily="34" charset="0"/>
                 <a:ea typeface="Open Sans" pitchFamily="34" charset="0"/>
                 <a:cs typeface="Open Sans" pitchFamily="34" charset="0"/>
               </a:rPr>
-              <a:t>Web Case Submission</a:t>
+              <a:t>Envoi de cas en ligne</a:t>
             </a:r>
           </a:p>
         </p:txBody>
@@ -10698,8 +9288,8 @@
         </p:nvSpPr>
         <p:spPr>
           <a:xfrm>
-            <a:off x="4170025" y="8834114"/>
-            <a:ext cx="2148840" cy="707886"/>
+            <a:off x="3903324" y="8834114"/>
+            <a:ext cx="2468552" cy="646331"/>
           </a:xfrm>
           <a:prstGeom prst="rect">
             <a:avLst/>
@@ -10712,26 +9302,20 @@
           <a:lstStyle/>
           <a:p>
             <a:r>
-              <a:rPr lang="en-US" sz="1000" dirty="0">
+              <a:rPr lang="fr-FR" sz="900" dirty="0">
                 <a:solidFill>
                   <a:srgbClr val="020302"/>
                 </a:solidFill>
                 <a:latin typeface="AdobeClean-Light"/>
               </a:rPr>
-              <a:t>Authorized Users (Admins) </a:t>
+              <a:t>Les utilisateurs autorisés (admin) </a:t>
             </a:r>
             <a:r>
-              <a:rPr lang="en-US" sz="1000" dirty="0">
+              <a:rPr lang="fr-FR" sz="900" dirty="0">
                 <a:latin typeface="Adobe Clean Light"/>
               </a:rPr>
-              <a:t>can submit unlimited web cases at any time for support issues for review by our technical support team.</a:t>
+              <a:t>peuvent envoyer un nombre illimité de cas en ligne à tout moment pour que les problèmes soient examinés par notre équipe d’assistance technique.</a:t>
             </a:r>
-            <a:endParaRPr lang="en-US" sz="1000" dirty="0">
-              <a:solidFill>
-                <a:srgbClr val="000000"/>
-              </a:solidFill>
-              <a:latin typeface="Adobe Clean Light"/>
-            </a:endParaRPr>
           </a:p>
         </p:txBody>
       </p:sp>
@@ -10766,7 +9350,7 @@
         </p:blipFill>
         <p:spPr>
           <a:xfrm>
-            <a:off x="4224178" y="8528378"/>
+            <a:off x="3957478" y="8528378"/>
             <a:ext cx="365760" cy="365760"/>
           </a:xfrm>
           <a:prstGeom prst="rect">
@@ -10805,7 +9389,7 @@
         </p:blipFill>
         <p:spPr>
           <a:xfrm>
-            <a:off x="1830184" y="8464859"/>
+            <a:off x="1540624" y="8464859"/>
             <a:ext cx="365760" cy="365760"/>
           </a:xfrm>
           <a:prstGeom prst="rect">
@@ -10945,7 +9529,7 @@
         <p:spPr>
           <a:xfrm>
             <a:off x="449714" y="1271858"/>
-            <a:ext cx="2148840" cy="959237"/>
+            <a:ext cx="2148840" cy="866904"/>
           </a:xfrm>
           <a:prstGeom prst="rect">
             <a:avLst/>
@@ -10964,10 +9548,10 @@
               <a:defRPr/>
             </a:pPr>
             <a:r>
-              <a:rPr lang="en-US" sz="1000" dirty="0">
+              <a:rPr lang="fr-FR" sz="900" dirty="0">
                 <a:latin typeface="Adobe Clean Light" panose="020B0303020404020204" pitchFamily="34" charset="0"/>
               </a:rPr>
-              <a:t>A designated Support Engineer who becomes familiar with your solution environment and business goals. The NSE is an experienced support engineer that helps coordinate your Enterprise Support experience.</a:t>
+              <a:t>L’ingénieur d’assistance désigné se familiarisera avec votre environnement de solution et vos objectifs commerciaux. L’ingénieur d’assistance nommé est un ingénieur d’assistance expérimenté qui vous aide à coordonner votre expérience d’assistance aux entreprises.</a:t>
             </a:r>
           </a:p>
         </p:txBody>
@@ -10988,8 +9572,8 @@
         </p:nvSpPr>
         <p:spPr>
           <a:xfrm>
-            <a:off x="872390" y="1010962"/>
-            <a:ext cx="1726164" cy="184666"/>
+            <a:off x="872390" y="919522"/>
+            <a:ext cx="1726164" cy="338554"/>
           </a:xfrm>
           <a:prstGeom prst="rect">
             <a:avLst/>
@@ -11010,13 +9594,13 @@
               </a:spcAft>
             </a:pPr>
             <a:r>
-              <a:rPr lang="en-US" sz="1200" b="1" spc="-10" dirty="0">
+              <a:rPr lang="fr-FR" sz="1100" b="1" dirty="0">
                 <a:solidFill>
                   <a:srgbClr val="020302"/>
                 </a:solidFill>
                 <a:latin typeface="Adobe Clean" panose="020B0503020404020204" pitchFamily="34" charset="0"/>
               </a:rPr>
-              <a:t>Named Support Engineer</a:t>
+              <a:t>Ingénieur d’assistance nommé</a:t>
             </a:r>
           </a:p>
         </p:txBody>
@@ -11036,7 +9620,7 @@
         <p:spPr>
           <a:xfrm>
             <a:off x="2803357" y="1285201"/>
-            <a:ext cx="2148840" cy="497572"/>
+            <a:ext cx="2148840" cy="589905"/>
           </a:xfrm>
           <a:prstGeom prst="rect">
             <a:avLst/>
@@ -11054,11 +9638,11 @@
               </a:spcBef>
             </a:pPr>
             <a:r>
-              <a:rPr lang="en-US" sz="1000" dirty="0">
+              <a:rPr lang="fr-FR" sz="900">
                 <a:latin typeface="Adobe Clean Light" panose="020B0303020404020204" pitchFamily="34" charset="0"/>
                 <a:cs typeface="AdobeClean-Light"/>
               </a:rPr>
-              <a:t>Receive prioritized routing to ensure faster connection to more senior support resources on submitted cases. </a:t>
+              <a:t>Bénéficiez d’un acheminement prioritaire pour garantir une connexion rapide à des ressources d’assistance senior supplémentaires sur les cas envoyés. </a:t>
             </a:r>
           </a:p>
         </p:txBody>
@@ -11079,8 +9663,8 @@
         </p:nvSpPr>
         <p:spPr>
           <a:xfrm>
-            <a:off x="3228208" y="1011671"/>
-            <a:ext cx="1976242" cy="184666"/>
+            <a:off x="3228208" y="920231"/>
+            <a:ext cx="1806113" cy="338554"/>
           </a:xfrm>
           <a:prstGeom prst="rect">
             <a:avLst/>
@@ -11101,13 +9685,13 @@
               </a:spcAft>
             </a:pPr>
             <a:r>
-              <a:rPr lang="en-US" sz="1200" b="1" spc="-10" dirty="0">
+              <a:rPr lang="fr-FR" sz="1100" b="1" dirty="0">
                 <a:solidFill>
                   <a:srgbClr val="020302"/>
                 </a:solidFill>
                 <a:latin typeface="Adobe Clean" panose="020B0503020404020204" pitchFamily="34" charset="0"/>
               </a:rPr>
-              <a:t>Priority Case Routing</a:t>
+              <a:t>Acheminement prioritaire des cas</a:t>
             </a:r>
           </a:p>
         </p:txBody>
@@ -11127,7 +9711,7 @@
         <p:spPr>
           <a:xfrm>
             <a:off x="5356260" y="1287481"/>
-            <a:ext cx="2148840" cy="651460"/>
+            <a:ext cx="2148840" cy="866904"/>
           </a:xfrm>
           <a:prstGeom prst="rect">
             <a:avLst/>
@@ -11148,15 +9732,11 @@
               </a:spcBef>
             </a:pPr>
             <a:r>
-              <a:rPr lang="en-US" sz="1000" dirty="0">
+              <a:rPr lang="fr-FR" sz="900">
                 <a:latin typeface="Adobe Clean Light" panose="020B0303020404020204" pitchFamily="34" charset="0"/>
               </a:rPr>
-              <a:t>A designated point of contact within Adobe who can provide escalation assistance, regular updates and ensure priority is given to your most critical open support requests.</a:t>
+              <a:t>Il s’agit d’un point de contact désigné au sein d’Adobe pouvant fournir une assistance en matière de remontées d’informations, des mises à jour régulières et s’assurant que la priorité est mise sur vos demandes d’assistance ouvertes les plus importantes.</a:t>
             </a:r>
-            <a:endParaRPr lang="en-US" sz="1000" dirty="0">
-              <a:latin typeface="Adobe Clean Light" panose="020B0303020404020204" pitchFamily="34" charset="0"/>
-              <a:cs typeface="AdobeClean-Light"/>
-            </a:endParaRPr>
           </a:p>
         </p:txBody>
       </p:sp>
@@ -11176,8 +9756,8 @@
         </p:nvSpPr>
         <p:spPr>
           <a:xfrm>
-            <a:off x="5818748" y="1006325"/>
-            <a:ext cx="1608472" cy="184666"/>
+            <a:off x="5818748" y="914885"/>
+            <a:ext cx="1608472" cy="338554"/>
           </a:xfrm>
           <a:prstGeom prst="rect">
             <a:avLst/>
@@ -11198,13 +9778,13 @@
               </a:spcAft>
             </a:pPr>
             <a:r>
-              <a:rPr lang="en-US" sz="1200" b="1" spc="-10" dirty="0">
+              <a:rPr lang="fr-FR" sz="1100" b="1" dirty="0">
                 <a:solidFill>
                   <a:srgbClr val="020302"/>
                 </a:solidFill>
                 <a:latin typeface="Adobe Clean" panose="020B0503020404020204" pitchFamily="34" charset="0"/>
               </a:rPr>
-              <a:t>Escalation Management</a:t>
+              <a:t>Gestion des remontées d’informations</a:t>
             </a:r>
           </a:p>
         </p:txBody>
@@ -11355,7 +9935,7 @@
         <p:spPr>
           <a:xfrm>
             <a:off x="816240" y="2576177"/>
-            <a:ext cx="2148841" cy="461665"/>
+            <a:ext cx="1944971" cy="430887"/>
           </a:xfrm>
           <a:prstGeom prst="rect">
             <a:avLst/>
@@ -11369,10 +9949,10 @@
           <a:lstStyle/>
           <a:p>
             <a:r>
-              <a:rPr lang="en-US" sz="1200" b="1" dirty="0">
+              <a:rPr lang="fr-FR" sz="1100" b="1" dirty="0">
                 <a:latin typeface="Adobe Clean" panose="020B0503020404020204" pitchFamily="34" charset="0"/>
               </a:rPr>
-              <a:t>Accelerated Issue Prioritization</a:t>
+              <a:t>Accélération du traitement des problèmes</a:t>
             </a:r>
           </a:p>
         </p:txBody>
@@ -11392,7 +9972,7 @@
         <p:spPr>
           <a:xfrm>
             <a:off x="430064" y="3050824"/>
-            <a:ext cx="2051550" cy="497572"/>
+            <a:ext cx="2051550" cy="451406"/>
           </a:xfrm>
           <a:prstGeom prst="rect">
             <a:avLst/>
@@ -11411,11 +9991,11 @@
               <a:defRPr/>
             </a:pPr>
             <a:r>
-              <a:rPr lang="en-US" sz="1000" dirty="0">
+              <a:rPr lang="fr-FR" sz="900">
                 <a:latin typeface="Adobe Clean Light" panose="020B0303020404020204" pitchFamily="34" charset="0"/>
                 <a:cs typeface="Adobe Clean Light"/>
               </a:rPr>
-              <a:t>Receive higher prioritization on support case work through facilitated engagement with Engineering.</a:t>
+              <a:t>Bénéficiez d’une accélération du traitement des cas grâce à une interaction simple avec l’équipe technique.</a:t>
             </a:r>
           </a:p>
         </p:txBody>
@@ -11539,7 +10119,7 @@
         </p:blipFill>
         <p:spPr>
           <a:xfrm>
-            <a:off x="1714742" y="4216922"/>
+            <a:off x="1547102" y="4216922"/>
             <a:ext cx="365760" cy="365760"/>
           </a:xfrm>
           <a:prstGeom prst="rect">
@@ -11578,7 +10158,7 @@
         </p:blipFill>
         <p:spPr>
           <a:xfrm>
-            <a:off x="4044715" y="4230343"/>
+            <a:off x="4181875" y="4230343"/>
             <a:ext cx="365760" cy="365760"/>
           </a:xfrm>
           <a:prstGeom prst="rect">
@@ -11600,8 +10180,8 @@
         </p:nvSpPr>
         <p:spPr>
           <a:xfrm>
-            <a:off x="430064" y="745300"/>
-            <a:ext cx="2011680" cy="0"/>
+            <a:off x="430064" y="745299"/>
+            <a:ext cx="3547576" cy="57499"/>
           </a:xfrm>
           <a:custGeom>
             <a:avLst/>
@@ -11649,7 +10229,7 @@
         <p:spPr>
           <a:xfrm>
             <a:off x="3095604" y="2650593"/>
-            <a:ext cx="2148841" cy="276999"/>
+            <a:ext cx="2148841" cy="261610"/>
           </a:xfrm>
           <a:prstGeom prst="rect">
             <a:avLst/>
@@ -11663,10 +10243,10 @@
           <a:lstStyle/>
           <a:p>
             <a:r>
-              <a:rPr lang="en-US" sz="1200" b="1" dirty="0">
+              <a:rPr lang="fr-FR" sz="1100" b="1">
                 <a:latin typeface="Adobe Clean" panose="020B0503020404020204" pitchFamily="34" charset="0"/>
               </a:rPr>
-              <a:t>Proactive Case Monitoring</a:t>
+              <a:t>Surveillance des cas proactive</a:t>
             </a:r>
           </a:p>
         </p:txBody>
@@ -11686,7 +10266,7 @@
         <p:spPr>
           <a:xfrm>
             <a:off x="2761827" y="3033782"/>
-            <a:ext cx="2051550" cy="651460"/>
+            <a:ext cx="2148840" cy="589905"/>
           </a:xfrm>
           <a:prstGeom prst="rect">
             <a:avLst/>
@@ -11705,15 +10285,11 @@
               <a:defRPr/>
             </a:pPr>
             <a:r>
-              <a:rPr lang="en-US" sz="1000" dirty="0">
+              <a:rPr lang="fr-FR" sz="900" dirty="0">
                 <a:latin typeface="Adobe Clean Light" panose="020B0303020404020204" pitchFamily="34" charset="0"/>
               </a:rPr>
-              <a:t>A designated point of contact within Adobe will actively monitor open cases and take proactive and preventive actions to ensure timely resolution.</a:t>
+              <a:t>Un point de contact désigné d’Adobe surveillera de manière active les cas ouverts et prendra des mesures proactives et préventives pour garantir une résolution rapide.</a:t>
             </a:r>
-            <a:endParaRPr lang="en-US" sz="1000" dirty="0">
-              <a:latin typeface="Adobe Clean Light" panose="020B0303020404020204" pitchFamily="34" charset="0"/>
-              <a:cs typeface="Adobe Clean Light"/>
-            </a:endParaRPr>
           </a:p>
         </p:txBody>
       </p:sp>
@@ -11768,8 +10344,8 @@
         </p:nvSpPr>
         <p:spPr>
           <a:xfrm>
-            <a:off x="121146" y="9839613"/>
-            <a:ext cx="2245360" cy="133370"/>
+            <a:off x="121145" y="9839612"/>
+            <a:ext cx="3045199" cy="133370"/>
           </a:xfrm>
           <a:prstGeom prst="rect">
             <a:avLst/>
@@ -11790,40 +10366,24 @@
               </a:spcBef>
             </a:pPr>
             <a:r>
-              <a:rPr spc="-10" dirty="0"/>
-              <a:t>©202</a:t>
+              <a:rPr lang="fr-FR" dirty="0"/>
+              <a:t>©2020 Adobe. All </a:t>
             </a:r>
             <a:r>
-              <a:rPr lang="en-US" spc="-10" dirty="0"/>
-              <a:t>2 </a:t>
+              <a:rPr lang="fr-FR" dirty="0" err="1"/>
+              <a:t>Rights</a:t>
             </a:r>
             <a:r>
-              <a:rPr spc="-5" dirty="0"/>
-              <a:t>Adobe. All</a:t>
-            </a:r>
-            <a:r>
-              <a:rPr spc="-10" dirty="0"/>
-              <a:t> Rights</a:t>
-            </a:r>
-            <a:r>
-              <a:rPr spc="-5" dirty="0"/>
+              <a:rPr lang="fr-FR" dirty="0"/>
               <a:t> </a:t>
             </a:r>
             <a:r>
-              <a:rPr spc="-10" dirty="0"/>
-              <a:t>Reserved.</a:t>
+              <a:rPr lang="fr-FR" dirty="0" err="1"/>
+              <a:t>Reserved</a:t>
             </a:r>
             <a:r>
-              <a:rPr spc="-5" dirty="0"/>
-              <a:t> Adobe</a:t>
-            </a:r>
-            <a:r>
-              <a:rPr spc="60" dirty="0"/>
-              <a:t> </a:t>
-            </a:r>
-            <a:r>
-              <a:rPr spc="-10" dirty="0"/>
-              <a:t>Confidential.</a:t>
+              <a:rPr lang="fr-FR" dirty="0"/>
+              <a:t>. Données confidentielles Adobe</a:t>
             </a:r>
           </a:p>
         </p:txBody>
@@ -11885,49 +10445,15 @@
               </a:lnSpc>
             </a:pPr>
             <a:r>
-              <a:rPr sz="500" spc="-5">
+              <a:rPr lang="fr-FR" sz="500">
                 <a:solidFill>
                   <a:srgbClr val="6C6C6C"/>
                 </a:solidFill>
                 <a:latin typeface="Adobe Clean"/>
                 <a:cs typeface="Adobe Clean"/>
               </a:rPr>
-              <a:t>©2020 Adobe. All Rights Reserved. </a:t>
+              <a:t>©2020 Adobe. All Rights Reserved. Données confidentielles Adobe</a:t>
             </a:r>
-            <a:r>
-              <a:rPr sz="500">
-                <a:solidFill>
-                  <a:srgbClr val="6C6C6C"/>
-                </a:solidFill>
-                <a:latin typeface="Adobe Clean"/>
-                <a:cs typeface="Adobe Clean"/>
-              </a:rPr>
-              <a:t>Adobe</a:t>
-            </a:r>
-            <a:r>
-              <a:rPr sz="500" spc="5">
-                <a:solidFill>
-                  <a:srgbClr val="6C6C6C"/>
-                </a:solidFill>
-                <a:latin typeface="Adobe Clean"/>
-                <a:cs typeface="Adobe Clean"/>
-              </a:rPr>
-              <a:t> </a:t>
-            </a:r>
-            <a:r>
-              <a:rPr sz="500" spc="-5">
-                <a:solidFill>
-                  <a:srgbClr val="6C6C6C"/>
-                </a:solidFill>
-                <a:latin typeface="Adobe Clean"/>
-                <a:cs typeface="Adobe Clean"/>
-              </a:rPr>
-              <a:t>Confidential.</a:t>
-            </a:r>
-            <a:endParaRPr sz="500">
-              <a:latin typeface="Adobe Clean"/>
-              <a:cs typeface="Adobe Clean"/>
-            </a:endParaRPr>
           </a:p>
           <a:p>
             <a:pPr>
@@ -11953,39 +10479,15 @@
               </a:spcBef>
             </a:pPr>
             <a:r>
-              <a:rPr sz="800" spc="-5">
+              <a:rPr lang="fr-FR" sz="800">
                 <a:solidFill>
                   <a:srgbClr val="6D6D6D"/>
                 </a:solidFill>
                 <a:latin typeface="Adobe Clean"/>
                 <a:cs typeface="Adobe Clean"/>
               </a:rPr>
-              <a:t>©2020 Adobe. All Rights Reserved. Adobe</a:t>
+              <a:t>©2020 Adobe. All Rights Reserved. Données confidentielles Adobe</a:t>
             </a:r>
-            <a:r>
-              <a:rPr sz="800" spc="75">
-                <a:solidFill>
-                  <a:srgbClr val="6D6D6D"/>
-                </a:solidFill>
-                <a:latin typeface="Adobe Clean"/>
-                <a:cs typeface="Adobe Clean"/>
-              </a:rPr>
-              <a:t> </a:t>
-            </a:r>
-            <a:r>
-              <a:rPr sz="800" spc="-5">
-                <a:solidFill>
-                  <a:srgbClr val="6D6D6D"/>
-                </a:solidFill>
-                <a:latin typeface="Adobe Clean"/>
-                <a:cs typeface="Adobe Clean"/>
-              </a:rPr>
-              <a:t>Confidential.</a:t>
-            </a:r>
-            <a:endParaRPr sz="800">
-              <a:latin typeface="Adobe Clean"/>
-              <a:cs typeface="Adobe Clean"/>
-            </a:endParaRPr>
           </a:p>
         </p:txBody>
       </p:sp>
@@ -12069,19 +10571,15 @@
               </a:spcBef>
             </a:pPr>
             <a:r>
-              <a:rPr lang="en-US" sz="1400" b="1" spc="-15">
+              <a:rPr lang="fr-FR" sz="1400" b="1">
                 <a:solidFill>
                   <a:srgbClr val="020302"/>
                 </a:solidFill>
                 <a:latin typeface="Adobe Clean"/>
                 <a:cs typeface="Adobe Clean"/>
               </a:rPr>
-              <a:t>Resources</a:t>
+              <a:t>Ressources</a:t>
             </a:r>
-            <a:endParaRPr sz="1400">
-              <a:latin typeface="Adobe Clean"/>
-              <a:cs typeface="Adobe Clean"/>
-            </a:endParaRPr>
           </a:p>
         </p:txBody>
       </p:sp>
@@ -12115,7 +10613,7 @@
               </a:spcBef>
             </a:pPr>
             <a:r>
-              <a:rPr sz="800" spc="-15">
+              <a:rPr lang="fr-FR" sz="800">
                 <a:solidFill>
                   <a:srgbClr val="777879"/>
                 </a:solidFill>
@@ -12124,10 +10622,6 @@
               </a:rPr>
               <a:t>Adobe</a:t>
             </a:r>
-            <a:endParaRPr sz="800">
-              <a:latin typeface="Adobe Clean"/>
-              <a:cs typeface="Adobe Clean"/>
-            </a:endParaRPr>
           </a:p>
           <a:p>
             <a:pPr marL="12700">
@@ -12136,39 +10630,15 @@
               </a:lnSpc>
             </a:pPr>
             <a:r>
-              <a:rPr sz="800" spc="-15">
+              <a:rPr lang="fr-FR" sz="800">
                 <a:solidFill>
                   <a:srgbClr val="777879"/>
                 </a:solidFill>
                 <a:latin typeface="Adobe Clean"/>
                 <a:cs typeface="Adobe Clean"/>
               </a:rPr>
-              <a:t>345 Park</a:t>
+              <a:t>345 Park Avenue</a:t>
             </a:r>
-            <a:r>
-              <a:rPr sz="800" spc="-100">
-                <a:solidFill>
-                  <a:srgbClr val="777879"/>
-                </a:solidFill>
-                <a:latin typeface="Adobe Clean"/>
-                <a:cs typeface="Adobe Clean"/>
-              </a:rPr>
-              <a:t> </a:t>
-            </a:r>
-            <a:r>
-              <a:rPr sz="800" spc="-15">
-                <a:solidFill>
-                  <a:srgbClr val="777879"/>
-                </a:solidFill>
-                <a:latin typeface="Adobe Clean"/>
-                <a:cs typeface="Adobe Clean"/>
-              </a:rPr>
-              <a:t>Avenue</a:t>
-            </a:r>
-            <a:endParaRPr sz="800">
-              <a:latin typeface="Adobe Clean"/>
-              <a:cs typeface="Adobe Clean"/>
-            </a:endParaRPr>
           </a:p>
           <a:p>
             <a:pPr marL="12700">
@@ -12177,49 +10647,15 @@
               </a:lnSpc>
             </a:pPr>
             <a:r>
-              <a:rPr sz="800" spc="-10">
+              <a:rPr lang="fr-FR" sz="800">
                 <a:solidFill>
                   <a:srgbClr val="777879"/>
                 </a:solidFill>
                 <a:latin typeface="Adobe Clean"/>
                 <a:cs typeface="Adobe Clean"/>
               </a:rPr>
-              <a:t>San </a:t>
+              <a:t>San Jose, CA95110-2704</a:t>
             </a:r>
-            <a:r>
-              <a:rPr sz="800" spc="-15">
-                <a:solidFill>
-                  <a:srgbClr val="777879"/>
-                </a:solidFill>
-                <a:latin typeface="Adobe Clean"/>
-                <a:cs typeface="Adobe Clean"/>
-              </a:rPr>
-              <a:t>Jose,</a:t>
-            </a:r>
-            <a:r>
-              <a:rPr sz="800" spc="-140">
-                <a:solidFill>
-                  <a:srgbClr val="777879"/>
-                </a:solidFill>
-                <a:latin typeface="Adobe Clean"/>
-                <a:cs typeface="Adobe Clean"/>
-              </a:rPr>
-              <a:t> </a:t>
-            </a:r>
-            <a:r>
-              <a:rPr sz="800" spc="-20">
-                <a:solidFill>
-                  <a:srgbClr val="777879"/>
-                </a:solidFill>
-                <a:latin typeface="Adobe Clean"/>
-                <a:cs typeface="Adobe Clean"/>
-              </a:rPr>
-              <a:t>CA95110-2704</a:t>
-            </a:r>
-            <a:endParaRPr sz="800">
-              <a:latin typeface="Adobe Clean"/>
-              <a:cs typeface="Adobe Clean"/>
-            </a:endParaRPr>
           </a:p>
           <a:p>
             <a:pPr marL="12700">
@@ -12231,19 +10667,15 @@
               </a:spcBef>
             </a:pPr>
             <a:r>
-              <a:rPr sz="800" spc="-10">
+              <a:rPr lang="fr-FR" sz="800">
                 <a:solidFill>
                   <a:srgbClr val="777879"/>
                 </a:solidFill>
                 <a:latin typeface="Adobe Clean"/>
                 <a:cs typeface="Adobe Clean"/>
               </a:rPr>
-              <a:t>USA</a:t>
+              <a:t>États-Unis</a:t>
             </a:r>
-            <a:endParaRPr sz="800">
-              <a:latin typeface="Adobe Clean"/>
-              <a:cs typeface="Adobe Clean"/>
-            </a:endParaRPr>
           </a:p>
           <a:p>
             <a:pPr marL="12700">
@@ -12255,7 +10687,7 @@
               </a:spcBef>
             </a:pPr>
             <a:r>
-              <a:rPr sz="800" u="sng" spc="-25">
+              <a:rPr lang="fr-FR" sz="800" u="sng">
                 <a:solidFill>
                   <a:srgbClr val="5F5F5F"/>
                 </a:solidFill>
@@ -12266,14 +10698,10 @@
                 </a:uFill>
                 <a:latin typeface="Adobe Clean"/>
                 <a:cs typeface="Adobe Clean"/>
-                <a:hlinkClick r:id="rId4"/>
+                <a:hlinkClick r:id="rId3"/>
               </a:rPr>
-              <a:t>www.adobe.com</a:t>
+              <a:t>www.adobe.com/fr/</a:t>
             </a:r>
-            <a:endParaRPr sz="800">
-              <a:latin typeface="Adobe Clean"/>
-              <a:cs typeface="Adobe Clean"/>
-            </a:endParaRPr>
           </a:p>
         </p:txBody>
       </p:sp>
@@ -12292,7 +10720,7 @@
             <a:avLst/>
           </a:prstGeom>
           <a:blipFill>
-            <a:blip r:embed="rId5" cstate="print"/>
+            <a:blip r:embed="rId4" cstate="print"/>
             <a:stretch>
               <a:fillRect/>
             </a:stretch>
@@ -12404,7 +10832,7 @@
             <a:avLst/>
           </a:prstGeom>
           <a:blipFill>
-            <a:blip r:embed="rId6" cstate="print"/>
+            <a:blip r:embed="rId5" cstate="print"/>
             <a:stretch>
               <a:fillRect/>
             </a:stretch>
@@ -12448,439 +10876,15 @@
               </a:spcBef>
             </a:pPr>
             <a:r>
-              <a:rPr sz="1100" i="1" spc="-10" dirty="0">
+              <a:rPr lang="fr-FR" sz="1100" i="1">
                 <a:solidFill>
                   <a:srgbClr val="777879"/>
                 </a:solidFill>
                 <a:latin typeface="AdobeClean-LightIt"/>
                 <a:cs typeface="AdobeClean-LightIt"/>
               </a:rPr>
-              <a:t>To</a:t>
+              <a:t>Pour en apprendre plus sur les offres de l’assistance Adobe et sur le niveau qui vous convient, contactez votre gestionnaire de compte nommé (NAM) ou votre gestionnaire de Succès client (CSM).</a:t>
             </a:r>
-            <a:r>
-              <a:rPr sz="1100" i="1" spc="-50" dirty="0">
-                <a:solidFill>
-                  <a:srgbClr val="777879"/>
-                </a:solidFill>
-                <a:latin typeface="AdobeClean-LightIt"/>
-                <a:cs typeface="AdobeClean-LightIt"/>
-              </a:rPr>
-              <a:t> </a:t>
-            </a:r>
-            <a:r>
-              <a:rPr sz="1100" i="1" spc="-15" dirty="0">
-                <a:solidFill>
-                  <a:srgbClr val="777879"/>
-                </a:solidFill>
-                <a:latin typeface="AdobeClean-LightIt"/>
-                <a:cs typeface="AdobeClean-LightIt"/>
-              </a:rPr>
-              <a:t>learn</a:t>
-            </a:r>
-            <a:r>
-              <a:rPr sz="1100" i="1" spc="-40" dirty="0">
-                <a:solidFill>
-                  <a:srgbClr val="777879"/>
-                </a:solidFill>
-                <a:latin typeface="AdobeClean-LightIt"/>
-                <a:cs typeface="AdobeClean-LightIt"/>
-              </a:rPr>
-              <a:t> </a:t>
-            </a:r>
-            <a:r>
-              <a:rPr sz="1100" i="1" spc="-15" dirty="0">
-                <a:solidFill>
-                  <a:srgbClr val="777879"/>
-                </a:solidFill>
-                <a:latin typeface="AdobeClean-LightIt"/>
-                <a:cs typeface="AdobeClean-LightIt"/>
-              </a:rPr>
-              <a:t>more</a:t>
-            </a:r>
-            <a:r>
-              <a:rPr sz="1100" i="1" spc="-45" dirty="0">
-                <a:solidFill>
-                  <a:srgbClr val="777879"/>
-                </a:solidFill>
-                <a:latin typeface="AdobeClean-LightIt"/>
-                <a:cs typeface="AdobeClean-LightIt"/>
-              </a:rPr>
-              <a:t> </a:t>
-            </a:r>
-            <a:r>
-              <a:rPr sz="1100" i="1" spc="-15" dirty="0">
-                <a:solidFill>
-                  <a:srgbClr val="777879"/>
-                </a:solidFill>
-                <a:latin typeface="AdobeClean-LightIt"/>
-                <a:cs typeface="AdobeClean-LightIt"/>
-              </a:rPr>
-              <a:t>about</a:t>
-            </a:r>
-            <a:r>
-              <a:rPr sz="1100" i="1" spc="-45" dirty="0">
-                <a:solidFill>
-                  <a:srgbClr val="777879"/>
-                </a:solidFill>
-                <a:latin typeface="AdobeClean-LightIt"/>
-                <a:cs typeface="AdobeClean-LightIt"/>
-              </a:rPr>
-              <a:t> </a:t>
-            </a:r>
-            <a:r>
-              <a:rPr sz="1100" i="1" spc="-15" dirty="0">
-                <a:solidFill>
-                  <a:srgbClr val="777879"/>
-                </a:solidFill>
-                <a:latin typeface="AdobeClean-LightIt"/>
-                <a:cs typeface="AdobeClean-LightIt"/>
-              </a:rPr>
-              <a:t>Adobe</a:t>
-            </a:r>
-            <a:r>
-              <a:rPr sz="1100" i="1" spc="-50" dirty="0">
-                <a:solidFill>
-                  <a:srgbClr val="777879"/>
-                </a:solidFill>
-                <a:latin typeface="AdobeClean-LightIt"/>
-                <a:cs typeface="AdobeClean-LightIt"/>
-              </a:rPr>
-              <a:t> </a:t>
-            </a:r>
-            <a:r>
-              <a:rPr sz="1100" i="1" spc="-15" dirty="0">
-                <a:solidFill>
-                  <a:srgbClr val="777879"/>
-                </a:solidFill>
-                <a:latin typeface="AdobeClean-LightIt"/>
-                <a:cs typeface="AdobeClean-LightIt"/>
-              </a:rPr>
-              <a:t>Support</a:t>
-            </a:r>
-            <a:r>
-              <a:rPr lang="en-US" sz="1100" i="1" spc="-15" dirty="0">
-                <a:solidFill>
-                  <a:srgbClr val="777879"/>
-                </a:solidFill>
-                <a:latin typeface="AdobeClean-LightIt"/>
-                <a:cs typeface="AdobeClean-LightIt"/>
-              </a:rPr>
-              <a:t> Offerings</a:t>
-            </a:r>
-            <a:r>
-              <a:rPr sz="1100" i="1" spc="-75" dirty="0">
-                <a:solidFill>
-                  <a:srgbClr val="777879"/>
-                </a:solidFill>
-                <a:latin typeface="AdobeClean-LightIt"/>
-                <a:cs typeface="AdobeClean-LightIt"/>
-              </a:rPr>
-              <a:t> </a:t>
-            </a:r>
-            <a:r>
-              <a:rPr sz="1100" i="1" spc="-15" dirty="0">
-                <a:solidFill>
-                  <a:srgbClr val="777879"/>
-                </a:solidFill>
-                <a:latin typeface="AdobeClean-LightIt"/>
-                <a:cs typeface="AdobeClean-LightIt"/>
-              </a:rPr>
-              <a:t>and</a:t>
-            </a:r>
-            <a:r>
-              <a:rPr sz="1100" i="1" spc="-50" dirty="0">
-                <a:solidFill>
-                  <a:srgbClr val="777879"/>
-                </a:solidFill>
-                <a:latin typeface="AdobeClean-LightIt"/>
-                <a:cs typeface="AdobeClean-LightIt"/>
-              </a:rPr>
-              <a:t> </a:t>
-            </a:r>
-            <a:r>
-              <a:rPr sz="1100" i="1" spc="-15" dirty="0">
-                <a:solidFill>
-                  <a:srgbClr val="777879"/>
-                </a:solidFill>
-                <a:latin typeface="AdobeClean-LightIt"/>
-                <a:cs typeface="AdobeClean-LightIt"/>
-              </a:rPr>
-              <a:t>the</a:t>
-            </a:r>
-            <a:r>
-              <a:rPr sz="1100" i="1" spc="-55" dirty="0">
-                <a:solidFill>
-                  <a:srgbClr val="777879"/>
-                </a:solidFill>
-                <a:latin typeface="AdobeClean-LightIt"/>
-                <a:cs typeface="AdobeClean-LightIt"/>
-              </a:rPr>
-              <a:t> </a:t>
-            </a:r>
-            <a:r>
-              <a:rPr sz="1100" i="1" spc="-15" dirty="0">
-                <a:solidFill>
-                  <a:srgbClr val="777879"/>
-                </a:solidFill>
-                <a:latin typeface="AdobeClean-LightIt"/>
-                <a:cs typeface="AdobeClean-LightIt"/>
-              </a:rPr>
-              <a:t>right</a:t>
-            </a:r>
-            <a:r>
-              <a:rPr sz="1100" i="1" spc="-95" dirty="0">
-                <a:solidFill>
-                  <a:srgbClr val="777879"/>
-                </a:solidFill>
-                <a:latin typeface="AdobeClean-LightIt"/>
-                <a:cs typeface="AdobeClean-LightIt"/>
-              </a:rPr>
-              <a:t> </a:t>
-            </a:r>
-            <a:r>
-              <a:rPr sz="1100" i="1" spc="-15" dirty="0">
-                <a:solidFill>
-                  <a:srgbClr val="777879"/>
-                </a:solidFill>
-                <a:latin typeface="AdobeClean-LightIt"/>
-                <a:cs typeface="AdobeClean-LightIt"/>
-              </a:rPr>
-              <a:t>level</a:t>
-            </a:r>
-            <a:r>
-              <a:rPr sz="1100" i="1" spc="-55" dirty="0">
-                <a:solidFill>
-                  <a:srgbClr val="777879"/>
-                </a:solidFill>
-                <a:latin typeface="AdobeClean-LightIt"/>
-                <a:cs typeface="AdobeClean-LightIt"/>
-              </a:rPr>
-              <a:t> </a:t>
-            </a:r>
-            <a:r>
-              <a:rPr sz="1100" i="1" spc="-15" dirty="0">
-                <a:solidFill>
-                  <a:srgbClr val="777879"/>
-                </a:solidFill>
-                <a:latin typeface="AdobeClean-LightIt"/>
-                <a:cs typeface="AdobeClean-LightIt"/>
-              </a:rPr>
-              <a:t>for</a:t>
-            </a:r>
-            <a:r>
-              <a:rPr sz="1100" i="1" spc="-85" dirty="0">
-                <a:solidFill>
-                  <a:srgbClr val="777879"/>
-                </a:solidFill>
-                <a:latin typeface="AdobeClean-LightIt"/>
-                <a:cs typeface="AdobeClean-LightIt"/>
-              </a:rPr>
-              <a:t> </a:t>
-            </a:r>
-            <a:r>
-              <a:rPr sz="1100" i="1" spc="-15" dirty="0">
-                <a:solidFill>
-                  <a:srgbClr val="777879"/>
-                </a:solidFill>
-                <a:latin typeface="AdobeClean-LightIt"/>
-                <a:cs typeface="AdobeClean-LightIt"/>
-              </a:rPr>
-              <a:t>you,</a:t>
-            </a:r>
-            <a:r>
-              <a:rPr sz="1100" i="1" spc="-65" dirty="0">
-                <a:solidFill>
-                  <a:srgbClr val="777879"/>
-                </a:solidFill>
-                <a:latin typeface="AdobeClean-LightIt"/>
-                <a:cs typeface="AdobeClean-LightIt"/>
-              </a:rPr>
-              <a:t> </a:t>
-            </a:r>
-            <a:r>
-              <a:rPr sz="1100" i="1" spc="-15" dirty="0">
-                <a:solidFill>
-                  <a:srgbClr val="777879"/>
-                </a:solidFill>
-                <a:latin typeface="AdobeClean-LightIt"/>
-                <a:cs typeface="AdobeClean-LightIt"/>
-              </a:rPr>
-              <a:t>contact</a:t>
-            </a:r>
-            <a:r>
-              <a:rPr sz="1100" i="1" spc="-85" dirty="0">
-                <a:solidFill>
-                  <a:srgbClr val="777879"/>
-                </a:solidFill>
-                <a:latin typeface="AdobeClean-LightIt"/>
-                <a:cs typeface="AdobeClean-LightIt"/>
-              </a:rPr>
-              <a:t> </a:t>
-            </a:r>
-            <a:r>
-              <a:rPr sz="1100" i="1" spc="-15" dirty="0">
-                <a:solidFill>
-                  <a:srgbClr val="777879"/>
-                </a:solidFill>
-                <a:latin typeface="AdobeClean-LightIt"/>
-                <a:cs typeface="AdobeClean-LightIt"/>
-              </a:rPr>
-              <a:t>your</a:t>
-            </a:r>
-            <a:r>
-              <a:rPr sz="1100" i="1" spc="-70" dirty="0">
-                <a:solidFill>
-                  <a:srgbClr val="777879"/>
-                </a:solidFill>
-                <a:latin typeface="AdobeClean-LightIt"/>
-                <a:cs typeface="AdobeClean-LightIt"/>
-              </a:rPr>
-              <a:t> </a:t>
-            </a:r>
-            <a:r>
-              <a:rPr sz="1100" i="1" spc="-15" dirty="0">
-                <a:solidFill>
-                  <a:srgbClr val="777879"/>
-                </a:solidFill>
-                <a:latin typeface="AdobeClean-LightIt"/>
-                <a:cs typeface="AdobeClean-LightIt"/>
-              </a:rPr>
-              <a:t>Named</a:t>
-            </a:r>
-            <a:r>
-              <a:rPr sz="1100" i="1" spc="-55" dirty="0">
-                <a:solidFill>
-                  <a:srgbClr val="777879"/>
-                </a:solidFill>
-                <a:latin typeface="AdobeClean-LightIt"/>
-                <a:cs typeface="AdobeClean-LightIt"/>
-              </a:rPr>
-              <a:t> </a:t>
-            </a:r>
-            <a:r>
-              <a:rPr sz="1100" i="1" spc="-25" dirty="0">
-                <a:solidFill>
-                  <a:srgbClr val="777879"/>
-                </a:solidFill>
-                <a:latin typeface="AdobeClean-LightIt"/>
-                <a:cs typeface="AdobeClean-LightIt"/>
-              </a:rPr>
-              <a:t>Account</a:t>
-            </a:r>
-            <a:r>
-              <a:rPr sz="1100" i="1" spc="-120" dirty="0">
-                <a:solidFill>
-                  <a:srgbClr val="777879"/>
-                </a:solidFill>
-                <a:latin typeface="AdobeClean-LightIt"/>
-                <a:cs typeface="AdobeClean-LightIt"/>
-              </a:rPr>
-              <a:t> </a:t>
-            </a:r>
-            <a:r>
-              <a:rPr sz="1100" i="1" spc="-20" dirty="0">
-                <a:solidFill>
-                  <a:srgbClr val="777879"/>
-                </a:solidFill>
-                <a:latin typeface="AdobeClean-LightIt"/>
-                <a:cs typeface="AdobeClean-LightIt"/>
-              </a:rPr>
-              <a:t>Manager </a:t>
-            </a:r>
-            <a:r>
-              <a:rPr sz="1100" i="1" spc="-15" dirty="0">
-                <a:solidFill>
-                  <a:srgbClr val="777879"/>
-                </a:solidFill>
-                <a:latin typeface="AdobeClean-LightIt"/>
-                <a:cs typeface="AdobeClean-LightIt"/>
-              </a:rPr>
-              <a:t>(NAM) </a:t>
-            </a:r>
-            <a:r>
-              <a:rPr sz="1100" i="1" spc="-10" dirty="0">
-                <a:solidFill>
-                  <a:srgbClr val="777879"/>
-                </a:solidFill>
-                <a:latin typeface="AdobeClean-LightIt"/>
-                <a:cs typeface="AdobeClean-LightIt"/>
-              </a:rPr>
-              <a:t>or </a:t>
-            </a:r>
-            <a:r>
-              <a:rPr sz="1100" i="1" spc="-15" dirty="0">
-                <a:solidFill>
-                  <a:srgbClr val="777879"/>
-                </a:solidFill>
-                <a:latin typeface="AdobeClean-LightIt"/>
-                <a:cs typeface="AdobeClean-LightIt"/>
-              </a:rPr>
-              <a:t>Customer </a:t>
-            </a:r>
-            <a:r>
-              <a:rPr sz="1100" i="1" spc="-20" dirty="0">
-                <a:solidFill>
-                  <a:srgbClr val="777879"/>
-                </a:solidFill>
-                <a:latin typeface="AdobeClean-LightIt"/>
-                <a:cs typeface="AdobeClean-LightIt"/>
-              </a:rPr>
-              <a:t>Success</a:t>
-            </a:r>
-            <a:r>
-              <a:rPr sz="1100" i="1" spc="-180" dirty="0">
-                <a:solidFill>
-                  <a:srgbClr val="777879"/>
-                </a:solidFill>
-                <a:latin typeface="AdobeClean-LightIt"/>
-                <a:cs typeface="AdobeClean-LightIt"/>
-              </a:rPr>
-              <a:t> </a:t>
-            </a:r>
-            <a:r>
-              <a:rPr sz="1100" i="1" spc="-15" dirty="0">
-                <a:solidFill>
-                  <a:srgbClr val="777879"/>
-                </a:solidFill>
-                <a:latin typeface="AdobeClean-LightIt"/>
-                <a:cs typeface="AdobeClean-LightIt"/>
-              </a:rPr>
-              <a:t>Manager</a:t>
-            </a:r>
-            <a:r>
-              <a:rPr lang="en-US" sz="1100" i="1" spc="-15" dirty="0">
-                <a:solidFill>
-                  <a:srgbClr val="777879"/>
-                </a:solidFill>
-                <a:latin typeface="AdobeClean-LightIt"/>
-                <a:cs typeface="AdobeClean-LightIt"/>
-              </a:rPr>
-              <a:t> </a:t>
-            </a:r>
-            <a:r>
-              <a:rPr sz="1100" i="1" spc="-15" dirty="0">
-                <a:solidFill>
-                  <a:srgbClr val="777879"/>
-                </a:solidFill>
-                <a:latin typeface="AdobeClean-LightIt"/>
-                <a:cs typeface="AdobeClean-LightIt"/>
-              </a:rPr>
-              <a:t>(CSM)</a:t>
-            </a:r>
-            <a:r>
-              <a:rPr lang="en-US" sz="1100" i="1" spc="-15" dirty="0">
-                <a:solidFill>
-                  <a:srgbClr val="777879"/>
-                </a:solidFill>
-                <a:latin typeface="AdobeClean-LightIt"/>
-                <a:cs typeface="AdobeClean-LightIt"/>
-              </a:rPr>
-              <a:t>.</a:t>
-            </a:r>
-            <a:endParaRPr sz="1100" dirty="0">
-              <a:latin typeface="AdobeClean-LightIt"/>
-              <a:cs typeface="AdobeClean-LightIt"/>
-            </a:endParaRPr>
           </a:p>
           <a:p>
             <a:pPr marL="34290">
@@ -12892,59 +10896,15 @@
               </a:spcBef>
             </a:pPr>
             <a:r>
-              <a:rPr sz="800" spc="-5" dirty="0">
+              <a:rPr lang="fr-FR" sz="800">
                 <a:solidFill>
                   <a:srgbClr val="6D6D6D"/>
                 </a:solidFill>
                 <a:latin typeface="Adobe Clean"/>
                 <a:cs typeface="Adobe Clean"/>
               </a:rPr>
-              <a:t>©202</a:t>
+              <a:t>©2020 Adobe. All Rights Reserved. Données confidentielles Adobe</a:t>
             </a:r>
-            <a:r>
-              <a:rPr lang="en-US" sz="800" spc="-5" dirty="0">
-                <a:solidFill>
-                  <a:srgbClr val="6D6D6D"/>
-                </a:solidFill>
-                <a:latin typeface="Adobe Clean"/>
-                <a:cs typeface="Adobe Clean"/>
-              </a:rPr>
-              <a:t>2</a:t>
-            </a:r>
-            <a:r>
-              <a:rPr sz="800" spc="-5" dirty="0">
-                <a:solidFill>
-                  <a:srgbClr val="6D6D6D"/>
-                </a:solidFill>
-                <a:latin typeface="Adobe Clean"/>
-                <a:cs typeface="Adobe Clean"/>
-              </a:rPr>
-              <a:t> Adobe. All Rights Reserved. Adobe</a:t>
-            </a:r>
-            <a:r>
-              <a:rPr sz="800" spc="75" dirty="0">
-                <a:solidFill>
-                  <a:srgbClr val="6D6D6D"/>
-                </a:solidFill>
-                <a:latin typeface="Adobe Clean"/>
-                <a:cs typeface="Adobe Clean"/>
-              </a:rPr>
-              <a:t> </a:t>
-            </a:r>
-            <a:r>
-              <a:rPr sz="800" spc="-5" dirty="0">
-                <a:solidFill>
-                  <a:srgbClr val="6D6D6D"/>
-                </a:solidFill>
-                <a:latin typeface="Adobe Clean"/>
-                <a:cs typeface="Adobe Clean"/>
-              </a:rPr>
-              <a:t>Confidential.</a:t>
-            </a:r>
-            <a:endParaRPr sz="800" dirty="0">
-              <a:latin typeface="Adobe Clean"/>
-              <a:cs typeface="Adobe Clean"/>
-            </a:endParaRPr>
           </a:p>
         </p:txBody>
       </p:sp>
@@ -12962,8 +10922,8 @@
         </p:nvSpPr>
         <p:spPr>
           <a:xfrm>
-            <a:off x="190707" y="4913781"/>
-            <a:ext cx="6476646" cy="602088"/>
+            <a:off x="190706" y="4913781"/>
+            <a:ext cx="7185453" cy="602088"/>
           </a:xfrm>
           <a:prstGeom prst="rect">
             <a:avLst/>
@@ -12981,19 +10941,15 @@
               </a:spcBef>
             </a:pPr>
             <a:r>
-              <a:rPr lang="en-US" sz="1400" b="1" spc="-15" dirty="0">
+              <a:rPr lang="fr-FR" sz="1400" b="1" dirty="0">
                 <a:solidFill>
                   <a:srgbClr val="020302"/>
                 </a:solidFill>
                 <a:latin typeface="Adobe Clean"/>
                 <a:cs typeface="Adobe Clean"/>
               </a:rPr>
-              <a:t>Regional scope of Adobe Support, Local Hours Of Operation And Language Support</a:t>
+              <a:t>Portée régionale de l’assistance Adobe, heures ouvrables locales et assistance linguistique</a:t>
             </a:r>
-            <a:endParaRPr lang="en-US" sz="1400" spc="-15" dirty="0">
-              <a:ea typeface="+mn-lt"/>
-              <a:cs typeface="+mn-lt"/>
-            </a:endParaRPr>
           </a:p>
           <a:p>
             <a:pPr lvl="0">
@@ -13002,13 +10958,13 @@
               </a:spcBef>
             </a:pPr>
             <a:r>
-              <a:rPr lang="en-US" sz="1000" spc="-15" dirty="0">
+              <a:rPr lang="fr-FR" sz="1000" dirty="0">
                 <a:solidFill>
                   <a:srgbClr val="1F1F1F"/>
                 </a:solidFill>
                 <a:latin typeface="AdobeClean-Light"/>
               </a:rPr>
-              <a:t>Adobe’s local business hours align to the customer’s billing region.</a:t>
+              <a:t>Les heures ouvrables locales d’Adobe s’alignent sur la région de facturation du client.</a:t>
             </a:r>
           </a:p>
         </p:txBody>
@@ -13081,16 +11037,16 @@
                     <a:p>
                       <a:pPr algn="ctr"/>
                       <a:r>
-                        <a:rPr lang="en-US" sz="1100" dirty="0">
+                        <a:rPr lang="fr-FR" sz="1100">
                           <a:solidFill>
                             <a:schemeClr val="tx1"/>
                           </a:solidFill>
                           <a:latin typeface="Adobe Clean" panose="020B0503020404020204" pitchFamily="34" charset="0"/>
                         </a:rPr>
-                        <a:t>Americas </a:t>
+                        <a:t>Amériques </a:t>
                       </a:r>
                       <a:r>
-                        <a:rPr lang="en-US" sz="1100" baseline="30000" dirty="0">
+                        <a:rPr lang="fr-FR" sz="1100" baseline="30000">
                           <a:solidFill>
                             <a:schemeClr val="tx1"/>
                           </a:solidFill>
@@ -13155,13 +11111,13 @@
                     <a:p>
                       <a:pPr algn="ctr"/>
                       <a:r>
-                        <a:rPr lang="en-US" sz="1100" dirty="0">
+                        <a:rPr lang="fr-FR" sz="1100">
                           <a:solidFill>
                             <a:schemeClr val="tx1"/>
                           </a:solidFill>
                           <a:latin typeface="Adobe Clean" panose="020B0503020404020204" pitchFamily="34" charset="0"/>
                         </a:rPr>
-                        <a:t>Europe, Middle East &amp; Africa</a:t>
+                        <a:t>Europe, Moyen-Orient et Afrique</a:t>
                       </a:r>
                     </a:p>
                   </a:txBody>
@@ -13220,13 +11176,13 @@
                     <a:p>
                       <a:pPr algn="ctr"/>
                       <a:r>
-                        <a:rPr lang="en-US" sz="1100" dirty="0">
+                        <a:rPr lang="fr-FR" sz="1100">
                           <a:solidFill>
                             <a:schemeClr val="tx1"/>
                           </a:solidFill>
                           <a:latin typeface="Adobe Clean" panose="020B0503020404020204" pitchFamily="34" charset="0"/>
                         </a:rPr>
-                        <a:t>Asia Pacific</a:t>
+                        <a:t>Asie-Pacifique</a:t>
                       </a:r>
                     </a:p>
                   </a:txBody>
@@ -13285,13 +11241,13 @@
                     <a:p>
                       <a:pPr algn="ctr"/>
                       <a:r>
-                        <a:rPr lang="en-US" sz="1100" dirty="0">
+                        <a:rPr lang="fr-FR" sz="1100">
                           <a:solidFill>
                             <a:schemeClr val="tx1"/>
                           </a:solidFill>
                           <a:latin typeface="Adobe Clean" panose="020B0503020404020204" pitchFamily="34" charset="0"/>
                         </a:rPr>
-                        <a:t>Japan </a:t>
+                        <a:t>Japon </a:t>
                       </a:r>
                     </a:p>
                   </a:txBody>
@@ -13357,7 +11313,7 @@
                     <a:p>
                       <a:pPr algn="ctr"/>
                       <a:r>
-                        <a:rPr lang="en-US" sz="1100" dirty="0">
+                        <a:rPr lang="fr-FR" sz="1100">
                           <a:solidFill>
                             <a:schemeClr val="tx1"/>
                           </a:solidFill>
@@ -13422,13 +11378,13 @@
                     <a:p>
                       <a:pPr algn="ctr"/>
                       <a:r>
-                        <a:rPr lang="en-US" sz="1100" dirty="0">
+                        <a:rPr lang="fr-FR" sz="1100">
                           <a:solidFill>
                             <a:schemeClr val="tx1"/>
                           </a:solidFill>
                           <a:latin typeface="Adobe Clean" panose="020B0503020404020204" pitchFamily="34" charset="0"/>
                         </a:rPr>
-                        <a:t>9 am – 5 pm</a:t>
+                        <a:t>9 h 00 à 17 h 00</a:t>
                       </a:r>
                     </a:p>
                   </a:txBody>
@@ -13487,13 +11443,13 @@
                     <a:p>
                       <a:pPr algn="ctr"/>
                       <a:r>
-                        <a:rPr lang="en-US" sz="1100" dirty="0">
+                        <a:rPr lang="fr-FR" sz="1100">
                           <a:solidFill>
                             <a:schemeClr val="tx1"/>
                           </a:solidFill>
                           <a:latin typeface="Adobe Clean" panose="020B0503020404020204" pitchFamily="34" charset="0"/>
                         </a:rPr>
-                        <a:t>9 am – 5 pm</a:t>
+                        <a:t>9 h 00 à 17 h 00</a:t>
                       </a:r>
                     </a:p>
                   </a:txBody>
@@ -13552,13 +11508,13 @@
                     <a:p>
                       <a:pPr algn="ctr"/>
                       <a:r>
-                        <a:rPr lang="en-US" sz="1100" dirty="0">
+                        <a:rPr lang="fr-FR" sz="1100">
                           <a:solidFill>
                             <a:schemeClr val="tx1"/>
                           </a:solidFill>
                           <a:latin typeface="Adobe Clean" panose="020B0503020404020204" pitchFamily="34" charset="0"/>
                         </a:rPr>
-                        <a:t>9 am – 5:30 pm</a:t>
+                        <a:t>9 h 00 - 17 h 30</a:t>
                       </a:r>
                     </a:p>
                   </a:txBody>
@@ -13622,7 +11578,7 @@
                     <a:bodyPr/>
                     <a:lstStyle/>
                     <a:p>
-                      <a:pPr marL="0" marR="0" lvl="0" indent="0" algn="ctr" defTabSz="914400" eaLnBrk="1" fontAlgn="auto" latinLnBrk="0" hangingPunct="1">
+                      <a:pPr marL="0" marR="0" lvl="0" indent="0" algn="l" defTabSz="914400" rtl="0" eaLnBrk="1" fontAlgn="auto" latinLnBrk="0" hangingPunct="1">
                         <a:lnSpc>
                           <a:spcPct val="100000"/>
                         </a:lnSpc>
@@ -13665,7 +11621,7 @@
                         <a:defRPr/>
                       </a:pPr>
                       <a:r>
-                        <a:rPr lang="en-US" sz="1100" baseline="30000" dirty="0">
+                        <a:rPr lang="fr-FR" sz="1100" baseline="30000">
                           <a:solidFill>
                             <a:schemeClr val="tx1"/>
                           </a:solidFill>
@@ -13674,13 +11630,13 @@
                         <a:t>1</a:t>
                       </a:r>
                       <a:r>
-                        <a:rPr lang="en-US" sz="1100" dirty="0">
+                        <a:rPr lang="fr-FR" sz="1100">
                           <a:solidFill>
                             <a:schemeClr val="tx1"/>
                           </a:solidFill>
                           <a:latin typeface="Adobe Clean" panose="020B0503020404020204" pitchFamily="34" charset="0"/>
                         </a:rPr>
-                        <a:t>Americas Language support available in English only.</a:t>
+                        <a:t>Assistance linguistique pour les Amériques en anglais uniquement.</a:t>
                       </a:r>
                     </a:p>
                   </a:txBody>
@@ -13994,7 +11950,7 @@
           <p:nvPr/>
         </p:nvPicPr>
         <p:blipFill>
-          <a:blip r:embed="rId7" cstate="print"/>
+          <a:blip r:embed="rId6" cstate="print"/>
           <a:stretch>
             <a:fillRect/>
           </a:stretch>
@@ -14023,8 +11979,8 @@
         </p:nvSpPr>
         <p:spPr>
           <a:xfrm>
-            <a:off x="2840871" y="8528519"/>
-            <a:ext cx="810895" cy="385445"/>
+            <a:off x="2682877" y="8528519"/>
+            <a:ext cx="1089023" cy="382797"/>
           </a:xfrm>
           <a:prstGeom prst="rect">
             <a:avLst/>
@@ -14036,7 +11992,7 @@
           </a:bodyPr>
           <a:lstStyle/>
           <a:p>
-            <a:pPr marL="139065" marR="5080" indent="-139065">
+            <a:pPr marL="139065" marR="5080" indent="-139065" algn="ctr">
               <a:lnSpc>
                 <a:spcPts val="1390"/>
               </a:lnSpc>
@@ -14045,129 +12001,15 @@
               </a:spcBef>
             </a:pPr>
             <a:r>
-              <a:rPr sz="1200" b="1" spc="-15">
+              <a:rPr lang="fr-FR" sz="1200" b="1" dirty="0">
                 <a:solidFill>
                   <a:srgbClr val="FFFFFF"/>
                 </a:solidFill>
                 <a:latin typeface="Adobe Clean"/>
                 <a:cs typeface="Adobe Clean"/>
               </a:rPr>
-              <a:t>U</a:t>
+              <a:t>Expertise incomparable</a:t>
             </a:r>
-            <a:r>
-              <a:rPr sz="1200" b="1" spc="-20">
-                <a:solidFill>
-                  <a:srgbClr val="FFFFFF"/>
-                </a:solidFill>
-                <a:latin typeface="Adobe Clean"/>
-                <a:cs typeface="Adobe Clean"/>
-              </a:rPr>
-              <a:t>n</a:t>
-            </a:r>
-            <a:r>
-              <a:rPr sz="1200" b="1" spc="-25">
-                <a:solidFill>
-                  <a:srgbClr val="FFFFFF"/>
-                </a:solidFill>
-                <a:latin typeface="Adobe Clean"/>
-                <a:cs typeface="Adobe Clean"/>
-              </a:rPr>
-              <a:t>p</a:t>
-            </a:r>
-            <a:r>
-              <a:rPr sz="1200" b="1" spc="-15">
-                <a:solidFill>
-                  <a:srgbClr val="FFFFFF"/>
-                </a:solidFill>
-                <a:latin typeface="Adobe Clean"/>
-                <a:cs typeface="Adobe Clean"/>
-              </a:rPr>
-              <a:t>a</a:t>
-            </a:r>
-            <a:r>
-              <a:rPr sz="1200" b="1" spc="-25">
-                <a:solidFill>
-                  <a:srgbClr val="FFFFFF"/>
-                </a:solidFill>
-                <a:latin typeface="Adobe Clean"/>
-                <a:cs typeface="Adobe Clean"/>
-              </a:rPr>
-              <a:t>r</a:t>
-            </a:r>
-            <a:r>
-              <a:rPr sz="1200" b="1" spc="-15">
-                <a:solidFill>
-                  <a:srgbClr val="FFFFFF"/>
-                </a:solidFill>
-                <a:latin typeface="Adobe Clean"/>
-                <a:cs typeface="Adobe Clean"/>
-              </a:rPr>
-              <a:t>a</a:t>
-            </a:r>
-            <a:r>
-              <a:rPr sz="1200" b="1" spc="-30">
-                <a:solidFill>
-                  <a:srgbClr val="FFFFFF"/>
-                </a:solidFill>
-                <a:latin typeface="Adobe Clean"/>
-                <a:cs typeface="Adobe Clean"/>
-              </a:rPr>
-              <a:t>ll</a:t>
-            </a:r>
-            <a:r>
-              <a:rPr sz="1200" b="1" spc="-25">
-                <a:solidFill>
-                  <a:srgbClr val="FFFFFF"/>
-                </a:solidFill>
-                <a:latin typeface="Adobe Clean"/>
-                <a:cs typeface="Adobe Clean"/>
-              </a:rPr>
-              <a:t>e</a:t>
-            </a:r>
-            <a:r>
-              <a:rPr sz="1200" b="1" spc="-30">
-                <a:solidFill>
-                  <a:srgbClr val="FFFFFF"/>
-                </a:solidFill>
-                <a:latin typeface="Adobe Clean"/>
-                <a:cs typeface="Adobe Clean"/>
-              </a:rPr>
-              <a:t>l</a:t>
-            </a:r>
-            <a:r>
-              <a:rPr sz="1200" b="1" spc="-25">
-                <a:solidFill>
-                  <a:srgbClr val="FFFFFF"/>
-                </a:solidFill>
-                <a:latin typeface="Adobe Clean"/>
-                <a:cs typeface="Adobe Clean"/>
-              </a:rPr>
-              <a:t>e</a:t>
-            </a:r>
-            <a:r>
-              <a:rPr sz="1200" b="1">
-                <a:solidFill>
-                  <a:srgbClr val="FFFFFF"/>
-                </a:solidFill>
-                <a:latin typeface="Adobe Clean"/>
-                <a:cs typeface="Adobe Clean"/>
-              </a:rPr>
-              <a:t>d  </a:t>
-            </a:r>
-            <a:r>
-              <a:rPr sz="1200" b="1" spc="-25">
-                <a:solidFill>
-                  <a:srgbClr val="FFFFFF"/>
-                </a:solidFill>
-                <a:latin typeface="Adobe Clean"/>
-                <a:cs typeface="Adobe Clean"/>
-              </a:rPr>
-              <a:t>Expertise</a:t>
-            </a:r>
-            <a:endParaRPr sz="1200">
-              <a:latin typeface="Adobe Clean"/>
-              <a:cs typeface="Adobe Clean"/>
-            </a:endParaRPr>
           </a:p>
         </p:txBody>
       </p:sp>
@@ -14185,8 +12027,8 @@
         </p:nvSpPr>
         <p:spPr>
           <a:xfrm>
-            <a:off x="4732495" y="8541244"/>
-            <a:ext cx="810895" cy="382797"/>
+            <a:off x="4572475" y="8541244"/>
+            <a:ext cx="959645" cy="382797"/>
           </a:xfrm>
           <a:prstGeom prst="rect">
             <a:avLst/>
@@ -14198,7 +12040,7 @@
           </a:bodyPr>
           <a:lstStyle/>
           <a:p>
-            <a:pPr marL="139065" marR="5080" indent="-139065">
+            <a:pPr marL="138113" marR="5080" indent="-23813" algn="ctr">
               <a:lnSpc>
                 <a:spcPts val="1390"/>
               </a:lnSpc>
@@ -14207,19 +12049,15 @@
               </a:spcBef>
             </a:pPr>
             <a:r>
-              <a:rPr lang="en-US" sz="1200" b="1" spc="-15">
+              <a:rPr lang="fr-FR" sz="1200" b="1" dirty="0">
                 <a:solidFill>
                   <a:srgbClr val="FFFFFF"/>
                 </a:solidFill>
                 <a:latin typeface="Adobe Clean"/>
                 <a:cs typeface="Adobe Clean"/>
               </a:rPr>
-              <a:t>Accelerated Support</a:t>
+              <a:t>Assistance accélérée</a:t>
             </a:r>
-            <a:endParaRPr sz="1200">
-              <a:latin typeface="Adobe Clean"/>
-              <a:cs typeface="Adobe Clean"/>
-            </a:endParaRPr>
           </a:p>
         </p:txBody>
       </p:sp>
@@ -14237,8 +12075,8 @@
         </p:nvSpPr>
         <p:spPr>
           <a:xfrm>
-            <a:off x="6624119" y="8543943"/>
-            <a:ext cx="510540" cy="385445"/>
+            <a:off x="6438900" y="8543943"/>
+            <a:ext cx="886259" cy="385445"/>
           </a:xfrm>
           <a:prstGeom prst="rect">
             <a:avLst/>
@@ -14250,7 +12088,7 @@
           </a:bodyPr>
           <a:lstStyle/>
           <a:p>
-            <a:pPr marL="50800" marR="5080" indent="-51435">
+            <a:pPr marL="50800" marR="5080" indent="-51435" algn="ctr">
               <a:lnSpc>
                 <a:spcPts val="1390"/>
               </a:lnSpc>
@@ -14259,109 +12097,15 @@
               </a:spcBef>
             </a:pPr>
             <a:r>
-              <a:rPr sz="1200" b="1" spc="-50">
+              <a:rPr lang="fr-FR" sz="1200" b="1" dirty="0">
                 <a:solidFill>
                   <a:srgbClr val="FFFFFF"/>
                 </a:solidFill>
                 <a:latin typeface="Adobe Clean"/>
                 <a:cs typeface="Adobe Clean"/>
               </a:rPr>
-              <a:t>S</a:t>
+              <a:t>Conseil stratégique</a:t>
             </a:r>
-            <a:r>
-              <a:rPr sz="1200" b="1" spc="-20">
-                <a:solidFill>
-                  <a:srgbClr val="FFFFFF"/>
-                </a:solidFill>
-                <a:latin typeface="Adobe Clean"/>
-                <a:cs typeface="Adobe Clean"/>
-              </a:rPr>
-              <a:t>t</a:t>
-            </a:r>
-            <a:r>
-              <a:rPr sz="1200" b="1" spc="-75">
-                <a:solidFill>
-                  <a:srgbClr val="FFFFFF"/>
-                </a:solidFill>
-                <a:latin typeface="Adobe Clean"/>
-                <a:cs typeface="Adobe Clean"/>
-              </a:rPr>
-              <a:t>r</a:t>
-            </a:r>
-            <a:r>
-              <a:rPr sz="1200" b="1" spc="-90">
-                <a:solidFill>
-                  <a:srgbClr val="FFFFFF"/>
-                </a:solidFill>
-                <a:latin typeface="Adobe Clean"/>
-                <a:cs typeface="Adobe Clean"/>
-              </a:rPr>
-              <a:t>a</a:t>
-            </a:r>
-            <a:r>
-              <a:rPr sz="1200" b="1" spc="-55">
-                <a:solidFill>
-                  <a:srgbClr val="FFFFFF"/>
-                </a:solidFill>
-                <a:latin typeface="Adobe Clean"/>
-                <a:cs typeface="Adobe Clean"/>
-              </a:rPr>
-              <a:t>t</a:t>
-            </a:r>
-            <a:r>
-              <a:rPr sz="1200" b="1" spc="-100">
-                <a:solidFill>
-                  <a:srgbClr val="FFFFFF"/>
-                </a:solidFill>
-                <a:latin typeface="Adobe Clean"/>
-                <a:cs typeface="Adobe Clean"/>
-              </a:rPr>
-              <a:t>e</a:t>
-            </a:r>
-            <a:r>
-              <a:rPr sz="1200" b="1" spc="-80">
-                <a:solidFill>
-                  <a:srgbClr val="FFFFFF"/>
-                </a:solidFill>
-                <a:latin typeface="Adobe Clean"/>
-                <a:cs typeface="Adobe Clean"/>
-              </a:rPr>
-              <a:t>g</a:t>
-            </a:r>
-            <a:r>
-              <a:rPr sz="1200" b="1" spc="-35">
-                <a:solidFill>
-                  <a:srgbClr val="FFFFFF"/>
-                </a:solidFill>
-                <a:latin typeface="Adobe Clean"/>
-                <a:cs typeface="Adobe Clean"/>
-              </a:rPr>
-              <a:t>i</a:t>
-            </a:r>
-            <a:r>
-              <a:rPr sz="1200" b="1">
-                <a:solidFill>
-                  <a:srgbClr val="FFFFFF"/>
-                </a:solidFill>
-                <a:latin typeface="Adobe Clean"/>
-                <a:cs typeface="Adobe Clean"/>
-              </a:rPr>
-              <a:t>c  </a:t>
-            </a:r>
-            <a:r>
-              <a:rPr sz="1200" b="1" spc="-45">
-                <a:solidFill>
-                  <a:srgbClr val="FFFFFF"/>
-                </a:solidFill>
-                <a:latin typeface="Adobe Clean"/>
-                <a:cs typeface="Adobe Clean"/>
-              </a:rPr>
-              <a:t>Advice</a:t>
-            </a:r>
-            <a:endParaRPr sz="1200">
-              <a:latin typeface="Adobe Clean"/>
-              <a:cs typeface="Adobe Clean"/>
-            </a:endParaRPr>
           </a:p>
         </p:txBody>
       </p:sp>
@@ -14387,7 +12131,7 @@
         </p:nvGraphicFramePr>
         <p:xfrm>
           <a:off x="194237" y="1272353"/>
-          <a:ext cx="7368291" cy="2473960"/>
+          <a:ext cx="7368291" cy="2956560"/>
         </p:xfrm>
         <a:graphic>
           <a:graphicData uri="http://schemas.openxmlformats.org/drawingml/2006/table">
@@ -14421,18 +12165,17 @@
                         <a:buNone/>
                       </a:pPr>
                       <a:r>
-                        <a:rPr lang="en-US" sz="1200" b="0" strike="noStrike" dirty="0">
+                        <a:rPr lang="fr-FR" sz="1200" b="0" strike="noStrike">
                           <a:solidFill>
                             <a:srgbClr val="5F5F5F"/>
                           </a:solidFill>
                           <a:latin typeface="Adobe Clean"/>
                           <a:ea typeface="+mn-ea"/>
                           <a:cs typeface="+mn-cs"/>
-                          <a:hlinkClick r:id="rId8"/>
+                          <a:hlinkClick r:id="rId7"/>
                         </a:rPr>
-                        <a:t>Enterprise Learn &amp; Support</a:t>
+                        <a:t>Formation et support aux entreprises</a:t>
                       </a:r>
-                      <a:endParaRPr lang="en-US"/>
                     </a:p>
                   </a:txBody>
                   <a:tcPr marL="47625" marR="47625" marT="0" marB="0" anchor="ctr">
@@ -14504,7 +12247,7 @@
                         <a:buNone/>
                       </a:pPr>
                       <a:r>
-                        <a:rPr lang="en-US" sz="1000" b="0" strike="noStrike" kern="1200" dirty="0">
+                        <a:rPr lang="fr-FR" sz="1000" b="0" strike="noStrike">
                           <a:solidFill>
                             <a:schemeClr val="tx1"/>
                           </a:solidFill>
@@ -14512,7 +12255,7 @@
                           <a:ea typeface="+mn-ea"/>
                           <a:cs typeface="+mn-cs"/>
                         </a:rPr>
-                        <a:t>Enterprise Learn &amp; Support is a place where Adobe customers can find self-help tutorials, product documentation, instructor-led training, community and support for select Adobe Creative Cloud and Document products.</a:t>
+                        <a:t>Formation et support aux entreprises est un endroit où les clients Adobe peuvent trouver des tutoriels automatiques, de la documentation sur les produits, une formation dispensée par un instructeur, une communauté et une assistance technique pour les produits Creative Cloud et Document sélectionnés.</a:t>
                       </a:r>
                     </a:p>
                   </a:txBody>
@@ -14594,15 +12337,14 @@
                         <a:defRPr/>
                       </a:pPr>
                       <a:r>
-                        <a:rPr lang="en-US" sz="1200" strike="noStrike" dirty="0">
+                        <a:rPr lang="fr-FR" sz="1200" strike="noStrike">
                           <a:solidFill>
                             <a:srgbClr val="5F5F5F"/>
                           </a:solidFill>
-                          <a:effectLst/>
                           <a:latin typeface="Adobe Clean" panose="020B0503020404020204" pitchFamily="34" charset="0"/>
                           <a:ea typeface="+mn-ea"/>
                           <a:cs typeface="+mn-cs"/>
-                          <a:hlinkClick r:id="rId9">
+                          <a:hlinkClick r:id="rId8">
                             <a:extLst>
                               <a:ext uri="{A12FA001-AC4F-418D-AE19-62706E023703}">
                                 <ahyp:hlinkClr xmlns:ahyp="http://schemas.microsoft.com/office/drawing/2018/hyperlinkcolor" val="tx"/>
@@ -14610,17 +12352,8 @@
                             </a:extLst>
                           </a:hlinkClick>
                         </a:rPr>
-                        <a:t>Adobe Support Community </a:t>
+                        <a:t>Communauté d’assistance Adobe </a:t>
                       </a:r>
-                      <a:endParaRPr lang="en-US" sz="1200" strike="noStrike" dirty="0">
-                        <a:solidFill>
-                          <a:srgbClr val="5F5F5F"/>
-                        </a:solidFill>
-                        <a:effectLst/>
-                        <a:latin typeface="Adobe Clean" panose="020B0503020404020204" pitchFamily="34" charset="0"/>
-                        <a:ea typeface="+mn-ea"/>
-                        <a:cs typeface="+mn-cs"/>
-                      </a:endParaRPr>
                     </a:p>
                   </a:txBody>
                   <a:tcPr anchor="ctr">
@@ -14694,7 +12427,7 @@
                         <a:defRPr/>
                       </a:pPr>
                       <a:r>
-                        <a:rPr lang="en-US" sz="1000" strike="noStrike" kern="1200" dirty="0">
+                        <a:rPr lang="fr-FR" sz="1000" strike="noStrike">
                           <a:solidFill>
                             <a:schemeClr val="tx1"/>
                           </a:solidFill>
@@ -14702,19 +12435,8 @@
                           <a:ea typeface="+mn-ea"/>
                           <a:cs typeface="+mn-cs"/>
                         </a:rPr>
-                        <a:t>The Adobe Support Community is the place to ask questions, find answers, learn from experts and share your knowledge.</a:t>
+                        <a:t>La communauté d’assistance Adobe est l’endroit où poser des questions, trouver des réponses, apprendre des experts et partager vos connaissances.</a:t>
                       </a:r>
-                      <a:endParaRPr lang="en-US" sz="1000" strike="noStrike" kern="1200" dirty="0">
-                        <a:solidFill>
-                          <a:schemeClr val="tx1"/>
-                        </a:solidFill>
-                        <a:highlight>
-                          <a:srgbClr val="FFFF00"/>
-                        </a:highlight>
-                        <a:latin typeface="Adobe Clean Light" panose="020B0303020404020204" pitchFamily="34" charset="0"/>
-                        <a:ea typeface="+mn-ea"/>
-                        <a:cs typeface="+mn-cs"/>
-                      </a:endParaRPr>
                     </a:p>
                   </a:txBody>
                   <a:tcPr anchor="ctr">
@@ -14795,15 +12517,14 @@
                         <a:defRPr/>
                       </a:pPr>
                       <a:r>
-                        <a:rPr lang="en-US" sz="1200" dirty="0">
+                        <a:rPr lang="fr-FR" sz="1200">
                           <a:solidFill>
                             <a:srgbClr val="5F5F5F"/>
                           </a:solidFill>
-                          <a:effectLst/>
                           <a:latin typeface="Adobe Clean" panose="020B0503020404020204" pitchFamily="34" charset="0"/>
                           <a:ea typeface="+mn-ea"/>
                           <a:cs typeface="+mn-cs"/>
-                          <a:hlinkClick r:id="rId10">
+                          <a:hlinkClick r:id="rId9">
                             <a:extLst>
                               <a:ext uri="{A12FA001-AC4F-418D-AE19-62706E023703}">
                                 <ahyp:hlinkClr xmlns:ahyp="http://schemas.microsoft.com/office/drawing/2018/hyperlinkcolor" val="tx"/>
@@ -14811,17 +12532,8 @@
                             </a:extLst>
                           </a:hlinkClick>
                         </a:rPr>
-                        <a:t>Production Issues &amp; System Outages</a:t>
+                        <a:t>Problèmes de production et panne du système</a:t>
                       </a:r>
-                      <a:endParaRPr lang="en-US" sz="1200" dirty="0">
-                        <a:solidFill>
-                          <a:srgbClr val="5F5F5F"/>
-                        </a:solidFill>
-                        <a:effectLst/>
-                        <a:latin typeface="Adobe Clean" panose="020B0503020404020204" pitchFamily="34" charset="0"/>
-                        <a:ea typeface="+mn-ea"/>
-                        <a:cs typeface="+mn-cs"/>
-                      </a:endParaRPr>
                     </a:p>
                   </a:txBody>
                   <a:tcPr anchor="ctr">
@@ -14895,7 +12607,7 @@
                         <a:defRPr/>
                       </a:pPr>
                       <a:r>
-                        <a:rPr lang="en-US" sz="1000" kern="1200" dirty="0">
+                        <a:rPr lang="fr-FR" sz="1000">
                           <a:solidFill>
                             <a:schemeClr val="tx1"/>
                           </a:solidFill>
@@ -14903,7 +12615,7 @@
                           <a:ea typeface="+mn-ea"/>
                           <a:cs typeface="+mn-cs"/>
                         </a:rPr>
-                        <a:t>Status.adobe.com conveys the health information of all Adobe products and services that are deployed in multi-tenant environments. Customers can choose their subscription preferences to get email notifications whenever Adobe creates, updates or resolves a product event. This can include scheduled maintenance or service issues of varying levels of severity. </a:t>
+                        <a:t>Status.adobe.com transmet les informations d’intégrité de tous les produits et services d’Adobe déployés dans des environnements multi-entité. Les clients peuvent choisir leurs préférences d’abonnement afin de recevoir des notifications par e-mail chaque fois qu’Adobe crée, met à jour ou résout un événement de produit. Cet événement peut inclure des problèmes de maintenance planifiée ou de service présentant différents niveaux de gravité. </a:t>
                       </a:r>
                     </a:p>
                   </a:txBody>
@@ -14985,15 +12697,14 @@
                         <a:defRPr/>
                       </a:pPr>
                       <a:r>
-                        <a:rPr lang="en-US" sz="1200" dirty="0">
+                        <a:rPr lang="fr-FR" sz="1200">
                           <a:solidFill>
                             <a:srgbClr val="5F5F5F"/>
                           </a:solidFill>
-                          <a:effectLst/>
                           <a:latin typeface="Adobe Clean" panose="020B0503020404020204" pitchFamily="34" charset="0"/>
                           <a:ea typeface="+mn-ea"/>
                           <a:cs typeface="+mn-cs"/>
-                          <a:hlinkClick r:id="rId11">
+                          <a:hlinkClick r:id="rId10">
                             <a:extLst>
                               <a:ext uri="{A12FA001-AC4F-418D-AE19-62706E023703}">
                                 <ahyp:hlinkClr xmlns:ahyp="http://schemas.microsoft.com/office/drawing/2018/hyperlinkcolor" val="tx"/>
@@ -15001,17 +12712,8 @@
                             </a:extLst>
                           </a:hlinkClick>
                         </a:rPr>
-                        <a:t>Terms and Conditions</a:t>
+                        <a:t>Termes et conditions</a:t>
                       </a:r>
-                      <a:endParaRPr lang="en-US" sz="1200" dirty="0">
-                        <a:solidFill>
-                          <a:srgbClr val="5F5F5F"/>
-                        </a:solidFill>
-                        <a:effectLst/>
-                        <a:latin typeface="Adobe Clean" panose="020B0503020404020204" pitchFamily="34" charset="0"/>
-                        <a:ea typeface="+mn-ea"/>
-                        <a:cs typeface="+mn-cs"/>
-                      </a:endParaRPr>
                     </a:p>
                   </a:txBody>
                   <a:tcPr anchor="ctr">
@@ -15068,7 +12770,7 @@
                     <a:lstStyle/>
                     <a:p>
                       <a:r>
-                        <a:rPr lang="en-US" sz="1000" kern="1200" dirty="0">
+                        <a:rPr lang="fr-FR" sz="1000">
                           <a:solidFill>
                             <a:schemeClr val="tx1"/>
                           </a:solidFill>
@@ -15076,7 +12778,7 @@
                           <a:ea typeface="+mn-ea"/>
                           <a:cs typeface="+mn-cs"/>
                         </a:rPr>
-                        <a:t>Terms and conditions detailing Support Services offerings.</a:t>
+                        <a:t>Il s’agit des termes et conditions détaillant les offres des services d’assistance.</a:t>
                       </a:r>
                     </a:p>
                   </a:txBody>
@@ -15153,13 +12855,13 @@
           <p:nvPr/>
         </p:nvPicPr>
         <p:blipFill>
-          <a:blip r:embed="rId12">
+          <a:blip r:embed="rId11">
             <a:extLst>
               <a:ext uri="{28A0092B-C50C-407E-A947-70E740481C1C}">
                 <a14:useLocalDpi xmlns:a14="http://schemas.microsoft.com/office/drawing/2010/main" val="0"/>
               </a:ext>
               <a:ext uri="{96DAC541-7B7A-43D3-8B79-37D633B846F1}">
-                <asvg:svgBlip xmlns:asvg="http://schemas.microsoft.com/office/drawing/2016/SVG/main" r:embed="rId13"/>
+                <asvg:svgBlip xmlns:asvg="http://schemas.microsoft.com/office/drawing/2016/SVG/main" r:embed="rId12"/>
               </a:ext>
             </a:extLst>
           </a:blip>
@@ -15192,13 +12894,13 @@
           <p:nvPr/>
         </p:nvPicPr>
         <p:blipFill>
-          <a:blip r:embed="rId14">
+          <a:blip r:embed="rId13">
             <a:extLst>
               <a:ext uri="{28A0092B-C50C-407E-A947-70E740481C1C}">
                 <a14:useLocalDpi xmlns:a14="http://schemas.microsoft.com/office/drawing/2010/main" val="0"/>
               </a:ext>
               <a:ext uri="{96DAC541-7B7A-43D3-8B79-37D633B846F1}">
-                <asvg:svgBlip xmlns:asvg="http://schemas.microsoft.com/office/drawing/2016/SVG/main" r:embed="rId15"/>
+                <asvg:svgBlip xmlns:asvg="http://schemas.microsoft.com/office/drawing/2016/SVG/main" r:embed="rId14"/>
               </a:ext>
             </a:extLst>
           </a:blip>
@@ -15231,13 +12933,13 @@
           <p:nvPr/>
         </p:nvPicPr>
         <p:blipFill>
-          <a:blip r:embed="rId16">
+          <a:blip r:embed="rId15">
             <a:extLst>
               <a:ext uri="{28A0092B-C50C-407E-A947-70E740481C1C}">
                 <a14:useLocalDpi xmlns:a14="http://schemas.microsoft.com/office/drawing/2010/main" val="0"/>
               </a:ext>
               <a:ext uri="{96DAC541-7B7A-43D3-8B79-37D633B846F1}">
-                <asvg:svgBlip xmlns:asvg="http://schemas.microsoft.com/office/drawing/2016/SVG/main" r:embed="rId17"/>
+                <asvg:svgBlip xmlns:asvg="http://schemas.microsoft.com/office/drawing/2016/SVG/main" r:embed="rId16"/>
               </a:ext>
             </a:extLst>
           </a:blip>
@@ -15269,8 +12971,8 @@
         </p:nvSpPr>
         <p:spPr>
           <a:xfrm>
-            <a:off x="177091" y="957075"/>
-            <a:ext cx="777240" cy="45719"/>
+            <a:off x="177090" y="957075"/>
+            <a:ext cx="882089" cy="45719"/>
           </a:xfrm>
           <a:custGeom>
             <a:avLst/>
@@ -15313,11 +13015,6 @@
   <p:clrMapOvr>
     <a:masterClrMapping/>
   </p:clrMapOvr>
-  <p:extLst>
-    <p:ext uri="{6950BFC3-D8DA-4A85-94F7-54DA5524770B}">
-      <p188:commentRel xmlns:p188="http://schemas.microsoft.com/office/powerpoint/2018/8/main" r:id="rId3"/>
-    </p:ext>
-  </p:extLst>
 </p:sld>
 </file>
 
@@ -15900,21 +13597,6 @@
 </file>
 
 <file path=customXml/item1.xml><?xml version="1.0" encoding="utf-8"?>
-<?mso-contentType ?>
-<FormTemplates xmlns="http://schemas.microsoft.com/sharepoint/v3/contenttype/forms">
-  <Display>DocumentLibraryForm</Display>
-  <Edit>DocumentLibraryForm</Edit>
-  <New>DocumentLibraryForm</New>
-</FormTemplates>
-</file>
-
-<file path=customXml/item2.xml><?xml version="1.0" encoding="utf-8"?>
-<p:properties xmlns:p="http://schemas.microsoft.com/office/2006/metadata/properties" xmlns:xsi="http://www.w3.org/2001/XMLSchema-instance" xmlns:pc="http://schemas.microsoft.com/office/infopath/2007/PartnerControls">
-  <documentManagement/>
-</p:properties>
-</file>
-
-<file path=customXml/item3.xml><?xml version="1.0" encoding="utf-8"?>
 <ct:contentTypeSchema xmlns:ct="http://schemas.microsoft.com/office/2006/metadata/contentType" xmlns:ma="http://schemas.microsoft.com/office/2006/metadata/properties/metaAttributes" ct:_="" ma:_="" ma:contentTypeName="Document" ma:contentTypeID="0x0101009423269C2B3A1A408FE719AA0C68584E" ma:contentTypeVersion="12" ma:contentTypeDescription="Create a new document." ma:contentTypeScope="" ma:versionID="bb0e62b6784238cdabe687d3bb80e52e">
   <xsd:schema xmlns:xsd="http://www.w3.org/2001/XMLSchema" xmlns:xs="http://www.w3.org/2001/XMLSchema" xmlns:p="http://schemas.microsoft.com/office/2006/metadata/properties" xmlns:ns2="01e63850-2818-4a9f-a0cd-2d4201ad5cd5" xmlns:ns3="281057cd-4f7e-4aa3-94a7-05201549cd15" targetNamespace="http://schemas.microsoft.com/office/2006/metadata/properties" ma:root="true" ma:fieldsID="8056aed6c30138b1a2c5f47f967a193a" ns2:_="" ns3:_="">
     <xsd:import namespace="01e63850-2818-4a9f-a0cd-2d4201ad5cd5"/>
@@ -16131,10 +13813,36 @@
 </ct:contentTypeSchema>
 </file>
 
+<file path=customXml/item2.xml><?xml version="1.0" encoding="utf-8"?>
+<p:properties xmlns:p="http://schemas.microsoft.com/office/2006/metadata/properties" xmlns:xsi="http://www.w3.org/2001/XMLSchema-instance" xmlns:pc="http://schemas.microsoft.com/office/infopath/2007/PartnerControls">
+  <documentManagement/>
+</p:properties>
+</file>
+
+<file path=customXml/item3.xml><?xml version="1.0" encoding="utf-8"?>
+<?mso-contentType ?>
+<FormTemplates xmlns="http://schemas.microsoft.com/sharepoint/v3/contenttype/forms">
+  <Display>DocumentLibraryForm</Display>
+  <Edit>DocumentLibraryForm</Edit>
+  <New>DocumentLibraryForm</New>
+</FormTemplates>
+</file>
+
 <file path=customXml/itemProps1.xml><?xml version="1.0" encoding="utf-8"?>
-<ds:datastoreItem xmlns:ds="http://schemas.openxmlformats.org/officeDocument/2006/customXml" ds:itemID="{941989CE-20BB-4A6A-A33F-71A1AE469C3E}">
+<ds:datastoreItem xmlns:ds="http://schemas.openxmlformats.org/officeDocument/2006/customXml" ds:itemID="{C688342C-4DFE-4E47-A40D-C772A567C924}">
   <ds:schemaRefs>
-    <ds:schemaRef ds:uri="http://schemas.microsoft.com/sharepoint/v3/contenttype/forms"/>
+    <ds:schemaRef ds:uri="http://schemas.microsoft.com/office/2006/metadata/contentType"/>
+    <ds:schemaRef ds:uri="http://schemas.microsoft.com/office/2006/metadata/properties/metaAttributes"/>
+    <ds:schemaRef ds:uri="http://www.w3.org/2001/XMLSchema"/>
+    <ds:schemaRef ds:uri="http://schemas.microsoft.com/office/2006/metadata/properties"/>
+    <ds:schemaRef ds:uri="01e63850-2818-4a9f-a0cd-2d4201ad5cd5"/>
+    <ds:schemaRef ds:uri="281057cd-4f7e-4aa3-94a7-05201549cd15"/>
+    <ds:schemaRef ds:uri="http://schemas.microsoft.com/office/2006/documentManagement/types"/>
+    <ds:schemaRef ds:uri="http://schemas.microsoft.com/office/infopath/2007/PartnerControls"/>
+    <ds:schemaRef ds:uri="http://schemas.openxmlformats.org/package/2006/metadata/core-properties"/>
+    <ds:schemaRef ds:uri="http://purl.org/dc/elements/1.1/"/>
+    <ds:schemaRef ds:uri="http://purl.org/dc/terms/"/>
+    <ds:schemaRef ds:uri="http://schemas.microsoft.com/internal/obd"/>
   </ds:schemaRefs>
 </ds:datastoreItem>
 </file>
@@ -16157,20 +13865,9 @@
 </file>
 
 <file path=customXml/itemProps3.xml><?xml version="1.0" encoding="utf-8"?>
-<ds:datastoreItem xmlns:ds="http://schemas.openxmlformats.org/officeDocument/2006/customXml" ds:itemID="{C688342C-4DFE-4E47-A40D-C772A567C924}">
+<ds:datastoreItem xmlns:ds="http://schemas.openxmlformats.org/officeDocument/2006/customXml" ds:itemID="{941989CE-20BB-4A6A-A33F-71A1AE469C3E}">
   <ds:schemaRefs>
-    <ds:schemaRef ds:uri="http://schemas.microsoft.com/office/2006/metadata/contentType"/>
-    <ds:schemaRef ds:uri="http://schemas.microsoft.com/office/2006/metadata/properties/metaAttributes"/>
-    <ds:schemaRef ds:uri="http://www.w3.org/2001/XMLSchema"/>
-    <ds:schemaRef ds:uri="http://schemas.microsoft.com/office/2006/metadata/properties"/>
-    <ds:schemaRef ds:uri="01e63850-2818-4a9f-a0cd-2d4201ad5cd5"/>
-    <ds:schemaRef ds:uri="281057cd-4f7e-4aa3-94a7-05201549cd15"/>
-    <ds:schemaRef ds:uri="http://schemas.microsoft.com/office/2006/documentManagement/types"/>
-    <ds:schemaRef ds:uri="http://schemas.microsoft.com/office/infopath/2007/PartnerControls"/>
-    <ds:schemaRef ds:uri="http://schemas.openxmlformats.org/package/2006/metadata/core-properties"/>
-    <ds:schemaRef ds:uri="http://purl.org/dc/elements/1.1/"/>
-    <ds:schemaRef ds:uri="http://purl.org/dc/terms/"/>
-    <ds:schemaRef ds:uri="http://schemas.microsoft.com/internal/obd"/>
+    <ds:schemaRef ds:uri="http://schemas.microsoft.com/sharepoint/v3/contenttype/forms"/>
   </ds:schemaRefs>
 </ds:datastoreItem>
 </file>